--- a/Test Driven Development/materials/pptx/9. TDD-Legacy.pptx
+++ b/Test Driven Development/materials/pptx/9. TDD-Legacy.pptx
@@ -7,28 +7,27 @@
     <p:sldMasterId id="2147483694" r:id="rId3"/>
   </p:sldMasterIdLst>
   <p:notesMasterIdLst>
-    <p:notesMasterId r:id="rId23"/>
+    <p:notesMasterId r:id="rId22"/>
   </p:notesMasterIdLst>
   <p:sldIdLst>
     <p:sldId id="355" r:id="rId4"/>
-    <p:sldId id="257" r:id="rId5"/>
-    <p:sldId id="375" r:id="rId6"/>
-    <p:sldId id="377" r:id="rId7"/>
-    <p:sldId id="376" r:id="rId8"/>
-    <p:sldId id="379" r:id="rId9"/>
-    <p:sldId id="380" r:id="rId10"/>
-    <p:sldId id="378" r:id="rId11"/>
-    <p:sldId id="382" r:id="rId12"/>
-    <p:sldId id="381" r:id="rId13"/>
-    <p:sldId id="383" r:id="rId14"/>
-    <p:sldId id="384" r:id="rId15"/>
-    <p:sldId id="385" r:id="rId16"/>
-    <p:sldId id="386" r:id="rId17"/>
-    <p:sldId id="387" r:id="rId18"/>
-    <p:sldId id="388" r:id="rId19"/>
-    <p:sldId id="392" r:id="rId20"/>
-    <p:sldId id="357" r:id="rId21"/>
-    <p:sldId id="356" r:id="rId22"/>
+    <p:sldId id="375" r:id="rId5"/>
+    <p:sldId id="377" r:id="rId6"/>
+    <p:sldId id="376" r:id="rId7"/>
+    <p:sldId id="379" r:id="rId8"/>
+    <p:sldId id="380" r:id="rId9"/>
+    <p:sldId id="378" r:id="rId10"/>
+    <p:sldId id="382" r:id="rId11"/>
+    <p:sldId id="381" r:id="rId12"/>
+    <p:sldId id="383" r:id="rId13"/>
+    <p:sldId id="384" r:id="rId14"/>
+    <p:sldId id="385" r:id="rId15"/>
+    <p:sldId id="386" r:id="rId16"/>
+    <p:sldId id="387" r:id="rId17"/>
+    <p:sldId id="388" r:id="rId18"/>
+    <p:sldId id="392" r:id="rId19"/>
+    <p:sldId id="357" r:id="rId20"/>
+    <p:sldId id="356" r:id="rId21"/>
   </p:sldIdLst>
   <p:sldSz cx="9144000" cy="6858000" type="screen4x3"/>
   <p:notesSz cx="6858000" cy="9144000"/>
@@ -212,7 +211,7 @@
           <a:p>
             <a:fld id="{B946ECE3-FD69-FE4C-B5B3-E9526994F809}" type="datetimeFigureOut">
               <a:rPr lang="en-US" smtClean="0"/>
-              <a:t>11/1/12</a:t>
+              <a:t>12/10/2012</a:t>
             </a:fld>
             <a:endParaRPr lang="en-US"/>
           </a:p>
@@ -562,7 +561,7 @@
           <a:p>
             <a:fld id="{3A3568CC-110C-4346-A0AE-B1FBECAA9176}" type="slidenum">
               <a:rPr lang="en-US" smtClean="0"/>
-              <a:t>3</a:t>
+              <a:t>2</a:t>
             </a:fld>
             <a:endParaRPr lang="en-US" dirty="0"/>
           </a:p>
@@ -646,7 +645,7 @@
           <a:p>
             <a:fld id="{3A3568CC-110C-4346-A0AE-B1FBECAA9176}" type="slidenum">
               <a:rPr lang="en-US" smtClean="0"/>
-              <a:t>12</a:t>
+              <a:t>11</a:t>
             </a:fld>
             <a:endParaRPr lang="en-US"/>
           </a:p>
@@ -730,7 +729,7 @@
           <a:p>
             <a:fld id="{3A3568CC-110C-4346-A0AE-B1FBECAA9176}" type="slidenum">
               <a:rPr lang="en-US" smtClean="0"/>
-              <a:t>13</a:t>
+              <a:t>12</a:t>
             </a:fld>
             <a:endParaRPr lang="en-US"/>
           </a:p>
@@ -814,7 +813,7 @@
           <a:p>
             <a:fld id="{3A3568CC-110C-4346-A0AE-B1FBECAA9176}" type="slidenum">
               <a:rPr lang="en-US" smtClean="0"/>
-              <a:t>14</a:t>
+              <a:t>13</a:t>
             </a:fld>
             <a:endParaRPr lang="en-US"/>
           </a:p>
@@ -898,7 +897,7 @@
           <a:p>
             <a:fld id="{3A3568CC-110C-4346-A0AE-B1FBECAA9176}" type="slidenum">
               <a:rPr lang="en-US" smtClean="0"/>
-              <a:t>15</a:t>
+              <a:t>14</a:t>
             </a:fld>
             <a:endParaRPr lang="en-US"/>
           </a:p>
@@ -982,7 +981,7 @@
           <a:p>
             <a:fld id="{3A3568CC-110C-4346-A0AE-B1FBECAA9176}" type="slidenum">
               <a:rPr lang="en-US" smtClean="0"/>
-              <a:t>16</a:t>
+              <a:t>15</a:t>
             </a:fld>
             <a:endParaRPr lang="en-US"/>
           </a:p>
@@ -1066,7 +1065,7 @@
           <a:p>
             <a:fld id="{3A3568CC-110C-4346-A0AE-B1FBECAA9176}" type="slidenum">
               <a:rPr lang="en-US" smtClean="0"/>
-              <a:t>17</a:t>
+              <a:t>16</a:t>
             </a:fld>
             <a:endParaRPr lang="en-US"/>
           </a:p>
@@ -1150,7 +1149,7 @@
           <a:p>
             <a:fld id="{3A3568CC-110C-4346-A0AE-B1FBECAA9176}" type="slidenum">
               <a:rPr lang="en-US" smtClean="0"/>
-              <a:t>4</a:t>
+              <a:t>3</a:t>
             </a:fld>
             <a:endParaRPr lang="en-US"/>
           </a:p>
@@ -1234,7 +1233,7 @@
           <a:p>
             <a:fld id="{3A3568CC-110C-4346-A0AE-B1FBECAA9176}" type="slidenum">
               <a:rPr lang="en-US" smtClean="0"/>
-              <a:t>5</a:t>
+              <a:t>4</a:t>
             </a:fld>
             <a:endParaRPr lang="en-US"/>
           </a:p>
@@ -1318,7 +1317,7 @@
           <a:p>
             <a:fld id="{3A3568CC-110C-4346-A0AE-B1FBECAA9176}" type="slidenum">
               <a:rPr lang="en-US" smtClean="0"/>
-              <a:t>6</a:t>
+              <a:t>5</a:t>
             </a:fld>
             <a:endParaRPr lang="en-US"/>
           </a:p>
@@ -1402,7 +1401,7 @@
           <a:p>
             <a:fld id="{3A3568CC-110C-4346-A0AE-B1FBECAA9176}" type="slidenum">
               <a:rPr lang="en-US" smtClean="0"/>
-              <a:t>7</a:t>
+              <a:t>6</a:t>
             </a:fld>
             <a:endParaRPr lang="en-US"/>
           </a:p>
@@ -1486,7 +1485,7 @@
           <a:p>
             <a:fld id="{3A3568CC-110C-4346-A0AE-B1FBECAA9176}" type="slidenum">
               <a:rPr lang="en-US" smtClean="0"/>
-              <a:t>8</a:t>
+              <a:t>7</a:t>
             </a:fld>
             <a:endParaRPr lang="en-US"/>
           </a:p>
@@ -1570,7 +1569,7 @@
           <a:p>
             <a:fld id="{3A3568CC-110C-4346-A0AE-B1FBECAA9176}" type="slidenum">
               <a:rPr lang="en-US" smtClean="0"/>
-              <a:t>9</a:t>
+              <a:t>8</a:t>
             </a:fld>
             <a:endParaRPr lang="en-US"/>
           </a:p>
@@ -1654,7 +1653,7 @@
           <a:p>
             <a:fld id="{3A3568CC-110C-4346-A0AE-B1FBECAA9176}" type="slidenum">
               <a:rPr lang="en-US" smtClean="0"/>
-              <a:t>10</a:t>
+              <a:t>9</a:t>
             </a:fld>
             <a:endParaRPr lang="en-US"/>
           </a:p>
@@ -1738,7 +1737,7 @@
           <a:p>
             <a:fld id="{3A3568CC-110C-4346-A0AE-B1FBECAA9176}" type="slidenum">
               <a:rPr lang="en-US" smtClean="0"/>
-              <a:t>11</a:t>
+              <a:t>10</a:t>
             </a:fld>
             <a:endParaRPr lang="en-US"/>
           </a:p>
@@ -1938,7 +1937,7 @@
           <a:p>
             <a:fld id="{7793EDCB-5B64-3143-AFED-AA1357A092FA}" type="datetimeFigureOut">
               <a:rPr lang="en-US" smtClean="0"/>
-              <a:t>11/1/12</a:t>
+              <a:t>12/10/2012</a:t>
             </a:fld>
             <a:endParaRPr lang="en-US"/>
           </a:p>
@@ -2108,7 +2107,7 @@
           <a:p>
             <a:fld id="{7793EDCB-5B64-3143-AFED-AA1357A092FA}" type="datetimeFigureOut">
               <a:rPr lang="en-US" smtClean="0"/>
-              <a:t>11/1/12</a:t>
+              <a:t>12/10/2012</a:t>
             </a:fld>
             <a:endParaRPr lang="en-US"/>
           </a:p>
@@ -2288,7 +2287,7 @@
           <a:p>
             <a:fld id="{7793EDCB-5B64-3143-AFED-AA1357A092FA}" type="datetimeFigureOut">
               <a:rPr lang="en-US" smtClean="0"/>
-              <a:t>11/1/12</a:t>
+              <a:t>12/10/2012</a:t>
             </a:fld>
             <a:endParaRPr lang="en-US"/>
           </a:p>
@@ -2400,14 +2399,14 @@
             <a:noFill/>
           </a:ln>
           <a:extLst>
-            <a:ext uri="{909E8E84-426E-40dd-AFC4-6F175D3DCCD1}">
+            <a:ext uri="{909E8E84-426E-40DD-AFC4-6F175D3DCCD1}">
               <a14:hiddenFill xmlns:a14="http://schemas.microsoft.com/office/drawing/2010/main">
                 <a:solidFill>
                   <a:srgbClr val="FFFFFF"/>
                 </a:solidFill>
               </a14:hiddenFill>
             </a:ext>
-            <a:ext uri="{91240B29-F687-4f45-9708-019B960494DF}">
+            <a:ext uri="{91240B29-F687-4F45-9708-019B960494DF}">
               <a14:hiddenLine xmlns:a14="http://schemas.microsoft.com/office/drawing/2010/main" w="9525">
                 <a:solidFill>
                   <a:srgbClr val="000000"/>
@@ -2454,14 +2453,14 @@
             <a:noFill/>
           </a:ln>
           <a:extLst>
-            <a:ext uri="{909E8E84-426E-40dd-AFC4-6F175D3DCCD1}">
+            <a:ext uri="{909E8E84-426E-40DD-AFC4-6F175D3DCCD1}">
               <a14:hiddenFill xmlns:a14="http://schemas.microsoft.com/office/drawing/2010/main">
                 <a:solidFill>
                   <a:srgbClr val="FFFFFF"/>
                 </a:solidFill>
               </a14:hiddenFill>
             </a:ext>
-            <a:ext uri="{91240B29-F687-4f45-9708-019B960494DF}">
+            <a:ext uri="{91240B29-F687-4F45-9708-019B960494DF}">
               <a14:hiddenLine xmlns:a14="http://schemas.microsoft.com/office/drawing/2010/main" w="9525">
                 <a:solidFill>
                   <a:srgbClr val="000000"/>
@@ -2556,7 +2555,7 @@
   <p:clrMapOvr>
     <a:masterClrMapping/>
   </p:clrMapOvr>
-  <p:transition xmlns:p14="http://schemas.microsoft.com/office/powerpoint/2010/main" spd="slow">
+  <p:transition spd="slow">
     <p:fade/>
   </p:transition>
 </p:sldLayout>
@@ -2785,7 +2784,7 @@
   <p:clrMapOvr>
     <a:masterClrMapping/>
   </p:clrMapOvr>
-  <p:transition xmlns:p14="http://schemas.microsoft.com/office/powerpoint/2010/main" spd="slow">
+  <p:transition spd="slow">
     <p:fade/>
   </p:transition>
 </p:sldLayout>
@@ -3027,7 +3026,7 @@
   <p:clrMapOvr>
     <a:masterClrMapping/>
   </p:clrMapOvr>
-  <p:transition xmlns:p14="http://schemas.microsoft.com/office/powerpoint/2010/main" spd="slow">
+  <p:transition spd="slow">
     <p:fade/>
   </p:transition>
 </p:sldLayout>
@@ -3441,7 +3440,7 @@
   <p:clrMapOvr>
     <a:masterClrMapping/>
   </p:clrMapOvr>
-  <p:transition xmlns:p14="http://schemas.microsoft.com/office/powerpoint/2010/main" spd="slow">
+  <p:transition spd="slow">
     <p:fade/>
   </p:transition>
 </p:sldLayout>
@@ -3811,7 +3810,7 @@
   <p:clrMapOvr>
     <a:masterClrMapping/>
   </p:clrMapOvr>
-  <p:transition xmlns:p14="http://schemas.microsoft.com/office/powerpoint/2010/main" spd="slow">
+  <p:transition spd="slow">
     <p:fade/>
   </p:transition>
 </p:sldLayout>
@@ -4481,7 +4480,7 @@
   <p:clrMapOvr>
     <a:masterClrMapping/>
   </p:clrMapOvr>
-  <p:transition xmlns:p14="http://schemas.microsoft.com/office/powerpoint/2010/main" spd="slow">
+  <p:transition spd="slow">
     <p:fade/>
   </p:transition>
 </p:sldLayout>
@@ -4806,7 +4805,7 @@
   <p:clrMapOvr>
     <a:masterClrMapping/>
   </p:clrMapOvr>
-  <p:transition xmlns:p14="http://schemas.microsoft.com/office/powerpoint/2010/main" spd="slow">
+  <p:transition spd="slow">
     <p:fade/>
   </p:transition>
 </p:sldLayout>
@@ -5216,7 +5215,7 @@
   <p:clrMapOvr>
     <a:masterClrMapping/>
   </p:clrMapOvr>
-  <p:transition xmlns:p14="http://schemas.microsoft.com/office/powerpoint/2010/main" spd="slow">
+  <p:transition spd="slow">
     <p:fade/>
   </p:transition>
 </p:sldLayout>
@@ -5331,7 +5330,7 @@
           <a:p>
             <a:fld id="{7793EDCB-5B64-3143-AFED-AA1357A092FA}" type="datetimeFigureOut">
               <a:rPr lang="en-US" smtClean="0"/>
-              <a:t>11/1/12</a:t>
+              <a:t>12/10/2012</a:t>
             </a:fld>
             <a:endParaRPr lang="en-US"/>
           </a:p>
@@ -5711,7 +5710,7 @@
   <p:clrMapOvr>
     <a:masterClrMapping/>
   </p:clrMapOvr>
-  <p:transition xmlns:p14="http://schemas.microsoft.com/office/powerpoint/2010/main" spd="slow">
+  <p:transition spd="slow">
     <p:fade/>
   </p:transition>
 </p:sldLayout>
@@ -6121,7 +6120,7 @@
   <p:clrMapOvr>
     <a:masterClrMapping/>
   </p:clrMapOvr>
-  <p:transition xmlns:p14="http://schemas.microsoft.com/office/powerpoint/2010/main" spd="slow">
+  <p:transition spd="slow">
     <p:fade/>
   </p:transition>
 </p:sldLayout>
@@ -6446,7 +6445,7 @@
   <p:clrMapOvr>
     <a:masterClrMapping/>
   </p:clrMapOvr>
-  <p:transition xmlns:p14="http://schemas.microsoft.com/office/powerpoint/2010/main" spd="slow">
+  <p:transition spd="slow">
     <p:fade/>
   </p:transition>
 </p:sldLayout>
@@ -6771,7 +6770,7 @@
   <p:clrMapOvr>
     <a:masterClrMapping/>
   </p:clrMapOvr>
-  <p:transition xmlns:p14="http://schemas.microsoft.com/office/powerpoint/2010/main" spd="slow">
+  <p:transition spd="slow">
     <p:fade/>
   </p:transition>
 </p:sldLayout>
@@ -7181,7 +7180,7 @@
   <p:clrMapOvr>
     <a:masterClrMapping/>
   </p:clrMapOvr>
-  <p:transition xmlns:p14="http://schemas.microsoft.com/office/powerpoint/2010/main" spd="slow">
+  <p:transition spd="slow">
     <p:fade/>
   </p:transition>
 </p:sldLayout>
@@ -7591,7 +7590,7 @@
   <p:clrMapOvr>
     <a:masterClrMapping/>
   </p:clrMapOvr>
-  <p:transition xmlns:p14="http://schemas.microsoft.com/office/powerpoint/2010/main" spd="slow">
+  <p:transition spd="slow">
     <p:fade/>
   </p:transition>
 </p:sldLayout>
@@ -7783,7 +7782,7 @@
   <p:clrMapOvr>
     <a:masterClrMapping/>
   </p:clrMapOvr>
-  <p:transition xmlns:p14="http://schemas.microsoft.com/office/powerpoint/2010/main" spd="slow">
+  <p:transition spd="slow">
     <p:fade/>
   </p:transition>
 </p:sldLayout>
@@ -7869,7 +7868,7 @@
   <p:clrMapOvr>
     <a:masterClrMapping/>
   </p:clrMapOvr>
-  <p:transition xmlns:p14="http://schemas.microsoft.com/office/powerpoint/2010/main" spd="slow">
+  <p:transition spd="slow">
     <p:fade/>
   </p:transition>
 </p:sldLayout>
@@ -8023,7 +8022,7 @@
                   <a:spcPct val="0"/>
                 </a:spcAft>
               </a:pPr>
-              <a:t>11/1/12</a:t>
+              <a:t>10.12.2012</a:t>
             </a:fld>
             <a:endParaRPr lang="ru-RU">
               <a:solidFill>
@@ -8193,7 +8192,7 @@
   <p:clrMapOvr>
     <a:masterClrMapping/>
   </p:clrMapOvr>
-  <p:transition xmlns:p14="http://schemas.microsoft.com/office/powerpoint/2010/main" spd="slow">
+  <p:transition spd="slow">
     <p:fade/>
   </p:transition>
 </p:sldLayout>
@@ -8384,7 +8383,7 @@
           <a:p>
             <a:fld id="{7793EDCB-5B64-3143-AFED-AA1357A092FA}" type="datetimeFigureOut">
               <a:rPr lang="en-US" smtClean="0"/>
-              <a:t>11/1/12</a:t>
+              <a:t>12/10/2012</a:t>
             </a:fld>
             <a:endParaRPr lang="en-US"/>
           </a:p>
@@ -8627,14 +8626,14 @@
             <a:noFill/>
           </a:ln>
           <a:extLst>
-            <a:ext uri="{909E8E84-426E-40dd-AFC4-6F175D3DCCD1}">
+            <a:ext uri="{909E8E84-426E-40DD-AFC4-6F175D3DCCD1}">
               <a14:hiddenFill xmlns:a14="http://schemas.microsoft.com/office/drawing/2010/main">
                 <a:solidFill>
                   <a:srgbClr val="FFFFFF"/>
                 </a:solidFill>
               </a14:hiddenFill>
             </a:ext>
-            <a:ext uri="{91240B29-F687-4f45-9708-019B960494DF}">
+            <a:ext uri="{91240B29-F687-4F45-9708-019B960494DF}">
               <a14:hiddenLine xmlns:a14="http://schemas.microsoft.com/office/drawing/2010/main" w="9525">
                 <a:solidFill>
                   <a:srgbClr val="000000"/>
@@ -8770,14 +8769,14 @@
             <a:noFill/>
           </a:ln>
           <a:extLst>
-            <a:ext uri="{909E8E84-426E-40dd-AFC4-6F175D3DCCD1}">
+            <a:ext uri="{909E8E84-426E-40DD-AFC4-6F175D3DCCD1}">
               <a14:hiddenFill xmlns:a14="http://schemas.microsoft.com/office/drawing/2010/main">
                 <a:solidFill>
                   <a:srgbClr val="FFFFFF"/>
                 </a:solidFill>
               </a14:hiddenFill>
             </a:ext>
-            <a:ext uri="{91240B29-F687-4f45-9708-019B960494DF}">
+            <a:ext uri="{91240B29-F687-4F45-9708-019B960494DF}">
               <a14:hiddenLine xmlns:a14="http://schemas.microsoft.com/office/drawing/2010/main" w="9525">
                 <a:solidFill>
                   <a:srgbClr val="000000"/>
@@ -8824,14 +8823,14 @@
             <a:noFill/>
           </a:ln>
           <a:extLst>
-            <a:ext uri="{909E8E84-426E-40dd-AFC4-6F175D3DCCD1}">
+            <a:ext uri="{909E8E84-426E-40DD-AFC4-6F175D3DCCD1}">
               <a14:hiddenFill xmlns:a14="http://schemas.microsoft.com/office/drawing/2010/main">
                 <a:solidFill>
                   <a:srgbClr val="FFFFFF"/>
                 </a:solidFill>
               </a14:hiddenFill>
             </a:ext>
-            <a:ext uri="{91240B29-F687-4f45-9708-019B960494DF}">
+            <a:ext uri="{91240B29-F687-4F45-9708-019B960494DF}">
               <a14:hiddenLine xmlns:a14="http://schemas.microsoft.com/office/drawing/2010/main" w="9525">
                 <a:solidFill>
                   <a:srgbClr val="000000"/>
@@ -9100,7 +9099,7 @@
   <p:clrMapOvr>
     <a:masterClrMapping/>
   </p:clrMapOvr>
-  <p:transition xmlns:p14="http://schemas.microsoft.com/office/powerpoint/2010/main">
+  <p:transition>
     <p:zoom/>
   </p:transition>
 </p:sldLayout>
@@ -9329,7 +9328,7 @@
   <p:clrMapOvr>
     <a:masterClrMapping/>
   </p:clrMapOvr>
-  <p:transition xmlns:p14="http://schemas.microsoft.com/office/powerpoint/2010/main" spd="slow">
+  <p:transition spd="slow">
     <p:fade/>
   </p:transition>
 </p:sldLayout>
@@ -9386,14 +9385,14 @@
             <a:noFill/>
           </a:ln>
           <a:extLst>
-            <a:ext uri="{909E8E84-426E-40dd-AFC4-6F175D3DCCD1}">
+            <a:ext uri="{909E8E84-426E-40DD-AFC4-6F175D3DCCD1}">
               <a14:hiddenFill xmlns:a14="http://schemas.microsoft.com/office/drawing/2010/main">
                 <a:solidFill>
                   <a:srgbClr val="FFFFFF"/>
                 </a:solidFill>
               </a14:hiddenFill>
             </a:ext>
-            <a:ext uri="{91240B29-F687-4f45-9708-019B960494DF}">
+            <a:ext uri="{91240B29-F687-4F45-9708-019B960494DF}">
               <a14:hiddenLine xmlns:a14="http://schemas.microsoft.com/office/drawing/2010/main" w="9525">
                 <a:solidFill>
                   <a:srgbClr val="000000"/>
@@ -9529,14 +9528,14 @@
             <a:noFill/>
           </a:ln>
           <a:extLst>
-            <a:ext uri="{909E8E84-426E-40dd-AFC4-6F175D3DCCD1}">
+            <a:ext uri="{909E8E84-426E-40DD-AFC4-6F175D3DCCD1}">
               <a14:hiddenFill xmlns:a14="http://schemas.microsoft.com/office/drawing/2010/main">
                 <a:solidFill>
                   <a:srgbClr val="FFFFFF"/>
                 </a:solidFill>
               </a14:hiddenFill>
             </a:ext>
-            <a:ext uri="{91240B29-F687-4f45-9708-019B960494DF}">
+            <a:ext uri="{91240B29-F687-4F45-9708-019B960494DF}">
               <a14:hiddenLine xmlns:a14="http://schemas.microsoft.com/office/drawing/2010/main" w="9525">
                 <a:solidFill>
                   <a:srgbClr val="000000"/>
@@ -9583,14 +9582,14 @@
             <a:noFill/>
           </a:ln>
           <a:extLst>
-            <a:ext uri="{909E8E84-426E-40dd-AFC4-6F175D3DCCD1}">
+            <a:ext uri="{909E8E84-426E-40DD-AFC4-6F175D3DCCD1}">
               <a14:hiddenFill xmlns:a14="http://schemas.microsoft.com/office/drawing/2010/main">
                 <a:solidFill>
                   <a:srgbClr val="FFFFFF"/>
                 </a:solidFill>
               </a14:hiddenFill>
             </a:ext>
-            <a:ext uri="{91240B29-F687-4f45-9708-019B960494DF}">
+            <a:ext uri="{91240B29-F687-4F45-9708-019B960494DF}">
               <a14:hiddenLine xmlns:a14="http://schemas.microsoft.com/office/drawing/2010/main" w="9525">
                 <a:solidFill>
                   <a:srgbClr val="000000"/>
@@ -9859,7 +9858,7 @@
   <p:clrMapOvr>
     <a:masterClrMapping/>
   </p:clrMapOvr>
-  <p:transition xmlns:p14="http://schemas.microsoft.com/office/powerpoint/2010/main">
+  <p:transition>
     <p:zoom/>
   </p:transition>
 </p:sldLayout>
@@ -9916,14 +9915,14 @@
             <a:noFill/>
           </a:ln>
           <a:extLst>
-            <a:ext uri="{909E8E84-426E-40dd-AFC4-6F175D3DCCD1}">
+            <a:ext uri="{909E8E84-426E-40DD-AFC4-6F175D3DCCD1}">
               <a14:hiddenFill xmlns:a14="http://schemas.microsoft.com/office/drawing/2010/main">
                 <a:solidFill>
                   <a:srgbClr val="FFFFFF"/>
                 </a:solidFill>
               </a14:hiddenFill>
             </a:ext>
-            <a:ext uri="{91240B29-F687-4f45-9708-019B960494DF}">
+            <a:ext uri="{91240B29-F687-4F45-9708-019B960494DF}">
               <a14:hiddenLine xmlns:a14="http://schemas.microsoft.com/office/drawing/2010/main" w="9525">
                 <a:solidFill>
                   <a:srgbClr val="000000"/>
@@ -10059,14 +10058,14 @@
             <a:noFill/>
           </a:ln>
           <a:extLst>
-            <a:ext uri="{909E8E84-426E-40dd-AFC4-6F175D3DCCD1}">
+            <a:ext uri="{909E8E84-426E-40DD-AFC4-6F175D3DCCD1}">
               <a14:hiddenFill xmlns:a14="http://schemas.microsoft.com/office/drawing/2010/main">
                 <a:solidFill>
                   <a:srgbClr val="FFFFFF"/>
                 </a:solidFill>
               </a14:hiddenFill>
             </a:ext>
-            <a:ext uri="{91240B29-F687-4f45-9708-019B960494DF}">
+            <a:ext uri="{91240B29-F687-4F45-9708-019B960494DF}">
               <a14:hiddenLine xmlns:a14="http://schemas.microsoft.com/office/drawing/2010/main" w="9525">
                 <a:solidFill>
                   <a:srgbClr val="000000"/>
@@ -10113,14 +10112,14 @@
             <a:noFill/>
           </a:ln>
           <a:extLst>
-            <a:ext uri="{909E8E84-426E-40dd-AFC4-6F175D3DCCD1}">
+            <a:ext uri="{909E8E84-426E-40DD-AFC4-6F175D3DCCD1}">
               <a14:hiddenFill xmlns:a14="http://schemas.microsoft.com/office/drawing/2010/main">
                 <a:solidFill>
                   <a:srgbClr val="FFFFFF"/>
                 </a:solidFill>
               </a14:hiddenFill>
             </a:ext>
-            <a:ext uri="{91240B29-F687-4f45-9708-019B960494DF}">
+            <a:ext uri="{91240B29-F687-4F45-9708-019B960494DF}">
               <a14:hiddenLine xmlns:a14="http://schemas.microsoft.com/office/drawing/2010/main" w="9525">
                 <a:solidFill>
                   <a:srgbClr val="000000"/>
@@ -10389,7 +10388,7 @@
   <p:clrMapOvr>
     <a:masterClrMapping/>
   </p:clrMapOvr>
-  <p:transition xmlns:p14="http://schemas.microsoft.com/office/powerpoint/2010/main">
+  <p:transition>
     <p:zoom/>
   </p:transition>
   <p:hf hdr="0" ftr="0" dt="0"/>
@@ -10501,14 +10500,14 @@
             <a:noFill/>
           </a:ln>
           <a:extLst>
-            <a:ext uri="{909E8E84-426E-40dd-AFC4-6F175D3DCCD1}">
+            <a:ext uri="{909E8E84-426E-40DD-AFC4-6F175D3DCCD1}">
               <a14:hiddenFill xmlns:a14="http://schemas.microsoft.com/office/drawing/2010/main">
                 <a:solidFill>
                   <a:srgbClr val="FFFFFF"/>
                 </a:solidFill>
               </a14:hiddenFill>
             </a:ext>
-            <a:ext uri="{91240B29-F687-4f45-9708-019B960494DF}">
+            <a:ext uri="{91240B29-F687-4F45-9708-019B960494DF}">
               <a14:hiddenLine xmlns:a14="http://schemas.microsoft.com/office/drawing/2010/main" w="9525">
                 <a:solidFill>
                   <a:srgbClr val="000000"/>
@@ -10555,14 +10554,14 @@
             <a:noFill/>
           </a:ln>
           <a:extLst>
-            <a:ext uri="{909E8E84-426E-40dd-AFC4-6F175D3DCCD1}">
+            <a:ext uri="{909E8E84-426E-40DD-AFC4-6F175D3DCCD1}">
               <a14:hiddenFill xmlns:a14="http://schemas.microsoft.com/office/drawing/2010/main">
                 <a:solidFill>
                   <a:srgbClr val="FFFFFF"/>
                 </a:solidFill>
               </a14:hiddenFill>
             </a:ext>
-            <a:ext uri="{91240B29-F687-4f45-9708-019B960494DF}">
+            <a:ext uri="{91240B29-F687-4F45-9708-019B960494DF}">
               <a14:hiddenLine xmlns:a14="http://schemas.microsoft.com/office/drawing/2010/main" w="9525">
                 <a:solidFill>
                   <a:srgbClr val="000000"/>
@@ -10666,14 +10665,14 @@
             <a:noFill/>
           </a:ln>
           <a:extLst>
-            <a:ext uri="{909E8E84-426E-40dd-AFC4-6F175D3DCCD1}">
+            <a:ext uri="{909E8E84-426E-40DD-AFC4-6F175D3DCCD1}">
               <a14:hiddenFill xmlns:a14="http://schemas.microsoft.com/office/drawing/2010/main">
                 <a:solidFill>
                   <a:srgbClr val="FFFFFF"/>
                 </a:solidFill>
               </a14:hiddenFill>
             </a:ext>
-            <a:ext uri="{91240B29-F687-4f45-9708-019B960494DF}">
+            <a:ext uri="{91240B29-F687-4F45-9708-019B960494DF}">
               <a14:hiddenLine xmlns:a14="http://schemas.microsoft.com/office/drawing/2010/main" w="9525">
                 <a:solidFill>
                   <a:srgbClr val="000000"/>
@@ -10785,7 +10784,7 @@
   <p:clrMapOvr>
     <a:masterClrMapping/>
   </p:clrMapOvr>
-  <p:transition xmlns:p14="http://schemas.microsoft.com/office/powerpoint/2010/main">
+  <p:transition>
     <p:zoom/>
   </p:transition>
   <p:hf hdr="0" ftr="0" dt="0"/>
@@ -10899,7 +10898,7 @@
   <p:clrMapOvr>
     <a:masterClrMapping/>
   </p:clrMapOvr>
-  <p:transition xmlns:p14="http://schemas.microsoft.com/office/powerpoint/2010/main">
+  <p:transition>
     <p:zoom/>
   </p:transition>
   <p:hf hdr="0" ftr="0" dt="0"/>
@@ -12176,7 +12175,7 @@
   <p:clrMapOvr>
     <a:masterClrMapping/>
   </p:clrMapOvr>
-  <p:transition xmlns:p14="http://schemas.microsoft.com/office/powerpoint/2010/main">
+  <p:transition>
     <p:zoom/>
   </p:transition>
   <p:hf hdr="0" ftr="0" dt="0"/>
@@ -12977,7 +12976,7 @@
   <p:clrMapOvr>
     <a:masterClrMapping/>
   </p:clrMapOvr>
-  <p:transition xmlns:p14="http://schemas.microsoft.com/office/powerpoint/2010/main">
+  <p:transition>
     <p:zoom/>
   </p:transition>
   <p:hf hdr="0" ftr="0" dt="0"/>
@@ -13120,7 +13119,7 @@
   <p:clrMapOvr>
     <a:masterClrMapping/>
   </p:clrMapOvr>
-  <p:transition xmlns:p14="http://schemas.microsoft.com/office/powerpoint/2010/main">
+  <p:transition>
     <p:zoom/>
   </p:transition>
   <p:hf hdr="0" ftr="0" dt="0"/>
@@ -13354,7 +13353,7 @@
           <a:p>
             <a:fld id="{7793EDCB-5B64-3143-AFED-AA1357A092FA}" type="datetimeFigureOut">
               <a:rPr lang="en-US" smtClean="0"/>
-              <a:t>11/1/12</a:t>
+              <a:t>12/10/2012</a:t>
             </a:fld>
             <a:endParaRPr lang="en-US"/>
           </a:p>
@@ -13561,7 +13560,7 @@
   <p:clrMapOvr>
     <a:masterClrMapping/>
   </p:clrMapOvr>
-  <p:transition xmlns:p14="http://schemas.microsoft.com/office/powerpoint/2010/main">
+  <p:transition>
     <p:zoom/>
   </p:transition>
   <p:hf hdr="0" ftr="0" dt="0"/>
@@ -13712,7 +13711,7 @@
   <p:clrMapOvr>
     <a:masterClrMapping/>
   </p:clrMapOvr>
-  <p:transition xmlns:p14="http://schemas.microsoft.com/office/powerpoint/2010/main">
+  <p:transition>
     <p:zoom/>
   </p:transition>
   <p:hf hdr="0" ftr="0" dt="0"/>
@@ -13770,14 +13769,14 @@
             <a:noFill/>
           </a:ln>
           <a:extLst>
-            <a:ext uri="{909E8E84-426E-40dd-AFC4-6F175D3DCCD1}">
+            <a:ext uri="{909E8E84-426E-40DD-AFC4-6F175D3DCCD1}">
               <a14:hiddenFill xmlns:a14="http://schemas.microsoft.com/office/drawing/2010/main">
                 <a:solidFill>
                   <a:srgbClr val="FFFFFF"/>
                 </a:solidFill>
               </a14:hiddenFill>
             </a:ext>
-            <a:ext uri="{91240B29-F687-4f45-9708-019B960494DF}">
+            <a:ext uri="{91240B29-F687-4F45-9708-019B960494DF}">
               <a14:hiddenLine xmlns:a14="http://schemas.microsoft.com/office/drawing/2010/main" w="9525">
                 <a:solidFill>
                   <a:srgbClr val="000000"/>
@@ -13880,14 +13879,14 @@
             <a:noFill/>
           </a:ln>
           <a:extLst>
-            <a:ext uri="{909E8E84-426E-40dd-AFC4-6F175D3DCCD1}">
+            <a:ext uri="{909E8E84-426E-40DD-AFC4-6F175D3DCCD1}">
               <a14:hiddenFill xmlns:a14="http://schemas.microsoft.com/office/drawing/2010/main">
                 <a:solidFill>
                   <a:srgbClr val="FFFFFF"/>
                 </a:solidFill>
               </a14:hiddenFill>
             </a:ext>
-            <a:ext uri="{91240B29-F687-4f45-9708-019B960494DF}">
+            <a:ext uri="{91240B29-F687-4F45-9708-019B960494DF}">
               <a14:hiddenLine xmlns:a14="http://schemas.microsoft.com/office/drawing/2010/main" w="9525">
                 <a:solidFill>
                   <a:srgbClr val="000000"/>
@@ -13934,14 +13933,14 @@
             <a:noFill/>
           </a:ln>
           <a:extLst>
-            <a:ext uri="{909E8E84-426E-40dd-AFC4-6F175D3DCCD1}">
+            <a:ext uri="{909E8E84-426E-40DD-AFC4-6F175D3DCCD1}">
               <a14:hiddenFill xmlns:a14="http://schemas.microsoft.com/office/drawing/2010/main">
                 <a:solidFill>
                   <a:srgbClr val="FFFFFF"/>
                 </a:solidFill>
               </a14:hiddenFill>
             </a:ext>
-            <a:ext uri="{91240B29-F687-4f45-9708-019B960494DF}">
+            <a:ext uri="{91240B29-F687-4F45-9708-019B960494DF}">
               <a14:hiddenLine xmlns:a14="http://schemas.microsoft.com/office/drawing/2010/main" w="9525">
                 <a:solidFill>
                   <a:srgbClr val="000000"/>
@@ -14244,7 +14243,7 @@
   <p:clrMapOvr>
     <a:masterClrMapping/>
   </p:clrMapOvr>
-  <p:transition xmlns:p14="http://schemas.microsoft.com/office/powerpoint/2010/main">
+  <p:transition>
     <p:zoom/>
   </p:transition>
   <p:hf hdr="0" ftr="0" dt="0"/>
@@ -14474,7 +14473,7 @@
   <p:clrMapOvr>
     <a:masterClrMapping/>
   </p:clrMapOvr>
-  <p:transition xmlns:p14="http://schemas.microsoft.com/office/powerpoint/2010/main" spd="slow">
+  <p:transition spd="slow">
     <p:fade/>
   </p:transition>
 </p:sldLayout>
@@ -14972,7 +14971,7 @@
           <a:p>
             <a:fld id="{7793EDCB-5B64-3143-AFED-AA1357A092FA}" type="datetimeFigureOut">
               <a:rPr lang="en-US" smtClean="0"/>
-              <a:t>11/1/12</a:t>
+              <a:t>12/10/2012</a:t>
             </a:fld>
             <a:endParaRPr lang="en-US"/>
           </a:p>
@@ -15090,7 +15089,7 @@
           <a:p>
             <a:fld id="{7793EDCB-5B64-3143-AFED-AA1357A092FA}" type="datetimeFigureOut">
               <a:rPr lang="en-US" smtClean="0"/>
-              <a:t>11/1/12</a:t>
+              <a:t>12/10/2012</a:t>
             </a:fld>
             <a:endParaRPr lang="en-US"/>
           </a:p>
@@ -15185,7 +15184,7 @@
           <a:p>
             <a:fld id="{7793EDCB-5B64-3143-AFED-AA1357A092FA}" type="datetimeFigureOut">
               <a:rPr lang="en-US" smtClean="0"/>
-              <a:t>11/1/12</a:t>
+              <a:t>12/10/2012</a:t>
             </a:fld>
             <a:endParaRPr lang="en-US"/>
           </a:p>
@@ -15462,7 +15461,7 @@
           <a:p>
             <a:fld id="{7793EDCB-5B64-3143-AFED-AA1357A092FA}" type="datetimeFigureOut">
               <a:rPr lang="en-US" smtClean="0"/>
-              <a:t>11/1/12</a:t>
+              <a:t>12/10/2012</a:t>
             </a:fld>
             <a:endParaRPr lang="en-US"/>
           </a:p>
@@ -15715,7 +15714,7 @@
           <a:p>
             <a:fld id="{7793EDCB-5B64-3143-AFED-AA1357A092FA}" type="datetimeFigureOut">
               <a:rPr lang="en-US" smtClean="0"/>
-              <a:t>11/1/12</a:t>
+              <a:t>12/10/2012</a:t>
             </a:fld>
             <a:endParaRPr lang="en-US"/>
           </a:p>
@@ -15928,7 +15927,7 @@
           <a:p>
             <a:fld id="{7793EDCB-5B64-3143-AFED-AA1357A092FA}" type="datetimeFigureOut">
               <a:rPr lang="en-US" smtClean="0"/>
-              <a:t>11/1/12</a:t>
+              <a:t>12/10/2012</a:t>
             </a:fld>
             <a:endParaRPr lang="en-US"/>
           </a:p>
@@ -16345,14 +16344,14 @@
             <a:noFill/>
           </a:ln>
           <a:extLst>
-            <a:ext uri="{909E8E84-426E-40dd-AFC4-6F175D3DCCD1}">
+            <a:ext uri="{909E8E84-426E-40DD-AFC4-6F175D3DCCD1}">
               <a14:hiddenFill xmlns:a14="http://schemas.microsoft.com/office/drawing/2010/main">
                 <a:solidFill>
                   <a:srgbClr val="FFFFFF"/>
                 </a:solidFill>
               </a14:hiddenFill>
             </a:ext>
-            <a:ext uri="{91240B29-F687-4f45-9708-019B960494DF}">
+            <a:ext uri="{91240B29-F687-4F45-9708-019B960494DF}">
               <a14:hiddenLine xmlns:a14="http://schemas.microsoft.com/office/drawing/2010/main" w="9525">
                 <a:solidFill>
                   <a:srgbClr val="000000"/>
@@ -16388,14 +16387,14 @@
             <a:noFill/>
           </a:ln>
           <a:extLst>
-            <a:ext uri="{909E8E84-426E-40dd-AFC4-6F175D3DCCD1}">
+            <a:ext uri="{909E8E84-426E-40DD-AFC4-6F175D3DCCD1}">
               <a14:hiddenFill xmlns:a14="http://schemas.microsoft.com/office/drawing/2010/main">
                 <a:solidFill>
                   <a:srgbClr val="FFFFFF"/>
                 </a:solidFill>
               </a14:hiddenFill>
             </a:ext>
-            <a:ext uri="{91240B29-F687-4f45-9708-019B960494DF}">
+            <a:ext uri="{91240B29-F687-4F45-9708-019B960494DF}">
               <a14:hiddenLine xmlns:a14="http://schemas.microsoft.com/office/drawing/2010/main" w="9525">
                 <a:solidFill>
                   <a:srgbClr val="000000"/>
@@ -16406,7 +16405,7 @@
               </a14:hiddenLine>
             </a:ext>
             <a:ext uri="{FAA26D3D-D897-4be2-8F04-BA451C77F1D7}">
-              <ma14:placeholderFlag xmlns:ma14="http://schemas.microsoft.com/office/mac/drawingml/2011/main" val="1"/>
+              <ma14:placeholderFlag xmlns:ma14="http://schemas.microsoft.com/office/mac/drawingml/2011/main" xmlns="" val="1"/>
             </a:ext>
           </a:extLst>
         </p:spPr>
@@ -16449,14 +16448,14 @@
             <a:noFill/>
           </a:ln>
           <a:extLst>
-            <a:ext uri="{909E8E84-426E-40dd-AFC4-6F175D3DCCD1}">
+            <a:ext uri="{909E8E84-426E-40DD-AFC4-6F175D3DCCD1}">
               <a14:hiddenFill xmlns:a14="http://schemas.microsoft.com/office/drawing/2010/main">
                 <a:solidFill>
                   <a:srgbClr val="FFFFFF"/>
                 </a:solidFill>
               </a14:hiddenFill>
             </a:ext>
-            <a:ext uri="{91240B29-F687-4f45-9708-019B960494DF}">
+            <a:ext uri="{91240B29-F687-4F45-9708-019B960494DF}">
               <a14:hiddenLine xmlns:a14="http://schemas.microsoft.com/office/drawing/2010/main" w="9525">
                 <a:solidFill>
                   <a:srgbClr val="000000"/>
@@ -16467,7 +16466,7 @@
               </a14:hiddenLine>
             </a:ext>
             <a:ext uri="{FAA26D3D-D897-4be2-8F04-BA451C77F1D7}">
-              <ma14:placeholderFlag xmlns:ma14="http://schemas.microsoft.com/office/mac/drawingml/2011/main" val="1"/>
+              <ma14:placeholderFlag xmlns:ma14="http://schemas.microsoft.com/office/mac/drawingml/2011/main" xmlns="" val="1"/>
             </a:ext>
           </a:extLst>
         </p:spPr>
@@ -16549,14 +16548,14 @@
             <a:noFill/>
           </a:ln>
           <a:extLst>
-            <a:ext uri="{909E8E84-426E-40dd-AFC4-6F175D3DCCD1}">
+            <a:ext uri="{909E8E84-426E-40DD-AFC4-6F175D3DCCD1}">
               <a14:hiddenFill xmlns:a14="http://schemas.microsoft.com/office/drawing/2010/main">
                 <a:solidFill>
                   <a:srgbClr val="FFFFFF"/>
                 </a:solidFill>
               </a14:hiddenFill>
             </a:ext>
-            <a:ext uri="{91240B29-F687-4f45-9708-019B960494DF}">
+            <a:ext uri="{91240B29-F687-4F45-9708-019B960494DF}">
               <a14:hiddenLine xmlns:a14="http://schemas.microsoft.com/office/drawing/2010/main" w="9525">
                 <a:solidFill>
                   <a:srgbClr val="000000"/>
@@ -16782,14 +16781,14 @@
             <a:noFill/>
           </a:ln>
           <a:extLst>
-            <a:ext uri="{909E8E84-426E-40dd-AFC4-6F175D3DCCD1}">
+            <a:ext uri="{909E8E84-426E-40DD-AFC4-6F175D3DCCD1}">
               <a14:hiddenFill xmlns:a14="http://schemas.microsoft.com/office/drawing/2010/main">
                 <a:solidFill>
                   <a:srgbClr val="FFFFFF"/>
                 </a:solidFill>
               </a14:hiddenFill>
             </a:ext>
-            <a:ext uri="{91240B29-F687-4f45-9708-019B960494DF}">
+            <a:ext uri="{91240B29-F687-4F45-9708-019B960494DF}">
               <a14:hiddenLine xmlns:a14="http://schemas.microsoft.com/office/drawing/2010/main" w="9525">
                 <a:solidFill>
                   <a:srgbClr val="000000"/>
@@ -16833,7 +16832,7 @@
     <p:sldLayoutId id="2147483681" r:id="rId20"/>
     <p:sldLayoutId id="2147483693" r:id="rId21"/>
   </p:sldLayoutIdLst>
-  <p:transition xmlns:p14="http://schemas.microsoft.com/office/powerpoint/2010/main" spd="slow">
+  <p:transition spd="slow">
     <p:fade/>
   </p:transition>
   <p:hf hdr="0" ftr="0" dt="0"/>
@@ -17375,14 +17374,14 @@
             <a:noFill/>
           </a:ln>
           <a:extLst>
-            <a:ext uri="{909E8E84-426E-40dd-AFC4-6F175D3DCCD1}">
+            <a:ext uri="{909E8E84-426E-40DD-AFC4-6F175D3DCCD1}">
               <a14:hiddenFill xmlns:a14="http://schemas.microsoft.com/office/drawing/2010/main">
                 <a:solidFill>
                   <a:srgbClr val="FFFFFF"/>
                 </a:solidFill>
               </a14:hiddenFill>
             </a:ext>
-            <a:ext uri="{91240B29-F687-4f45-9708-019B960494DF}">
+            <a:ext uri="{91240B29-F687-4F45-9708-019B960494DF}">
               <a14:hiddenLine xmlns:a14="http://schemas.microsoft.com/office/drawing/2010/main" w="9525">
                 <a:solidFill>
                   <a:srgbClr val="000000"/>
@@ -17393,7 +17392,7 @@
               </a14:hiddenLine>
             </a:ext>
             <a:ext uri="{FAA26D3D-D897-4be2-8F04-BA451C77F1D7}">
-              <ma14:placeholderFlag xmlns:ma14="http://schemas.microsoft.com/office/mac/drawingml/2011/main" val="1"/>
+              <ma14:placeholderFlag xmlns:ma14="http://schemas.microsoft.com/office/mac/drawingml/2011/main" xmlns="" val="1"/>
             </a:ext>
           </a:extLst>
         </p:spPr>
@@ -17614,14 +17613,14 @@
             <a:noFill/>
           </a:ln>
           <a:extLst>
-            <a:ext uri="{909E8E84-426E-40dd-AFC4-6F175D3DCCD1}">
+            <a:ext uri="{909E8E84-426E-40DD-AFC4-6F175D3DCCD1}">
               <a14:hiddenFill xmlns:a14="http://schemas.microsoft.com/office/drawing/2010/main">
                 <a:solidFill>
                   <a:srgbClr val="FFFFFF"/>
                 </a:solidFill>
               </a14:hiddenFill>
             </a:ext>
-            <a:ext uri="{91240B29-F687-4f45-9708-019B960494DF}">
+            <a:ext uri="{91240B29-F687-4F45-9708-019B960494DF}">
               <a14:hiddenLine xmlns:a14="http://schemas.microsoft.com/office/drawing/2010/main" w="9525">
                 <a:solidFill>
                   <a:srgbClr val="000000"/>
@@ -17783,14 +17782,14 @@
             <a:noFill/>
           </a:ln>
           <a:extLst>
-            <a:ext uri="{909E8E84-426E-40dd-AFC4-6F175D3DCCD1}">
+            <a:ext uri="{909E8E84-426E-40DD-AFC4-6F175D3DCCD1}">
               <a14:hiddenFill xmlns:a14="http://schemas.microsoft.com/office/drawing/2010/main">
                 <a:solidFill>
                   <a:srgbClr val="FFFFFF"/>
                 </a:solidFill>
               </a14:hiddenFill>
             </a:ext>
-            <a:ext uri="{91240B29-F687-4f45-9708-019B960494DF}">
+            <a:ext uri="{91240B29-F687-4F45-9708-019B960494DF}">
               <a14:hiddenLine xmlns:a14="http://schemas.microsoft.com/office/drawing/2010/main" w="9525">
                 <a:solidFill>
                   <a:srgbClr val="000000"/>
@@ -17801,7 +17800,7 @@
               </a14:hiddenLine>
             </a:ext>
             <a:ext uri="{FAA26D3D-D897-4be2-8F04-BA451C77F1D7}">
-              <ma14:placeholderFlag xmlns:ma14="http://schemas.microsoft.com/office/mac/drawingml/2011/main" val="1"/>
+              <ma14:placeholderFlag xmlns:ma14="http://schemas.microsoft.com/office/mac/drawingml/2011/main" xmlns="" val="1"/>
             </a:ext>
           </a:extLst>
         </p:spPr>
@@ -18035,14 +18034,14 @@
             <a:noFill/>
           </a:ln>
           <a:extLst>
-            <a:ext uri="{909E8E84-426E-40dd-AFC4-6F175D3DCCD1}">
+            <a:ext uri="{909E8E84-426E-40DD-AFC4-6F175D3DCCD1}">
               <a14:hiddenFill xmlns:a14="http://schemas.microsoft.com/office/drawing/2010/main">
                 <a:solidFill>
                   <a:srgbClr val="FFFFFF"/>
                 </a:solidFill>
               </a14:hiddenFill>
             </a:ext>
-            <a:ext uri="{91240B29-F687-4f45-9708-019B960494DF}">
+            <a:ext uri="{91240B29-F687-4F45-9708-019B960494DF}">
               <a14:hiddenLine xmlns:a14="http://schemas.microsoft.com/office/drawing/2010/main" w="9525">
                 <a:solidFill>
                   <a:srgbClr val="000000"/>
@@ -18072,13 +18071,13 @@
     <p:sldLayoutId id="2147483705" r:id="rId11"/>
     <p:sldLayoutId id="2147483706" r:id="rId12"/>
   </p:sldLayoutIdLst>
-  <p:transition xmlns:p14="http://schemas.microsoft.com/office/powerpoint/2010/main" spd="slow">
+  <p:transition spd="slow">
     <p:fade/>
   </p:transition>
   <p:timing>
     <p:tnLst>
       <p:par>
-        <p:cTn xmlns:p14="http://schemas.microsoft.com/office/powerpoint/2010/main" id="1" dur="indefinite" restart="never" nodeType="tmRoot"/>
+        <p:cTn id="1" dur="indefinite" restart="never" nodeType="tmRoot"/>
       </p:par>
     </p:tnLst>
   </p:timing>
@@ -18506,7 +18505,6 @@
               <a:rPr lang="en-US" dirty="0"/>
               <a:t>9</a:t>
             </a:r>
-            <a:endParaRPr lang="en-US" dirty="0"/>
           </a:p>
         </p:txBody>
       </p:sp>
@@ -18580,13 +18578,13 @@
   <p:clrMapOvr>
     <a:masterClrMapping/>
   </p:clrMapOvr>
-  <p:transition xmlns:p14="http://schemas.microsoft.com/office/powerpoint/2010/main">
+  <p:transition>
     <p:zoom/>
   </p:transition>
   <p:timing>
     <p:tnLst>
       <p:par>
-        <p:cTn xmlns:p14="http://schemas.microsoft.com/office/powerpoint/2010/main" id="1" dur="indefinite" restart="never" nodeType="tmRoot"/>
+        <p:cTn id="1" dur="indefinite" restart="never" nodeType="tmRoot"/>
       </p:par>
     </p:tnLst>
   </p:timing>
@@ -18685,7 +18683,7 @@
                   <a:schemeClr val="accent4"/>
                 </a:solidFill>
               </a:rPr>
-              <a:t>Unit-тесты позволят вам понять, как работает </a:t>
+              <a:t>Ваша цель – получить тесты, которым можно </a:t>
             </a:r>
             <a:r>
               <a:rPr lang="ru-RU" dirty="0" smtClean="0">
@@ -18693,7 +18691,7 @@
                   <a:schemeClr val="accent4"/>
                 </a:solidFill>
               </a:rPr>
-              <a:t>код</a:t>
+              <a:t>доверять</a:t>
             </a:r>
           </a:p>
           <a:p>
@@ -18726,7 +18724,7 @@
                   <a:schemeClr val="accent4"/>
                 </a:solidFill>
               </a:rPr>
-              <a:t>Unit-тесты позволят вам убедиться, что ваши изменения не нарушили логику работы модуля</a:t>
+              <a:t>Если функция полностью покрыта модульными тестами, то вы не будете боятся ее изменить или даже полностью переписать</a:t>
             </a:r>
           </a:p>
         </p:txBody>
@@ -18734,7 +18732,7 @@
     </p:spTree>
     <p:extLst>
       <p:ext uri="{BB962C8B-B14F-4D97-AF65-F5344CB8AC3E}">
-        <p14:creationId xmlns:p14="http://schemas.microsoft.com/office/powerpoint/2010/main" val="2023549228"/>
+        <p14:creationId xmlns:p14="http://schemas.microsoft.com/office/powerpoint/2010/main" val="2063290003"/>
       </p:ext>
     </p:extLst>
   </p:cSld>
@@ -18744,7 +18742,7 @@
   <p:timing>
     <p:tnLst>
       <p:par>
-        <p:cTn xmlns:p14="http://schemas.microsoft.com/office/powerpoint/2010/main" id="1" dur="indefinite" restart="never" nodeType="tmRoot"/>
+        <p:cTn id="1" dur="indefinite" restart="never" nodeType="tmRoot"/>
       </p:par>
     </p:tnLst>
   </p:timing>
@@ -18784,12 +18782,8 @@
           <a:lstStyle/>
           <a:p>
             <a:r>
-              <a:rPr lang="en-US" dirty="0"/>
-              <a:t>Legacy-</a:t>
-            </a:r>
-            <a:r>
               <a:rPr lang="ru-RU" dirty="0"/>
-              <a:t>код</a:t>
+              <a:t>Избавление от зависимостей</a:t>
             </a:r>
             <a:endParaRPr lang="en-US" dirty="0"/>
           </a:p>
@@ -18809,8 +18803,8 @@
         </p:nvSpPr>
         <p:spPr bwMode="auto">
           <a:xfrm>
-            <a:off x="2000878" y="2667000"/>
-            <a:ext cx="5023841" cy="1901607"/>
+            <a:off x="2000878" y="1924199"/>
+            <a:ext cx="5023841" cy="3009602"/>
           </a:xfrm>
           <a:prstGeom prst="rect">
             <a:avLst/>
@@ -18843,7 +18837,7 @@
                   <a:schemeClr val="accent4"/>
                 </a:solidFill>
               </a:rPr>
-              <a:t>Ваша цель – получить тесты, которым можно </a:t>
+              <a:t>Как правило, такой код имеет множество зависимостей: подключает различные lib и dll, посылает сообщения в сеть или другим компонентам, отображает что-то в GUI и т.д</a:t>
             </a:r>
             <a:r>
               <a:rPr lang="ru-RU" dirty="0" smtClean="0">
@@ -18851,7 +18845,7 @@
                   <a:schemeClr val="accent4"/>
                 </a:solidFill>
               </a:rPr>
-              <a:t>доверять</a:t>
+              <a:t>.</a:t>
             </a:r>
           </a:p>
           <a:p>
@@ -18884,7 +18878,48 @@
                   <a:schemeClr val="accent4"/>
                 </a:solidFill>
               </a:rPr>
-              <a:t>Если функция полностью покрыта модульными тестами, то вы не будете боятся ее изменить или даже полностью переписать</a:t>
+              <a:t>Итак, первое, что нам необходимо сделать – это избавиться от этих </a:t>
+            </a:r>
+            <a:r>
+              <a:rPr lang="ru-RU" dirty="0" smtClean="0">
+                <a:solidFill>
+                  <a:schemeClr val="accent4"/>
+                </a:solidFill>
+              </a:rPr>
+              <a:t>зависимостей</a:t>
+            </a:r>
+          </a:p>
+          <a:p>
+            <a:pPr marL="287338" indent="-287338" defTabSz="803275">
+              <a:buClr>
+                <a:srgbClr val="FF6600"/>
+              </a:buClr>
+              <a:buSzPct val="125000"/>
+              <a:buFont typeface="Wingdings" charset="0"/>
+              <a:buChar char="§"/>
+            </a:pPr>
+            <a:endParaRPr lang="ru-RU" dirty="0">
+              <a:solidFill>
+                <a:schemeClr val="accent4"/>
+              </a:solidFill>
+            </a:endParaRPr>
+          </a:p>
+          <a:p>
+            <a:pPr marL="287338" indent="-287338" defTabSz="803275">
+              <a:buClr>
+                <a:srgbClr val="FF6600"/>
+              </a:buClr>
+              <a:buSzPct val="125000"/>
+              <a:buFont typeface="Wingdings" charset="0"/>
+              <a:buChar char="§"/>
+            </a:pPr>
+            <a:r>
+              <a:rPr lang="ru-RU" dirty="0">
+                <a:solidFill>
+                  <a:schemeClr val="accent4"/>
+                </a:solidFill>
+              </a:rPr>
+              <a:t>Для этого можно использовать уже знакомые нам mock- и stub-объекты</a:t>
             </a:r>
           </a:p>
         </p:txBody>
@@ -18892,7 +18927,7 @@
     </p:spTree>
     <p:extLst>
       <p:ext uri="{BB962C8B-B14F-4D97-AF65-F5344CB8AC3E}">
-        <p14:creationId xmlns:p14="http://schemas.microsoft.com/office/powerpoint/2010/main" val="2063290003"/>
+        <p14:creationId xmlns:p14="http://schemas.microsoft.com/office/powerpoint/2010/main" val="2007920207"/>
       </p:ext>
     </p:extLst>
   </p:cSld>
@@ -18902,7 +18937,7 @@
   <p:timing>
     <p:tnLst>
       <p:par>
-        <p:cTn xmlns:p14="http://schemas.microsoft.com/office/powerpoint/2010/main" id="1" dur="indefinite" restart="never" nodeType="tmRoot"/>
+        <p:cTn id="1" dur="indefinite" restart="never" nodeType="tmRoot"/>
       </p:par>
     </p:tnLst>
   </p:timing>
@@ -18942,8 +18977,12 @@
           <a:lstStyle/>
           <a:p>
             <a:r>
-              <a:rPr lang="ru-RU" dirty="0"/>
-              <a:t>Избавление от зависимостей</a:t>
+              <a:rPr lang="en-US" dirty="0"/>
+              <a:t>Dependency </a:t>
+            </a:r>
+            <a:r>
+              <a:rPr lang="en-US" dirty="0" smtClean="0"/>
+              <a:t>Injection (DI)</a:t>
             </a:r>
             <a:endParaRPr lang="en-US" dirty="0"/>
           </a:p>
@@ -18964,7 +19003,7 @@
         <p:spPr bwMode="auto">
           <a:xfrm>
             <a:off x="2000878" y="1924199"/>
-            <a:ext cx="5023841" cy="3009602"/>
+            <a:ext cx="5023841" cy="3286601"/>
           </a:xfrm>
           <a:prstGeom prst="rect">
             <a:avLst/>
@@ -18997,7 +19036,7 @@
                   <a:schemeClr val="accent4"/>
                 </a:solidFill>
               </a:rPr>
-              <a:t>Как правило, такой код имеет множество зависимостей: подключает различные lib и dll, посылает сообщения в сеть или другим компонентам, отображает что-то в GUI и т.д</a:t>
+              <a:t>Зачастую, этих средств недостаточно и необходимо проводить </a:t>
             </a:r>
             <a:r>
               <a:rPr lang="ru-RU" dirty="0" smtClean="0">
@@ -19005,8 +19044,13 @@
                   <a:schemeClr val="accent4"/>
                 </a:solidFill>
               </a:rPr>
-              <a:t>.</a:t>
-            </a:r>
+              <a:t>рефакторинг</a:t>
+            </a:r>
+            <a:endParaRPr lang="en-US" dirty="0" smtClean="0">
+              <a:solidFill>
+                <a:schemeClr val="accent4"/>
+              </a:solidFill>
+            </a:endParaRPr>
           </a:p>
           <a:p>
             <a:pPr marL="287338" indent="-287338" defTabSz="803275">
@@ -19038,7 +19082,7 @@
                   <a:schemeClr val="accent4"/>
                 </a:solidFill>
               </a:rPr>
-              <a:t>Итак, первое, что нам необходимо сделать – это избавиться от этих </a:t>
+              <a:t>Здесь на помощь нам приходит паттерн “Dependency injection</a:t>
             </a:r>
             <a:r>
               <a:rPr lang="ru-RU" dirty="0" smtClean="0">
@@ -19046,8 +19090,13 @@
                   <a:schemeClr val="accent4"/>
                 </a:solidFill>
               </a:rPr>
-              <a:t>зависимостей</a:t>
-            </a:r>
+              <a:t>”</a:t>
+            </a:r>
+            <a:endParaRPr lang="en-US" dirty="0" smtClean="0">
+              <a:solidFill>
+                <a:schemeClr val="accent4"/>
+              </a:solidFill>
+            </a:endParaRPr>
           </a:p>
           <a:p>
             <a:pPr marL="287338" indent="-287338" defTabSz="803275">
@@ -19079,7 +19128,7 @@
                   <a:schemeClr val="accent4"/>
                 </a:solidFill>
               </a:rPr>
-              <a:t>Для этого можно использовать уже знакомые нам mock- и stub-объекты</a:t>
+              <a:t>Суть его заключается в следующем: если класс А использует класс В, то необходимо сделать так, чтобы конкретная реализация класса В передавалась классу А “извне”, а не определялась внутри него</a:t>
             </a:r>
           </a:p>
         </p:txBody>
@@ -19087,7 +19136,7 @@
     </p:spTree>
     <p:extLst>
       <p:ext uri="{BB962C8B-B14F-4D97-AF65-F5344CB8AC3E}">
-        <p14:creationId xmlns:p14="http://schemas.microsoft.com/office/powerpoint/2010/main" val="2007920207"/>
+        <p14:creationId xmlns:p14="http://schemas.microsoft.com/office/powerpoint/2010/main" val="1280246003"/>
       </p:ext>
     </p:extLst>
   </p:cSld>
@@ -19097,7 +19146,7 @@
   <p:timing>
     <p:tnLst>
       <p:par>
-        <p:cTn xmlns:p14="http://schemas.microsoft.com/office/powerpoint/2010/main" id="1" dur="indefinite" restart="never" nodeType="tmRoot"/>
+        <p:cTn id="1" dur="indefinite" restart="never" nodeType="tmRoot"/>
       </p:par>
     </p:tnLst>
   </p:timing>
@@ -19163,7 +19212,7 @@
         <p:spPr bwMode="auto">
           <a:xfrm>
             <a:off x="2000878" y="1924199"/>
-            <a:ext cx="5023841" cy="3286601"/>
+            <a:ext cx="5023841" cy="516612"/>
           </a:xfrm>
           <a:prstGeom prst="rect">
             <a:avLst/>
@@ -19191,112 +19240,33 @@
               <a:buChar char="§"/>
             </a:pPr>
             <a:r>
-              <a:rPr lang="ru-RU" dirty="0">
+              <a:rPr lang="ru-RU" dirty="0" smtClean="0">
                 <a:solidFill>
                   <a:schemeClr val="accent4"/>
                 </a:solidFill>
               </a:rPr>
-              <a:t>Зачастую, этих средств недостаточно и необходимо проводить </a:t>
-            </a:r>
-            <a:r>
-              <a:rPr lang="ru-RU" dirty="0" smtClean="0">
+              <a:t>Пример</a:t>
+            </a:r>
+            <a:r>
+              <a:rPr lang="en-US" dirty="0" smtClean="0">
                 <a:solidFill>
                   <a:schemeClr val="accent4"/>
                 </a:solidFill>
               </a:rPr>
-              <a:t>рефакторинг</a:t>
-            </a:r>
-            <a:endParaRPr lang="en-US" dirty="0" smtClean="0">
-              <a:solidFill>
-                <a:schemeClr val="accent4"/>
-              </a:solidFill>
-            </a:endParaRPr>
-          </a:p>
-          <a:p>
-            <a:pPr marL="287338" indent="-287338" defTabSz="803275">
-              <a:buClr>
-                <a:srgbClr val="FF6600"/>
-              </a:buClr>
-              <a:buSzPct val="125000"/>
-              <a:buFont typeface="Wingdings" charset="0"/>
-              <a:buChar char="§"/>
-            </a:pPr>
+              <a:t> …</a:t>
+            </a:r>
             <a:endParaRPr lang="ru-RU" dirty="0">
               <a:solidFill>
                 <a:schemeClr val="accent4"/>
               </a:solidFill>
             </a:endParaRPr>
           </a:p>
-          <a:p>
-            <a:pPr marL="287338" indent="-287338" defTabSz="803275">
-              <a:buClr>
-                <a:srgbClr val="FF6600"/>
-              </a:buClr>
-              <a:buSzPct val="125000"/>
-              <a:buFont typeface="Wingdings" charset="0"/>
-              <a:buChar char="§"/>
-            </a:pPr>
-            <a:r>
-              <a:rPr lang="ru-RU" dirty="0">
-                <a:solidFill>
-                  <a:schemeClr val="accent4"/>
-                </a:solidFill>
-              </a:rPr>
-              <a:t>Здесь на помощь нам приходит паттерн “Dependency injection</a:t>
-            </a:r>
-            <a:r>
-              <a:rPr lang="ru-RU" dirty="0" smtClean="0">
-                <a:solidFill>
-                  <a:schemeClr val="accent4"/>
-                </a:solidFill>
-              </a:rPr>
-              <a:t>”</a:t>
-            </a:r>
-            <a:endParaRPr lang="en-US" dirty="0" smtClean="0">
-              <a:solidFill>
-                <a:schemeClr val="accent4"/>
-              </a:solidFill>
-            </a:endParaRPr>
-          </a:p>
-          <a:p>
-            <a:pPr marL="287338" indent="-287338" defTabSz="803275">
-              <a:buClr>
-                <a:srgbClr val="FF6600"/>
-              </a:buClr>
-              <a:buSzPct val="125000"/>
-              <a:buFont typeface="Wingdings" charset="0"/>
-              <a:buChar char="§"/>
-            </a:pPr>
-            <a:endParaRPr lang="ru-RU" dirty="0">
-              <a:solidFill>
-                <a:schemeClr val="accent4"/>
-              </a:solidFill>
-            </a:endParaRPr>
-          </a:p>
-          <a:p>
-            <a:pPr marL="287338" indent="-287338" defTabSz="803275">
-              <a:buClr>
-                <a:srgbClr val="FF6600"/>
-              </a:buClr>
-              <a:buSzPct val="125000"/>
-              <a:buFont typeface="Wingdings" charset="0"/>
-              <a:buChar char="§"/>
-            </a:pPr>
-            <a:r>
-              <a:rPr lang="ru-RU" dirty="0">
-                <a:solidFill>
-                  <a:schemeClr val="accent4"/>
-                </a:solidFill>
-              </a:rPr>
-              <a:t>Суть его заключается в следующем: если класс А использует класс В, то необходимо сделать так, чтобы конкретная реализация класса В передавалась классу А “извне”, а не определялась внутри него</a:t>
-            </a:r>
-          </a:p>
         </p:txBody>
       </p:sp>
     </p:spTree>
     <p:extLst>
       <p:ext uri="{BB962C8B-B14F-4D97-AF65-F5344CB8AC3E}">
-        <p14:creationId xmlns:p14="http://schemas.microsoft.com/office/powerpoint/2010/main" val="1280246003"/>
+        <p14:creationId xmlns:p14="http://schemas.microsoft.com/office/powerpoint/2010/main" val="391160637"/>
       </p:ext>
     </p:extLst>
   </p:cSld>
@@ -19306,7 +19276,7 @@
   <p:timing>
     <p:tnLst>
       <p:par>
-        <p:cTn xmlns:p14="http://schemas.microsoft.com/office/powerpoint/2010/main" id="1" dur="indefinite" restart="never" nodeType="tmRoot"/>
+        <p:cTn id="1" dur="indefinite" restart="never" nodeType="tmRoot"/>
       </p:par>
     </p:tnLst>
   </p:timing>
@@ -19372,7 +19342,7 @@
         <p:spPr bwMode="auto">
           <a:xfrm>
             <a:off x="2000878" y="1924199"/>
-            <a:ext cx="5023841" cy="516612"/>
+            <a:ext cx="5023841" cy="3286601"/>
           </a:xfrm>
           <a:prstGeom prst="rect">
             <a:avLst/>
@@ -19400,33 +19370,112 @@
               <a:buChar char="§"/>
             </a:pPr>
             <a:r>
+              <a:rPr lang="ru-RU" dirty="0">
+                <a:solidFill>
+                  <a:schemeClr val="accent4"/>
+                </a:solidFill>
+              </a:rPr>
+              <a:t>Несмотря на то, что данный класс использует интерфейс, смысла в этом нет, поскольку конкретная реализация задается в этом же </a:t>
+            </a:r>
+            <a:r>
               <a:rPr lang="ru-RU" dirty="0" smtClean="0">
                 <a:solidFill>
                   <a:schemeClr val="accent4"/>
                 </a:solidFill>
               </a:rPr>
-              <a:t>Пример</a:t>
-            </a:r>
-            <a:r>
-              <a:rPr lang="en-US" dirty="0" smtClean="0">
-                <a:solidFill>
-                  <a:schemeClr val="accent4"/>
-                </a:solidFill>
-              </a:rPr>
-              <a:t> …</a:t>
-            </a:r>
+              <a:t>классе</a:t>
+            </a:r>
+            <a:endParaRPr lang="en-US" dirty="0" smtClean="0">
+              <a:solidFill>
+                <a:schemeClr val="accent4"/>
+              </a:solidFill>
+            </a:endParaRPr>
+          </a:p>
+          <a:p>
+            <a:pPr marL="287338" indent="-287338" defTabSz="803275">
+              <a:buClr>
+                <a:srgbClr val="FF6600"/>
+              </a:buClr>
+              <a:buSzPct val="125000"/>
+              <a:buFont typeface="Wingdings" charset="0"/>
+              <a:buChar char="§"/>
+            </a:pPr>
             <a:endParaRPr lang="ru-RU" dirty="0">
               <a:solidFill>
                 <a:schemeClr val="accent4"/>
               </a:solidFill>
             </a:endParaRPr>
           </a:p>
+          <a:p>
+            <a:pPr marL="287338" indent="-287338" defTabSz="803275">
+              <a:buClr>
+                <a:srgbClr val="FF6600"/>
+              </a:buClr>
+              <a:buSzPct val="125000"/>
+              <a:buFont typeface="Wingdings" charset="0"/>
+              <a:buChar char="§"/>
+            </a:pPr>
+            <a:r>
+              <a:rPr lang="ru-RU" dirty="0">
+                <a:solidFill>
+                  <a:schemeClr val="accent4"/>
+                </a:solidFill>
+              </a:rPr>
+              <a:t>Модифицируем код этого класса для того, чтобы он получал реализацию интерфейса “извне</a:t>
+            </a:r>
+            <a:r>
+              <a:rPr lang="ru-RU" dirty="0" smtClean="0">
+                <a:solidFill>
+                  <a:schemeClr val="accent4"/>
+                </a:solidFill>
+              </a:rPr>
+              <a:t>”</a:t>
+            </a:r>
+            <a:endParaRPr lang="en-US" dirty="0" smtClean="0">
+              <a:solidFill>
+                <a:schemeClr val="accent4"/>
+              </a:solidFill>
+            </a:endParaRPr>
+          </a:p>
+          <a:p>
+            <a:pPr marL="287338" indent="-287338" defTabSz="803275">
+              <a:buClr>
+                <a:srgbClr val="FF6600"/>
+              </a:buClr>
+              <a:buSzPct val="125000"/>
+              <a:buFont typeface="Wingdings" charset="0"/>
+              <a:buChar char="§"/>
+            </a:pPr>
+            <a:endParaRPr lang="ru-RU" dirty="0">
+              <a:solidFill>
+                <a:schemeClr val="accent4"/>
+              </a:solidFill>
+            </a:endParaRPr>
+          </a:p>
+          <a:p>
+            <a:pPr marL="287338" indent="-287338" defTabSz="803275">
+              <a:buClr>
+                <a:srgbClr val="FF6600"/>
+              </a:buClr>
+              <a:buSzPct val="125000"/>
+              <a:buFont typeface="Wingdings" charset="0"/>
+              <a:buChar char="§"/>
+            </a:pPr>
+            <a:r>
+              <a:rPr lang="ru-RU" dirty="0">
+                <a:solidFill>
+                  <a:schemeClr val="accent4"/>
+                </a:solidFill>
+              </a:rPr>
+              <a:t>Для этого достаточно немного изменить конструктор</a:t>
+            </a:r>
+          </a:p>
         </p:txBody>
       </p:sp>
     </p:spTree>
     <p:extLst>
       <p:ext uri="{BB962C8B-B14F-4D97-AF65-F5344CB8AC3E}">
-        <p14:creationId xmlns:p14="http://schemas.microsoft.com/office/powerpoint/2010/main" val="391160637"/>
+        <p14:creationId xmlns:p14="http://schemas.microsoft.com/office/powerpoint/2010/main" val="2937815942"/>
       </p:ext>
     </p:extLst>
   </p:cSld>
@@ -19436,7 +19485,7 @@
   <p:timing>
     <p:tnLst>
       <p:par>
-        <p:cTn xmlns:p14="http://schemas.microsoft.com/office/powerpoint/2010/main" id="1" dur="indefinite" restart="never" nodeType="tmRoot"/>
+        <p:cTn id="1" dur="indefinite" restart="never" nodeType="tmRoot"/>
       </p:par>
     </p:tnLst>
   </p:timing>
@@ -19476,12 +19525,16 @@
           <a:lstStyle/>
           <a:p>
             <a:r>
+              <a:rPr lang="ru-RU" dirty="0"/>
+              <a:t>Проблемы покрытия </a:t>
+            </a:r>
+            <a:r>
               <a:rPr lang="en-US" dirty="0"/>
-              <a:t>Dependency </a:t>
-            </a:r>
-            <a:r>
-              <a:rPr lang="en-US" dirty="0" smtClean="0"/>
-              <a:t>Injection (DI)</a:t>
+              <a:t>legacy-</a:t>
+            </a:r>
+            <a:r>
+              <a:rPr lang="ru-RU" dirty="0"/>
+              <a:t>кода</a:t>
             </a:r>
             <a:endParaRPr lang="en-US" dirty="0"/>
           </a:p>
@@ -19501,8 +19554,8 @@
         </p:nvSpPr>
         <p:spPr bwMode="auto">
           <a:xfrm>
-            <a:off x="2000878" y="1924199"/>
-            <a:ext cx="5023841" cy="3286601"/>
+            <a:off x="2000878" y="2201198"/>
+            <a:ext cx="5023841" cy="2455605"/>
           </a:xfrm>
           <a:prstGeom prst="rect">
             <a:avLst/>
@@ -19535,7 +19588,7 @@
                   <a:schemeClr val="accent4"/>
                 </a:solidFill>
               </a:rPr>
-              <a:t>Несмотря на то, что данный класс использует интерфейс, смысла в этом нет, поскольку конкретная реализация задается в этом же </a:t>
+              <a:t>После того, как все связи с внешним миром у класса или функции оборваны - мы ее полностью контролируем и можем полностью проверить ее </a:t>
             </a:r>
             <a:r>
               <a:rPr lang="ru-RU" dirty="0" smtClean="0">
@@ -19543,7 +19596,7 @@
                   <a:schemeClr val="accent4"/>
                 </a:solidFill>
               </a:rPr>
-              <a:t>классе</a:t>
+              <a:t>работу</a:t>
             </a:r>
             <a:endParaRPr lang="en-US" dirty="0" smtClean="0">
               <a:solidFill>
@@ -19581,53 +19634,7 @@
                   <a:schemeClr val="accent4"/>
                 </a:solidFill>
               </a:rPr>
-              <a:t>Модифицируем код этого класса для того, чтобы он получал реализацию интерфейса “извне</a:t>
-            </a:r>
-            <a:r>
-              <a:rPr lang="ru-RU" dirty="0" smtClean="0">
-                <a:solidFill>
-                  <a:schemeClr val="accent4"/>
-                </a:solidFill>
-              </a:rPr>
-              <a:t>”</a:t>
-            </a:r>
-            <a:endParaRPr lang="en-US" dirty="0" smtClean="0">
-              <a:solidFill>
-                <a:schemeClr val="accent4"/>
-              </a:solidFill>
-            </a:endParaRPr>
-          </a:p>
-          <a:p>
-            <a:pPr marL="287338" indent="-287338" defTabSz="803275">
-              <a:buClr>
-                <a:srgbClr val="FF6600"/>
-              </a:buClr>
-              <a:buSzPct val="125000"/>
-              <a:buFont typeface="Wingdings" charset="0"/>
-              <a:buChar char="§"/>
-            </a:pPr>
-            <a:endParaRPr lang="ru-RU" dirty="0">
-              <a:solidFill>
-                <a:schemeClr val="accent4"/>
-              </a:solidFill>
-            </a:endParaRPr>
-          </a:p>
-          <a:p>
-            <a:pPr marL="287338" indent="-287338" defTabSz="803275">
-              <a:buClr>
-                <a:srgbClr val="FF6600"/>
-              </a:buClr>
-              <a:buSzPct val="125000"/>
-              <a:buFont typeface="Wingdings" charset="0"/>
-              <a:buChar char="§"/>
-            </a:pPr>
-            <a:r>
-              <a:rPr lang="ru-RU" dirty="0">
-                <a:solidFill>
-                  <a:schemeClr val="accent4"/>
-                </a:solidFill>
-              </a:rPr>
-              <a:t>Для этого достаточно немного изменить конструктор</a:t>
+              <a:t>Для этого может понадобиться создать еще несколько заглушек, которые будут выдавать нужные данные для конкретных тестов</a:t>
             </a:r>
           </a:p>
         </p:txBody>
@@ -19635,7 +19642,7 @@
     </p:spTree>
     <p:extLst>
       <p:ext uri="{BB962C8B-B14F-4D97-AF65-F5344CB8AC3E}">
-        <p14:creationId xmlns:p14="http://schemas.microsoft.com/office/powerpoint/2010/main" val="2937815942"/>
+        <p14:creationId xmlns:p14="http://schemas.microsoft.com/office/powerpoint/2010/main" val="2592427826"/>
       </p:ext>
     </p:extLst>
   </p:cSld>
@@ -19645,7 +19652,7 @@
   <p:timing>
     <p:tnLst>
       <p:par>
-        <p:cTn xmlns:p14="http://schemas.microsoft.com/office/powerpoint/2010/main" id="1" dur="indefinite" restart="never" nodeType="tmRoot"/>
+        <p:cTn id="1" dur="indefinite" restart="never" nodeType="tmRoot"/>
       </p:par>
     </p:tnLst>
   </p:timing>
@@ -19715,7 +19722,7 @@
         <p:spPr bwMode="auto">
           <a:xfrm>
             <a:off x="2000878" y="2201198"/>
-            <a:ext cx="5023841" cy="2455605"/>
+            <a:ext cx="5023841" cy="2732604"/>
           </a:xfrm>
           <a:prstGeom prst="rect">
             <a:avLst/>
@@ -19748,7 +19755,7 @@
                   <a:schemeClr val="accent4"/>
                 </a:solidFill>
               </a:rPr>
-              <a:t>После того, как все связи с внешним миром у класса или функции оборваны - мы ее полностью контролируем и можем полностью проверить ее </a:t>
+              <a:t>В итоге получается, что надо написать достаточно много дополнительного кода только для того, чтобы написать первый </a:t>
             </a:r>
             <a:r>
               <a:rPr lang="ru-RU" dirty="0" smtClean="0">
@@ -19756,7 +19763,7 @@
                   <a:schemeClr val="accent4"/>
                 </a:solidFill>
               </a:rPr>
-              <a:t>работу</a:t>
+              <a:t>тест</a:t>
             </a:r>
             <a:endParaRPr lang="en-US" dirty="0" smtClean="0">
               <a:solidFill>
@@ -19794,7 +19801,53 @@
                   <a:schemeClr val="accent4"/>
                 </a:solidFill>
               </a:rPr>
-              <a:t>Для этого может понадобиться создать еще несколько заглушек, которые будут выдавать нужные данные для конкретных тестов</a:t>
+              <a:t>Однако для второго теста, такого кода потребуется уже </a:t>
+            </a:r>
+            <a:r>
+              <a:rPr lang="ru-RU" dirty="0" smtClean="0">
+                <a:solidFill>
+                  <a:schemeClr val="accent4"/>
+                </a:solidFill>
+              </a:rPr>
+              <a:t>меньше</a:t>
+            </a:r>
+            <a:endParaRPr lang="en-US" dirty="0" smtClean="0">
+              <a:solidFill>
+                <a:schemeClr val="accent4"/>
+              </a:solidFill>
+            </a:endParaRPr>
+          </a:p>
+          <a:p>
+            <a:pPr marL="287338" indent="-287338" defTabSz="803275">
+              <a:buClr>
+                <a:srgbClr val="FF6600"/>
+              </a:buClr>
+              <a:buSzPct val="125000"/>
+              <a:buFont typeface="Wingdings" charset="0"/>
+              <a:buChar char="§"/>
+            </a:pPr>
+            <a:endParaRPr lang="ru-RU" dirty="0">
+              <a:solidFill>
+                <a:schemeClr val="accent4"/>
+              </a:solidFill>
+            </a:endParaRPr>
+          </a:p>
+          <a:p>
+            <a:pPr marL="287338" indent="-287338" defTabSz="803275">
+              <a:buClr>
+                <a:srgbClr val="FF6600"/>
+              </a:buClr>
+              <a:buSzPct val="125000"/>
+              <a:buFont typeface="Wingdings" charset="0"/>
+              <a:buChar char="§"/>
+            </a:pPr>
+            <a:r>
+              <a:rPr lang="ru-RU" dirty="0">
+                <a:solidFill>
+                  <a:schemeClr val="accent4"/>
+                </a:solidFill>
+              </a:rPr>
+              <a:t>«Десятый» тест уже пишется спокойно, с использованием ранее написанного кода</a:t>
             </a:r>
           </a:p>
         </p:txBody>
@@ -19802,7 +19855,7 @@
     </p:spTree>
     <p:extLst>
       <p:ext uri="{BB962C8B-B14F-4D97-AF65-F5344CB8AC3E}">
-        <p14:creationId xmlns:p14="http://schemas.microsoft.com/office/powerpoint/2010/main" val="2592427826"/>
+        <p14:creationId xmlns:p14="http://schemas.microsoft.com/office/powerpoint/2010/main" val="2709996510"/>
       </p:ext>
     </p:extLst>
   </p:cSld>
@@ -19812,7 +19865,7 @@
   <p:timing>
     <p:tnLst>
       <p:par>
-        <p:cTn xmlns:p14="http://schemas.microsoft.com/office/powerpoint/2010/main" id="1" dur="indefinite" restart="never" nodeType="tmRoot"/>
+        <p:cTn id="1" dur="indefinite" restart="never" nodeType="tmRoot"/>
       </p:par>
     </p:tnLst>
   </p:timing>
@@ -19838,194 +19891,49 @@
       </p:grpSpPr>
       <p:sp>
         <p:nvSpPr>
-          <p:cNvPr id="2" name="Title 1"/>
+          <p:cNvPr id="7" name="Text Placeholder 6"/>
           <p:cNvSpPr>
             <a:spLocks noGrp="1"/>
           </p:cNvSpPr>
           <p:nvPr>
-            <p:ph type="title"/>
-          </p:nvPr>
-        </p:nvSpPr>
-        <p:spPr/>
+            <p:ph type="body" sz="quarter" idx="20"/>
+          </p:nvPr>
+        </p:nvSpPr>
+        <p:spPr>
+          <a:xfrm>
+            <a:off x="2127250" y="2432649"/>
+            <a:ext cx="6467476" cy="576293"/>
+          </a:xfrm>
+        </p:spPr>
         <p:txBody>
           <a:bodyPr/>
           <a:lstStyle/>
           <a:p>
             <a:r>
-              <a:rPr lang="ru-RU" dirty="0"/>
-              <a:t>Проблемы покрытия </a:t>
-            </a:r>
-            <a:r>
-              <a:rPr lang="en-US" dirty="0"/>
-              <a:t>legacy-</a:t>
-            </a:r>
-            <a:r>
-              <a:rPr lang="ru-RU" dirty="0"/>
-              <a:t>кода</a:t>
+              <a:rPr lang="ru-RU" dirty="0" smtClean="0"/>
+              <a:t>Вопросы ?</a:t>
             </a:r>
             <a:endParaRPr lang="en-US" dirty="0"/>
-          </a:p>
-        </p:txBody>
-      </p:sp>
-      <p:sp>
-        <p:nvSpPr>
-          <p:cNvPr id="5" name="Rectangle 4"/>
-          <p:cNvSpPr>
-            <a:spLocks noChangeArrowheads="1"/>
-          </p:cNvSpPr>
-          <p:nvPr>
-            <p:custDataLst>
-              <p:tags r:id="rId1"/>
-            </p:custDataLst>
-          </p:nvPr>
-        </p:nvSpPr>
-        <p:spPr bwMode="auto">
-          <a:xfrm>
-            <a:off x="2000878" y="2201198"/>
-            <a:ext cx="5023841" cy="2732604"/>
-          </a:xfrm>
-          <a:prstGeom prst="rect">
-            <a:avLst/>
-          </a:prstGeom>
-          <a:noFill/>
-          <a:ln w="19050">
-            <a:noFill/>
-            <a:miter lim="800000"/>
-            <a:headEnd/>
-            <a:tailEnd/>
-          </a:ln>
-        </p:spPr>
-        <p:txBody>
-          <a:bodyPr wrap="square" lIns="93296" tIns="144000" rIns="93296" bIns="93296">
-            <a:spAutoFit/>
-          </a:bodyPr>
-          <a:lstStyle/>
-          <a:p>
-            <a:pPr marL="287338" indent="-287338" defTabSz="803275">
-              <a:buClr>
-                <a:srgbClr val="FF6600"/>
-              </a:buClr>
-              <a:buSzPct val="125000"/>
-              <a:buFont typeface="Wingdings" charset="0"/>
-              <a:buChar char="§"/>
-            </a:pPr>
-            <a:r>
-              <a:rPr lang="ru-RU" dirty="0">
-                <a:solidFill>
-                  <a:schemeClr val="accent4"/>
-                </a:solidFill>
-              </a:rPr>
-              <a:t>В итоге получается, что надо написать достаточно много дополнительного кода только для того, чтобы написать первый </a:t>
-            </a:r>
-            <a:r>
-              <a:rPr lang="ru-RU" dirty="0" smtClean="0">
-                <a:solidFill>
-                  <a:schemeClr val="accent4"/>
-                </a:solidFill>
-              </a:rPr>
-              <a:t>тест</a:t>
-            </a:r>
-            <a:endParaRPr lang="en-US" dirty="0" smtClean="0">
-              <a:solidFill>
-                <a:schemeClr val="accent4"/>
-              </a:solidFill>
-            </a:endParaRPr>
-          </a:p>
-          <a:p>
-            <a:pPr marL="287338" indent="-287338" defTabSz="803275">
-              <a:buClr>
-                <a:srgbClr val="FF6600"/>
-              </a:buClr>
-              <a:buSzPct val="125000"/>
-              <a:buFont typeface="Wingdings" charset="0"/>
-              <a:buChar char="§"/>
-            </a:pPr>
-            <a:endParaRPr lang="ru-RU" dirty="0">
-              <a:solidFill>
-                <a:schemeClr val="accent4"/>
-              </a:solidFill>
-            </a:endParaRPr>
-          </a:p>
-          <a:p>
-            <a:pPr marL="287338" indent="-287338" defTabSz="803275">
-              <a:buClr>
-                <a:srgbClr val="FF6600"/>
-              </a:buClr>
-              <a:buSzPct val="125000"/>
-              <a:buFont typeface="Wingdings" charset="0"/>
-              <a:buChar char="§"/>
-            </a:pPr>
-            <a:r>
-              <a:rPr lang="ru-RU" dirty="0">
-                <a:solidFill>
-                  <a:schemeClr val="accent4"/>
-                </a:solidFill>
-              </a:rPr>
-              <a:t>Однако для второго теста, такого кода потребуется уже </a:t>
-            </a:r>
-            <a:r>
-              <a:rPr lang="ru-RU" dirty="0" smtClean="0">
-                <a:solidFill>
-                  <a:schemeClr val="accent4"/>
-                </a:solidFill>
-              </a:rPr>
-              <a:t>меньше</a:t>
-            </a:r>
-            <a:endParaRPr lang="en-US" dirty="0" smtClean="0">
-              <a:solidFill>
-                <a:schemeClr val="accent4"/>
-              </a:solidFill>
-            </a:endParaRPr>
-          </a:p>
-          <a:p>
-            <a:pPr marL="287338" indent="-287338" defTabSz="803275">
-              <a:buClr>
-                <a:srgbClr val="FF6600"/>
-              </a:buClr>
-              <a:buSzPct val="125000"/>
-              <a:buFont typeface="Wingdings" charset="0"/>
-              <a:buChar char="§"/>
-            </a:pPr>
-            <a:endParaRPr lang="ru-RU" dirty="0">
-              <a:solidFill>
-                <a:schemeClr val="accent4"/>
-              </a:solidFill>
-            </a:endParaRPr>
-          </a:p>
-          <a:p>
-            <a:pPr marL="287338" indent="-287338" defTabSz="803275">
-              <a:buClr>
-                <a:srgbClr val="FF6600"/>
-              </a:buClr>
-              <a:buSzPct val="125000"/>
-              <a:buFont typeface="Wingdings" charset="0"/>
-              <a:buChar char="§"/>
-            </a:pPr>
-            <a:r>
-              <a:rPr lang="ru-RU" dirty="0">
-                <a:solidFill>
-                  <a:schemeClr val="accent4"/>
-                </a:solidFill>
-              </a:rPr>
-              <a:t>«Десятый» тест уже пишется спокойно, с использованием ранее написанного кода</a:t>
-            </a:r>
           </a:p>
         </p:txBody>
       </p:sp>
     </p:spTree>
     <p:extLst>
       <p:ext uri="{BB962C8B-B14F-4D97-AF65-F5344CB8AC3E}">
-        <p14:creationId xmlns:p14="http://schemas.microsoft.com/office/powerpoint/2010/main" val="2709996510"/>
+        <p14:creationId xmlns:p14="http://schemas.microsoft.com/office/powerpoint/2010/main" val="2964007123"/>
       </p:ext>
     </p:extLst>
   </p:cSld>
   <p:clrMapOvr>
     <a:masterClrMapping/>
   </p:clrMapOvr>
+  <p:transition>
+    <p:zoom/>
+  </p:transition>
   <p:timing>
     <p:tnLst>
       <p:par>
-        <p:cTn xmlns:p14="http://schemas.microsoft.com/office/powerpoint/2010/main" id="1" dur="indefinite" restart="never" nodeType="tmRoot"/>
+        <p:cTn id="1" dur="indefinite" restart="never" nodeType="tmRoot"/>
       </p:par>
     </p:tnLst>
   </p:timing>
@@ -20051,74 +19959,6 @@
       </p:grpSpPr>
       <p:sp>
         <p:nvSpPr>
-          <p:cNvPr id="7" name="Text Placeholder 6"/>
-          <p:cNvSpPr>
-            <a:spLocks noGrp="1"/>
-          </p:cNvSpPr>
-          <p:nvPr>
-            <p:ph type="body" sz="quarter" idx="20"/>
-          </p:nvPr>
-        </p:nvSpPr>
-        <p:spPr>
-          <a:xfrm>
-            <a:off x="2127250" y="2432649"/>
-            <a:ext cx="6467476" cy="576293"/>
-          </a:xfrm>
-        </p:spPr>
-        <p:txBody>
-          <a:bodyPr/>
-          <a:lstStyle/>
-          <a:p>
-            <a:r>
-              <a:rPr lang="ru-RU" dirty="0" smtClean="0"/>
-              <a:t>Вопросы ?</a:t>
-            </a:r>
-            <a:endParaRPr lang="en-US" dirty="0"/>
-          </a:p>
-        </p:txBody>
-      </p:sp>
-    </p:spTree>
-    <p:extLst>
-      <p:ext uri="{BB962C8B-B14F-4D97-AF65-F5344CB8AC3E}">
-        <p14:creationId xmlns:p14="http://schemas.microsoft.com/office/powerpoint/2010/main" val="2964007123"/>
-      </p:ext>
-    </p:extLst>
-  </p:cSld>
-  <p:clrMapOvr>
-    <a:masterClrMapping/>
-  </p:clrMapOvr>
-  <p:transition xmlns:p14="http://schemas.microsoft.com/office/powerpoint/2010/main">
-    <p:zoom/>
-  </p:transition>
-  <p:timing>
-    <p:tnLst>
-      <p:par>
-        <p:cTn xmlns:p14="http://schemas.microsoft.com/office/powerpoint/2010/main" id="1" dur="indefinite" restart="never" nodeType="tmRoot"/>
-      </p:par>
-    </p:tnLst>
-  </p:timing>
-</p:sld>
-</file>
-
-<file path=ppt/slides/slide19.xml><?xml version="1.0" encoding="utf-8"?>
-<p:sld xmlns:a="http://schemas.openxmlformats.org/drawingml/2006/main" xmlns:r="http://schemas.openxmlformats.org/officeDocument/2006/relationships" xmlns:p="http://schemas.openxmlformats.org/presentationml/2006/main">
-  <p:cSld>
-    <p:spTree>
-      <p:nvGrpSpPr>
-        <p:cNvPr id="1" name=""/>
-        <p:cNvGrpSpPr/>
-        <p:nvPr/>
-      </p:nvGrpSpPr>
-      <p:grpSpPr>
-        <a:xfrm>
-          <a:off x="0" y="0"/>
-          <a:ext cx="0" cy="0"/>
-          <a:chOff x="0" y="0"/>
-          <a:chExt cx="0" cy="0"/>
-        </a:xfrm>
-      </p:grpSpPr>
-      <p:sp>
-        <p:nvSpPr>
           <p:cNvPr id="7" name="Subtitle 6"/>
           <p:cNvSpPr>
             <a:spLocks noGrp="1"/>
@@ -20313,1034 +20153,13 @@
   <p:clrMapOvr>
     <a:masterClrMapping/>
   </p:clrMapOvr>
-  <p:transition xmlns:p14="http://schemas.microsoft.com/office/powerpoint/2010/main">
+  <p:transition>
     <p:zoom/>
   </p:transition>
 </p:sld>
 </file>
 
 <file path=ppt/slides/slide2.xml><?xml version="1.0" encoding="utf-8"?>
-<p:sld xmlns:a="http://schemas.openxmlformats.org/drawingml/2006/main" xmlns:r="http://schemas.openxmlformats.org/officeDocument/2006/relationships" xmlns:p="http://schemas.openxmlformats.org/presentationml/2006/main">
-  <p:cSld>
-    <p:spTree>
-      <p:nvGrpSpPr>
-        <p:cNvPr id="1" name=""/>
-        <p:cNvGrpSpPr/>
-        <p:nvPr/>
-      </p:nvGrpSpPr>
-      <p:grpSpPr>
-        <a:xfrm>
-          <a:off x="0" y="0"/>
-          <a:ext cx="0" cy="0"/>
-          <a:chOff x="0" y="0"/>
-          <a:chExt cx="0" cy="0"/>
-        </a:xfrm>
-      </p:grpSpPr>
-      <p:sp>
-        <p:nvSpPr>
-          <p:cNvPr id="9221" name="Title 1"/>
-          <p:cNvSpPr>
-            <a:spLocks noGrp="1"/>
-          </p:cNvSpPr>
-          <p:nvPr>
-            <p:ph type="title"/>
-          </p:nvPr>
-        </p:nvSpPr>
-        <p:spPr/>
-        <p:txBody>
-          <a:bodyPr/>
-          <a:lstStyle/>
-          <a:p>
-            <a:r>
-              <a:rPr lang="ru-RU" dirty="0" smtClean="0">
-                <a:solidFill>
-                  <a:srgbClr val="161645"/>
-                </a:solidFill>
-                <a:latin typeface="Arial" charset="0"/>
-              </a:rPr>
-              <a:t>Для кого этот тренинг?</a:t>
-            </a:r>
-            <a:endParaRPr lang="ru-RU" dirty="0">
-              <a:solidFill>
-                <a:srgbClr val="161645"/>
-              </a:solidFill>
-              <a:latin typeface="Arial" charset="0"/>
-            </a:endParaRPr>
-          </a:p>
-        </p:txBody>
-      </p:sp>
-      <p:grpSp>
-        <p:nvGrpSpPr>
-          <p:cNvPr id="3" name="Group 2"/>
-          <p:cNvGrpSpPr/>
-          <p:nvPr/>
-        </p:nvGrpSpPr>
-        <p:grpSpPr>
-          <a:xfrm>
-            <a:off x="1362075" y="1988656"/>
-            <a:ext cx="6419850" cy="3229939"/>
-            <a:chOff x="1352550" y="2035583"/>
-            <a:chExt cx="6419850" cy="3229939"/>
-          </a:xfrm>
-        </p:grpSpPr>
-        <p:sp>
-          <p:nvSpPr>
-            <p:cNvPr id="15" name="Rectangle 14"/>
-            <p:cNvSpPr/>
-            <p:nvPr/>
-          </p:nvSpPr>
-          <p:spPr>
-            <a:xfrm>
-              <a:off x="2219325" y="4337787"/>
-              <a:ext cx="5553075" cy="895350"/>
-            </a:xfrm>
-            <a:prstGeom prst="rect">
-              <a:avLst/>
-            </a:prstGeom>
-            <a:solidFill>
-              <a:schemeClr val="accent2"/>
-            </a:solidFill>
-            <a:ln>
-              <a:noFill/>
-            </a:ln>
-          </p:spPr>
-          <p:style>
-            <a:lnRef idx="2">
-              <a:schemeClr val="accent1">
-                <a:shade val="50000"/>
-              </a:schemeClr>
-            </a:lnRef>
-            <a:fillRef idx="1">
-              <a:schemeClr val="accent1"/>
-            </a:fillRef>
-            <a:effectRef idx="0">
-              <a:schemeClr val="accent1"/>
-            </a:effectRef>
-            <a:fontRef idx="minor">
-              <a:schemeClr val="lt1"/>
-            </a:fontRef>
-          </p:style>
-          <p:txBody>
-            <a:bodyPr anchor="ctr"/>
-            <a:lstStyle/>
-            <a:p>
-              <a:pPr algn="ctr">
-                <a:defRPr/>
-              </a:pPr>
-              <a:endParaRPr lang="ru-RU" dirty="0"/>
-            </a:p>
-          </p:txBody>
-        </p:sp>
-        <p:sp>
-          <p:nvSpPr>
-            <p:cNvPr id="14" name="Rectangle 13"/>
-            <p:cNvSpPr/>
-            <p:nvPr/>
-          </p:nvSpPr>
-          <p:spPr>
-            <a:xfrm>
-              <a:off x="2219325" y="3199867"/>
-              <a:ext cx="5553075" cy="895350"/>
-            </a:xfrm>
-            <a:prstGeom prst="rect">
-              <a:avLst/>
-            </a:prstGeom>
-            <a:solidFill>
-              <a:schemeClr val="accent2"/>
-            </a:solidFill>
-            <a:ln>
-              <a:noFill/>
-            </a:ln>
-          </p:spPr>
-          <p:style>
-            <a:lnRef idx="2">
-              <a:schemeClr val="accent1">
-                <a:shade val="50000"/>
-              </a:schemeClr>
-            </a:lnRef>
-            <a:fillRef idx="1">
-              <a:schemeClr val="accent1"/>
-            </a:fillRef>
-            <a:effectRef idx="0">
-              <a:schemeClr val="accent1"/>
-            </a:effectRef>
-            <a:fontRef idx="minor">
-              <a:schemeClr val="lt1"/>
-            </a:fontRef>
-          </p:style>
-          <p:txBody>
-            <a:bodyPr anchor="ctr"/>
-            <a:lstStyle/>
-            <a:p>
-              <a:pPr algn="ctr">
-                <a:defRPr/>
-              </a:pPr>
-              <a:endParaRPr lang="ru-RU" dirty="0"/>
-            </a:p>
-          </p:txBody>
-        </p:sp>
-        <p:sp>
-          <p:nvSpPr>
-            <p:cNvPr id="13" name="Rectangle 12"/>
-            <p:cNvSpPr/>
-            <p:nvPr/>
-          </p:nvSpPr>
-          <p:spPr>
-            <a:xfrm>
-              <a:off x="2219325" y="2035583"/>
-              <a:ext cx="5553075" cy="960120"/>
-            </a:xfrm>
-            <a:prstGeom prst="rect">
-              <a:avLst/>
-            </a:prstGeom>
-            <a:solidFill>
-              <a:schemeClr val="accent2"/>
-            </a:solidFill>
-            <a:ln>
-              <a:noFill/>
-            </a:ln>
-          </p:spPr>
-          <p:style>
-            <a:lnRef idx="2">
-              <a:schemeClr val="accent1">
-                <a:shade val="50000"/>
-              </a:schemeClr>
-            </a:lnRef>
-            <a:fillRef idx="1">
-              <a:schemeClr val="accent1"/>
-            </a:fillRef>
-            <a:effectRef idx="0">
-              <a:schemeClr val="accent1"/>
-            </a:effectRef>
-            <a:fontRef idx="minor">
-              <a:schemeClr val="lt1"/>
-            </a:fontRef>
-          </p:style>
-          <p:txBody>
-            <a:bodyPr anchor="ctr"/>
-            <a:lstStyle/>
-            <a:p>
-              <a:pPr algn="ctr">
-                <a:defRPr/>
-              </a:pPr>
-              <a:endParaRPr lang="ru-RU" dirty="0"/>
-            </a:p>
-          </p:txBody>
-        </p:sp>
-        <p:sp>
-          <p:nvSpPr>
-            <p:cNvPr id="4" name="TextBox 3"/>
-            <p:cNvSpPr txBox="1"/>
-            <p:nvPr/>
-          </p:nvSpPr>
-          <p:spPr>
-            <a:xfrm>
-              <a:off x="2219325" y="3167482"/>
-              <a:ext cx="5553075" cy="960120"/>
-            </a:xfrm>
-            <a:prstGeom prst="rect">
-              <a:avLst/>
-            </a:prstGeom>
-            <a:solidFill>
-              <a:schemeClr val="accent2"/>
-            </a:solidFill>
-          </p:spPr>
-          <p:txBody>
-            <a:bodyPr wrap="square" lIns="108000" tIns="108000" rIns="108000" bIns="108000">
-              <a:spAutoFit/>
-            </a:bodyPr>
-            <a:lstStyle>
-              <a:lvl1pPr eaLnBrk="0" hangingPunct="0">
-                <a:defRPr>
-                  <a:solidFill>
-                    <a:schemeClr val="tx1"/>
-                  </a:solidFill>
-                  <a:latin typeface="Arial" charset="0"/>
-                  <a:ea typeface="ＭＳ Ｐゴシック" charset="0"/>
-                  <a:cs typeface="Arial" charset="0"/>
-                </a:defRPr>
-              </a:lvl1pPr>
-              <a:lvl2pPr marL="742950" indent="-285750" eaLnBrk="0" hangingPunct="0">
-                <a:defRPr>
-                  <a:solidFill>
-                    <a:schemeClr val="tx1"/>
-                  </a:solidFill>
-                  <a:latin typeface="Arial" charset="0"/>
-                  <a:ea typeface="Arial" charset="0"/>
-                  <a:cs typeface="Arial" charset="0"/>
-                </a:defRPr>
-              </a:lvl2pPr>
-              <a:lvl3pPr marL="1143000" indent="-228600" eaLnBrk="0" hangingPunct="0">
-                <a:defRPr>
-                  <a:solidFill>
-                    <a:schemeClr val="tx1"/>
-                  </a:solidFill>
-                  <a:latin typeface="Arial" charset="0"/>
-                  <a:ea typeface="Arial" charset="0"/>
-                  <a:cs typeface="Arial" charset="0"/>
-                </a:defRPr>
-              </a:lvl3pPr>
-              <a:lvl4pPr marL="1600200" indent="-228600" eaLnBrk="0" hangingPunct="0">
-                <a:defRPr>
-                  <a:solidFill>
-                    <a:schemeClr val="tx1"/>
-                  </a:solidFill>
-                  <a:latin typeface="Arial" charset="0"/>
-                  <a:ea typeface="Arial" charset="0"/>
-                  <a:cs typeface="Arial" charset="0"/>
-                </a:defRPr>
-              </a:lvl4pPr>
-              <a:lvl5pPr marL="2057400" indent="-228600" eaLnBrk="0" hangingPunct="0">
-                <a:defRPr>
-                  <a:solidFill>
-                    <a:schemeClr val="tx1"/>
-                  </a:solidFill>
-                  <a:latin typeface="Arial" charset="0"/>
-                  <a:ea typeface="Arial" charset="0"/>
-                  <a:cs typeface="Arial" charset="0"/>
-                </a:defRPr>
-              </a:lvl5pPr>
-              <a:lvl6pPr marL="2514600" indent="-228600" eaLnBrk="0" fontAlgn="base" hangingPunct="0">
-                <a:spcBef>
-                  <a:spcPct val="0"/>
-                </a:spcBef>
-                <a:spcAft>
-                  <a:spcPct val="0"/>
-                </a:spcAft>
-                <a:defRPr>
-                  <a:solidFill>
-                    <a:schemeClr val="tx1"/>
-                  </a:solidFill>
-                  <a:latin typeface="Arial" charset="0"/>
-                  <a:ea typeface="Arial" charset="0"/>
-                  <a:cs typeface="Arial" charset="0"/>
-                </a:defRPr>
-              </a:lvl6pPr>
-              <a:lvl7pPr marL="2971800" indent="-228600" eaLnBrk="0" fontAlgn="base" hangingPunct="0">
-                <a:spcBef>
-                  <a:spcPct val="0"/>
-                </a:spcBef>
-                <a:spcAft>
-                  <a:spcPct val="0"/>
-                </a:spcAft>
-                <a:defRPr>
-                  <a:solidFill>
-                    <a:schemeClr val="tx1"/>
-                  </a:solidFill>
-                  <a:latin typeface="Arial" charset="0"/>
-                  <a:ea typeface="Arial" charset="0"/>
-                  <a:cs typeface="Arial" charset="0"/>
-                </a:defRPr>
-              </a:lvl7pPr>
-              <a:lvl8pPr marL="3429000" indent="-228600" eaLnBrk="0" fontAlgn="base" hangingPunct="0">
-                <a:spcBef>
-                  <a:spcPct val="0"/>
-                </a:spcBef>
-                <a:spcAft>
-                  <a:spcPct val="0"/>
-                </a:spcAft>
-                <a:defRPr>
-                  <a:solidFill>
-                    <a:schemeClr val="tx1"/>
-                  </a:solidFill>
-                  <a:latin typeface="Arial" charset="0"/>
-                  <a:ea typeface="Arial" charset="0"/>
-                  <a:cs typeface="Arial" charset="0"/>
-                </a:defRPr>
-              </a:lvl8pPr>
-              <a:lvl9pPr marL="3886200" indent="-228600" eaLnBrk="0" fontAlgn="base" hangingPunct="0">
-                <a:spcBef>
-                  <a:spcPct val="0"/>
-                </a:spcBef>
-                <a:spcAft>
-                  <a:spcPct val="0"/>
-                </a:spcAft>
-                <a:defRPr>
-                  <a:solidFill>
-                    <a:schemeClr val="tx1"/>
-                  </a:solidFill>
-                  <a:latin typeface="Arial" charset="0"/>
-                  <a:ea typeface="Arial" charset="0"/>
-                  <a:cs typeface="Arial" charset="0"/>
-                </a:defRPr>
-              </a:lvl9pPr>
-            </a:lstStyle>
-            <a:p>
-              <a:pPr eaLnBrk="1" hangingPunct="1">
-                <a:buClr>
-                  <a:srgbClr val="FF6600"/>
-                </a:buClr>
-                <a:buSzPct val="125000"/>
-              </a:pPr>
-              <a:r>
-                <a:rPr lang="en-US" b="1" dirty="0" smtClean="0">
-                  <a:solidFill>
-                    <a:srgbClr val="004080"/>
-                  </a:solidFill>
-                </a:rPr>
-                <a:t>Intermediate</a:t>
-              </a:r>
-              <a:endParaRPr lang="en-US" dirty="0" smtClean="0">
-                <a:solidFill>
-                  <a:srgbClr val="004080"/>
-                </a:solidFill>
-              </a:endParaRPr>
-            </a:p>
-            <a:p>
-              <a:pPr eaLnBrk="1" hangingPunct="1">
-                <a:buClr>
-                  <a:srgbClr val="FF6600"/>
-                </a:buClr>
-                <a:buSzPct val="125000"/>
-              </a:pPr>
-              <a:r>
-                <a:rPr lang="ru-RU" dirty="0" smtClean="0">
-                  <a:solidFill>
-                    <a:srgbClr val="004080"/>
-                  </a:solidFill>
-                </a:rPr>
-                <a:t>Поможет лучше всё структурировать в голове и объяснять коллегам</a:t>
-              </a:r>
-              <a:endParaRPr lang="ru-RU" dirty="0">
-                <a:solidFill>
-                  <a:srgbClr val="004080"/>
-                </a:solidFill>
-              </a:endParaRPr>
-            </a:p>
-          </p:txBody>
-        </p:sp>
-        <p:sp>
-          <p:nvSpPr>
-            <p:cNvPr id="6" name="TextBox 5"/>
-            <p:cNvSpPr txBox="1"/>
-            <p:nvPr/>
-          </p:nvSpPr>
-          <p:spPr>
-            <a:xfrm>
-              <a:off x="2286000" y="2129590"/>
-              <a:ext cx="5438775" cy="772107"/>
-            </a:xfrm>
-            <a:prstGeom prst="rect">
-              <a:avLst/>
-            </a:prstGeom>
-            <a:solidFill>
-              <a:schemeClr val="accent2"/>
-            </a:solidFill>
-          </p:spPr>
-          <p:txBody>
-            <a:bodyPr lIns="108000" tIns="108000" rIns="108000" bIns="108000">
-              <a:spAutoFit/>
-            </a:bodyPr>
-            <a:lstStyle>
-              <a:lvl1pPr eaLnBrk="0" hangingPunct="0">
-                <a:defRPr>
-                  <a:solidFill>
-                    <a:schemeClr val="tx1"/>
-                  </a:solidFill>
-                  <a:latin typeface="Arial" charset="0"/>
-                  <a:ea typeface="ＭＳ Ｐゴシック" charset="0"/>
-                  <a:cs typeface="Arial" charset="0"/>
-                </a:defRPr>
-              </a:lvl1pPr>
-              <a:lvl2pPr marL="742950" indent="-285750" eaLnBrk="0" hangingPunct="0">
-                <a:defRPr>
-                  <a:solidFill>
-                    <a:schemeClr val="tx1"/>
-                  </a:solidFill>
-                  <a:latin typeface="Arial" charset="0"/>
-                  <a:ea typeface="Arial" charset="0"/>
-                  <a:cs typeface="Arial" charset="0"/>
-                </a:defRPr>
-              </a:lvl2pPr>
-              <a:lvl3pPr marL="1143000" indent="-228600" eaLnBrk="0" hangingPunct="0">
-                <a:defRPr>
-                  <a:solidFill>
-                    <a:schemeClr val="tx1"/>
-                  </a:solidFill>
-                  <a:latin typeface="Arial" charset="0"/>
-                  <a:ea typeface="Arial" charset="0"/>
-                  <a:cs typeface="Arial" charset="0"/>
-                </a:defRPr>
-              </a:lvl3pPr>
-              <a:lvl4pPr marL="1600200" indent="-228600" eaLnBrk="0" hangingPunct="0">
-                <a:defRPr>
-                  <a:solidFill>
-                    <a:schemeClr val="tx1"/>
-                  </a:solidFill>
-                  <a:latin typeface="Arial" charset="0"/>
-                  <a:ea typeface="Arial" charset="0"/>
-                  <a:cs typeface="Arial" charset="0"/>
-                </a:defRPr>
-              </a:lvl4pPr>
-              <a:lvl5pPr marL="2057400" indent="-228600" eaLnBrk="0" hangingPunct="0">
-                <a:defRPr>
-                  <a:solidFill>
-                    <a:schemeClr val="tx1"/>
-                  </a:solidFill>
-                  <a:latin typeface="Arial" charset="0"/>
-                  <a:ea typeface="Arial" charset="0"/>
-                  <a:cs typeface="Arial" charset="0"/>
-                </a:defRPr>
-              </a:lvl5pPr>
-              <a:lvl6pPr marL="2514600" indent="-228600" eaLnBrk="0" fontAlgn="base" hangingPunct="0">
-                <a:spcBef>
-                  <a:spcPct val="0"/>
-                </a:spcBef>
-                <a:spcAft>
-                  <a:spcPct val="0"/>
-                </a:spcAft>
-                <a:defRPr>
-                  <a:solidFill>
-                    <a:schemeClr val="tx1"/>
-                  </a:solidFill>
-                  <a:latin typeface="Arial" charset="0"/>
-                  <a:ea typeface="Arial" charset="0"/>
-                  <a:cs typeface="Arial" charset="0"/>
-                </a:defRPr>
-              </a:lvl6pPr>
-              <a:lvl7pPr marL="2971800" indent="-228600" eaLnBrk="0" fontAlgn="base" hangingPunct="0">
-                <a:spcBef>
-                  <a:spcPct val="0"/>
-                </a:spcBef>
-                <a:spcAft>
-                  <a:spcPct val="0"/>
-                </a:spcAft>
-                <a:defRPr>
-                  <a:solidFill>
-                    <a:schemeClr val="tx1"/>
-                  </a:solidFill>
-                  <a:latin typeface="Arial" charset="0"/>
-                  <a:ea typeface="Arial" charset="0"/>
-                  <a:cs typeface="Arial" charset="0"/>
-                </a:defRPr>
-              </a:lvl7pPr>
-              <a:lvl8pPr marL="3429000" indent="-228600" eaLnBrk="0" fontAlgn="base" hangingPunct="0">
-                <a:spcBef>
-                  <a:spcPct val="0"/>
-                </a:spcBef>
-                <a:spcAft>
-                  <a:spcPct val="0"/>
-                </a:spcAft>
-                <a:defRPr>
-                  <a:solidFill>
-                    <a:schemeClr val="tx1"/>
-                  </a:solidFill>
-                  <a:latin typeface="Arial" charset="0"/>
-                  <a:ea typeface="Arial" charset="0"/>
-                  <a:cs typeface="Arial" charset="0"/>
-                </a:defRPr>
-              </a:lvl8pPr>
-              <a:lvl9pPr marL="3886200" indent="-228600" eaLnBrk="0" fontAlgn="base" hangingPunct="0">
-                <a:spcBef>
-                  <a:spcPct val="0"/>
-                </a:spcBef>
-                <a:spcAft>
-                  <a:spcPct val="0"/>
-                </a:spcAft>
-                <a:defRPr>
-                  <a:solidFill>
-                    <a:schemeClr val="tx1"/>
-                  </a:solidFill>
-                  <a:latin typeface="Arial" charset="0"/>
-                  <a:ea typeface="Arial" charset="0"/>
-                  <a:cs typeface="Arial" charset="0"/>
-                </a:defRPr>
-              </a:lvl9pPr>
-            </a:lstStyle>
-            <a:p>
-              <a:pPr eaLnBrk="1" hangingPunct="1">
-                <a:buClr>
-                  <a:srgbClr val="FF6600"/>
-                </a:buClr>
-                <a:buSzPct val="125000"/>
-              </a:pPr>
-              <a:r>
-                <a:rPr lang="de-DE" b="1" dirty="0" smtClean="0">
-                  <a:solidFill>
-                    <a:srgbClr val="004080"/>
-                  </a:solidFill>
-                </a:rPr>
-                <a:t>Beginner</a:t>
-              </a:r>
-              <a:endParaRPr lang="ru-RU" b="1" dirty="0" smtClean="0">
-                <a:solidFill>
-                  <a:srgbClr val="004080"/>
-                </a:solidFill>
-              </a:endParaRPr>
-            </a:p>
-            <a:p>
-              <a:pPr eaLnBrk="1" hangingPunct="1">
-                <a:buClr>
-                  <a:srgbClr val="FF6600"/>
-                </a:buClr>
-                <a:buSzPct val="125000"/>
-              </a:pPr>
-              <a:r>
-                <a:rPr lang="ru-RU" dirty="0" smtClean="0">
-                  <a:solidFill>
-                    <a:srgbClr val="004080"/>
-                  </a:solidFill>
-                </a:rPr>
-                <a:t>Хорошая</a:t>
-              </a:r>
-              <a:r>
-                <a:rPr lang="de-DE" dirty="0" smtClean="0">
-                  <a:solidFill>
-                    <a:srgbClr val="004080"/>
-                  </a:solidFill>
-                </a:rPr>
-                <a:t> </a:t>
-              </a:r>
-              <a:r>
-                <a:rPr lang="ru-RU" dirty="0" smtClean="0">
-                  <a:solidFill>
-                    <a:srgbClr val="004080"/>
-                  </a:solidFill>
-                </a:rPr>
-                <a:t>точка входа</a:t>
-              </a:r>
-              <a:endParaRPr lang="ru-RU" dirty="0">
-                <a:solidFill>
-                  <a:srgbClr val="004080"/>
-                </a:solidFill>
-              </a:endParaRPr>
-            </a:p>
-          </p:txBody>
-        </p:sp>
-        <p:sp>
-          <p:nvSpPr>
-            <p:cNvPr id="8" name="TextBox 7"/>
-            <p:cNvSpPr txBox="1"/>
-            <p:nvPr/>
-          </p:nvSpPr>
-          <p:spPr>
-            <a:xfrm>
-              <a:off x="2219326" y="4305402"/>
-              <a:ext cx="5505450" cy="960120"/>
-            </a:xfrm>
-            <a:prstGeom prst="rect">
-              <a:avLst/>
-            </a:prstGeom>
-            <a:solidFill>
-              <a:schemeClr val="accent2"/>
-            </a:solidFill>
-          </p:spPr>
-          <p:txBody>
-            <a:bodyPr wrap="square" lIns="108000" tIns="108000" rIns="108000" bIns="108000">
-              <a:spAutoFit/>
-            </a:bodyPr>
-            <a:lstStyle>
-              <a:lvl1pPr eaLnBrk="0" hangingPunct="0">
-                <a:defRPr>
-                  <a:solidFill>
-                    <a:schemeClr val="tx1"/>
-                  </a:solidFill>
-                  <a:latin typeface="Arial" charset="0"/>
-                  <a:ea typeface="ＭＳ Ｐゴシック" charset="0"/>
-                  <a:cs typeface="Arial" charset="0"/>
-                </a:defRPr>
-              </a:lvl1pPr>
-              <a:lvl2pPr marL="742950" indent="-285750" eaLnBrk="0" hangingPunct="0">
-                <a:defRPr>
-                  <a:solidFill>
-                    <a:schemeClr val="tx1"/>
-                  </a:solidFill>
-                  <a:latin typeface="Arial" charset="0"/>
-                  <a:ea typeface="Arial" charset="0"/>
-                  <a:cs typeface="Arial" charset="0"/>
-                </a:defRPr>
-              </a:lvl2pPr>
-              <a:lvl3pPr marL="1143000" indent="-228600" eaLnBrk="0" hangingPunct="0">
-                <a:defRPr>
-                  <a:solidFill>
-                    <a:schemeClr val="tx1"/>
-                  </a:solidFill>
-                  <a:latin typeface="Arial" charset="0"/>
-                  <a:ea typeface="Arial" charset="0"/>
-                  <a:cs typeface="Arial" charset="0"/>
-                </a:defRPr>
-              </a:lvl3pPr>
-              <a:lvl4pPr marL="1600200" indent="-228600" eaLnBrk="0" hangingPunct="0">
-                <a:defRPr>
-                  <a:solidFill>
-                    <a:schemeClr val="tx1"/>
-                  </a:solidFill>
-                  <a:latin typeface="Arial" charset="0"/>
-                  <a:ea typeface="Arial" charset="0"/>
-                  <a:cs typeface="Arial" charset="0"/>
-                </a:defRPr>
-              </a:lvl4pPr>
-              <a:lvl5pPr marL="2057400" indent="-228600" eaLnBrk="0" hangingPunct="0">
-                <a:defRPr>
-                  <a:solidFill>
-                    <a:schemeClr val="tx1"/>
-                  </a:solidFill>
-                  <a:latin typeface="Arial" charset="0"/>
-                  <a:ea typeface="Arial" charset="0"/>
-                  <a:cs typeface="Arial" charset="0"/>
-                </a:defRPr>
-              </a:lvl5pPr>
-              <a:lvl6pPr marL="2514600" indent="-228600" eaLnBrk="0" fontAlgn="base" hangingPunct="0">
-                <a:spcBef>
-                  <a:spcPct val="0"/>
-                </a:spcBef>
-                <a:spcAft>
-                  <a:spcPct val="0"/>
-                </a:spcAft>
-                <a:defRPr>
-                  <a:solidFill>
-                    <a:schemeClr val="tx1"/>
-                  </a:solidFill>
-                  <a:latin typeface="Arial" charset="0"/>
-                  <a:ea typeface="Arial" charset="0"/>
-                  <a:cs typeface="Arial" charset="0"/>
-                </a:defRPr>
-              </a:lvl6pPr>
-              <a:lvl7pPr marL="2971800" indent="-228600" eaLnBrk="0" fontAlgn="base" hangingPunct="0">
-                <a:spcBef>
-                  <a:spcPct val="0"/>
-                </a:spcBef>
-                <a:spcAft>
-                  <a:spcPct val="0"/>
-                </a:spcAft>
-                <a:defRPr>
-                  <a:solidFill>
-                    <a:schemeClr val="tx1"/>
-                  </a:solidFill>
-                  <a:latin typeface="Arial" charset="0"/>
-                  <a:ea typeface="Arial" charset="0"/>
-                  <a:cs typeface="Arial" charset="0"/>
-                </a:defRPr>
-              </a:lvl7pPr>
-              <a:lvl8pPr marL="3429000" indent="-228600" eaLnBrk="0" fontAlgn="base" hangingPunct="0">
-                <a:spcBef>
-                  <a:spcPct val="0"/>
-                </a:spcBef>
-                <a:spcAft>
-                  <a:spcPct val="0"/>
-                </a:spcAft>
-                <a:defRPr>
-                  <a:solidFill>
-                    <a:schemeClr val="tx1"/>
-                  </a:solidFill>
-                  <a:latin typeface="Arial" charset="0"/>
-                  <a:ea typeface="Arial" charset="0"/>
-                  <a:cs typeface="Arial" charset="0"/>
-                </a:defRPr>
-              </a:lvl8pPr>
-              <a:lvl9pPr marL="3886200" indent="-228600" eaLnBrk="0" fontAlgn="base" hangingPunct="0">
-                <a:spcBef>
-                  <a:spcPct val="0"/>
-                </a:spcBef>
-                <a:spcAft>
-                  <a:spcPct val="0"/>
-                </a:spcAft>
-                <a:defRPr>
-                  <a:solidFill>
-                    <a:schemeClr val="tx1"/>
-                  </a:solidFill>
-                  <a:latin typeface="Arial" charset="0"/>
-                  <a:ea typeface="Arial" charset="0"/>
-                  <a:cs typeface="Arial" charset="0"/>
-                </a:defRPr>
-              </a:lvl9pPr>
-            </a:lstStyle>
-            <a:p>
-              <a:pPr eaLnBrk="1" hangingPunct="1">
-                <a:buClr>
-                  <a:srgbClr val="FF6600"/>
-                </a:buClr>
-                <a:buSzPct val="125000"/>
-              </a:pPr>
-              <a:r>
-                <a:rPr lang="en-US" b="1" dirty="0" smtClean="0">
-                  <a:solidFill>
-                    <a:srgbClr val="004080"/>
-                  </a:solidFill>
-                </a:rPr>
-                <a:t>Advanced </a:t>
-              </a:r>
-              <a:endParaRPr lang="ru-RU" b="1" dirty="0" smtClean="0">
-                <a:solidFill>
-                  <a:srgbClr val="004080"/>
-                </a:solidFill>
-              </a:endParaRPr>
-            </a:p>
-            <a:p>
-              <a:pPr eaLnBrk="1" hangingPunct="1">
-                <a:buClr>
-                  <a:srgbClr val="FF6600"/>
-                </a:buClr>
-                <a:buSzPct val="125000"/>
-              </a:pPr>
-              <a:r>
-                <a:rPr lang="ru-RU" dirty="0" smtClean="0">
-                  <a:solidFill>
-                    <a:srgbClr val="004080"/>
-                  </a:solidFill>
-                </a:rPr>
-                <a:t>Можно использовать для</a:t>
-              </a:r>
-              <a:r>
-                <a:rPr lang="en-US" dirty="0" smtClean="0">
-                  <a:solidFill>
-                    <a:srgbClr val="004080"/>
-                  </a:solidFill>
-                </a:rPr>
-                <a:t> </a:t>
-              </a:r>
-              <a:r>
-                <a:rPr lang="ru-RU" dirty="0" smtClean="0">
-                  <a:solidFill>
-                    <a:srgbClr val="004080"/>
-                  </a:solidFill>
-                </a:rPr>
-                <a:t>обучения</a:t>
-              </a:r>
-              <a:r>
-                <a:rPr lang="en-US" dirty="0" smtClean="0">
-                  <a:solidFill>
-                    <a:srgbClr val="004080"/>
-                  </a:solidFill>
-                </a:rPr>
-                <a:t> </a:t>
-              </a:r>
-              <a:r>
-                <a:rPr lang="ru-RU" dirty="0" smtClean="0">
-                  <a:solidFill>
-                    <a:srgbClr val="004080"/>
-                  </a:solidFill>
-                </a:rPr>
-                <a:t>и</a:t>
-              </a:r>
-              <a:r>
-                <a:rPr lang="en-US" dirty="0" smtClean="0">
-                  <a:solidFill>
-                    <a:srgbClr val="004080"/>
-                  </a:solidFill>
-                </a:rPr>
-                <a:t> </a:t>
-              </a:r>
-              <a:r>
-                <a:rPr lang="ru-RU" dirty="0" smtClean="0">
-                  <a:solidFill>
-                    <a:srgbClr val="004080"/>
-                  </a:solidFill>
-                </a:rPr>
-                <a:t>проверки других</a:t>
-              </a:r>
-              <a:endParaRPr lang="ru-RU" dirty="0">
-                <a:solidFill>
-                  <a:srgbClr val="004080"/>
-                </a:solidFill>
-              </a:endParaRPr>
-            </a:p>
-          </p:txBody>
-        </p:sp>
-        <p:sp>
-          <p:nvSpPr>
-            <p:cNvPr id="16" name="Rectangle 15"/>
-            <p:cNvSpPr/>
-            <p:nvPr/>
-          </p:nvSpPr>
-          <p:spPr>
-            <a:xfrm>
-              <a:off x="1352550" y="4305402"/>
-              <a:ext cx="752475" cy="960120"/>
-            </a:xfrm>
-            <a:prstGeom prst="rect">
-              <a:avLst/>
-            </a:prstGeom>
-            <a:solidFill>
-              <a:schemeClr val="accent3"/>
-            </a:solidFill>
-            <a:ln>
-              <a:noFill/>
-            </a:ln>
-          </p:spPr>
-          <p:style>
-            <a:lnRef idx="2">
-              <a:schemeClr val="accent1">
-                <a:shade val="50000"/>
-              </a:schemeClr>
-            </a:lnRef>
-            <a:fillRef idx="1">
-              <a:schemeClr val="accent1"/>
-            </a:fillRef>
-            <a:effectRef idx="0">
-              <a:schemeClr val="accent1"/>
-            </a:effectRef>
-            <a:fontRef idx="minor">
-              <a:schemeClr val="lt1"/>
-            </a:fontRef>
-          </p:style>
-          <p:txBody>
-            <a:bodyPr anchor="ctr"/>
-            <a:lstStyle/>
-            <a:p>
-              <a:pPr algn="ctr">
-                <a:defRPr/>
-              </a:pPr>
-              <a:r>
-                <a:rPr lang="ru-RU" sz="5400" b="1" dirty="0"/>
-                <a:t>3</a:t>
-              </a:r>
-            </a:p>
-          </p:txBody>
-        </p:sp>
-        <p:sp>
-          <p:nvSpPr>
-            <p:cNvPr id="17" name="Rectangle 16"/>
-            <p:cNvSpPr/>
-            <p:nvPr/>
-          </p:nvSpPr>
-          <p:spPr>
-            <a:xfrm>
-              <a:off x="1352550" y="3167482"/>
-              <a:ext cx="752475" cy="960120"/>
-            </a:xfrm>
-            <a:prstGeom prst="rect">
-              <a:avLst/>
-            </a:prstGeom>
-            <a:solidFill>
-              <a:schemeClr val="accent3"/>
-            </a:solidFill>
-            <a:ln>
-              <a:noFill/>
-            </a:ln>
-          </p:spPr>
-          <p:style>
-            <a:lnRef idx="2">
-              <a:schemeClr val="accent1">
-                <a:shade val="50000"/>
-              </a:schemeClr>
-            </a:lnRef>
-            <a:fillRef idx="1">
-              <a:schemeClr val="accent1"/>
-            </a:fillRef>
-            <a:effectRef idx="0">
-              <a:schemeClr val="accent1"/>
-            </a:effectRef>
-            <a:fontRef idx="minor">
-              <a:schemeClr val="lt1"/>
-            </a:fontRef>
-          </p:style>
-          <p:txBody>
-            <a:bodyPr anchor="ctr"/>
-            <a:lstStyle/>
-            <a:p>
-              <a:pPr algn="ctr">
-                <a:defRPr/>
-              </a:pPr>
-              <a:r>
-                <a:rPr lang="ru-RU" sz="5400" b="1" dirty="0"/>
-                <a:t>2</a:t>
-              </a:r>
-            </a:p>
-          </p:txBody>
-        </p:sp>
-        <p:sp>
-          <p:nvSpPr>
-            <p:cNvPr id="18" name="Rectangle 17"/>
-            <p:cNvSpPr/>
-            <p:nvPr/>
-          </p:nvSpPr>
-          <p:spPr>
-            <a:xfrm>
-              <a:off x="1352550" y="2035583"/>
-              <a:ext cx="752475" cy="960120"/>
-            </a:xfrm>
-            <a:prstGeom prst="rect">
-              <a:avLst/>
-            </a:prstGeom>
-            <a:solidFill>
-              <a:schemeClr val="accent3"/>
-            </a:solidFill>
-            <a:ln>
-              <a:noFill/>
-            </a:ln>
-          </p:spPr>
-          <p:style>
-            <a:lnRef idx="2">
-              <a:schemeClr val="accent1">
-                <a:shade val="50000"/>
-              </a:schemeClr>
-            </a:lnRef>
-            <a:fillRef idx="1">
-              <a:schemeClr val="accent1"/>
-            </a:fillRef>
-            <a:effectRef idx="0">
-              <a:schemeClr val="accent1"/>
-            </a:effectRef>
-            <a:fontRef idx="minor">
-              <a:schemeClr val="lt1"/>
-            </a:fontRef>
-          </p:style>
-          <p:txBody>
-            <a:bodyPr anchor="ctr"/>
-            <a:lstStyle/>
-            <a:p>
-              <a:pPr algn="ctr">
-                <a:defRPr/>
-              </a:pPr>
-              <a:r>
-                <a:rPr lang="ru-RU" sz="5400" b="1" dirty="0"/>
-                <a:t>1</a:t>
-              </a:r>
-            </a:p>
-          </p:txBody>
-        </p:sp>
-      </p:grpSp>
-      <p:sp>
-        <p:nvSpPr>
-          <p:cNvPr id="5" name="TextBox 4"/>
-          <p:cNvSpPr txBox="1"/>
-          <p:nvPr/>
-        </p:nvSpPr>
-        <p:spPr>
-          <a:xfrm>
-            <a:off x="8731250" y="6683375"/>
-            <a:ext cx="184666" cy="369332"/>
-          </a:xfrm>
-          <a:prstGeom prst="rect">
-            <a:avLst/>
-          </a:prstGeom>
-          <a:noFill/>
-        </p:spPr>
-        <p:txBody>
-          <a:bodyPr wrap="none" rtlCol="0">
-            <a:spAutoFit/>
-          </a:bodyPr>
-          <a:lstStyle/>
-          <a:p>
-            <a:endParaRPr lang="en-US" dirty="0"/>
-          </a:p>
-        </p:txBody>
-      </p:sp>
-    </p:spTree>
-    <p:extLst>
-      <p:ext uri="{BB962C8B-B14F-4D97-AF65-F5344CB8AC3E}">
-        <p14:creationId xmlns:p14="http://schemas.microsoft.com/office/powerpoint/2010/main" val="1987314718"/>
-      </p:ext>
-    </p:extLst>
-  </p:cSld>
-  <p:clrMapOvr>
-    <a:masterClrMapping/>
-  </p:clrMapOvr>
-  <p:transition xmlns:p14="http://schemas.microsoft.com/office/powerpoint/2010/main" spd="slow">
-    <p:fade/>
-  </p:transition>
-  <p:timing>
-    <p:tnLst>
-      <p:par>
-        <p:cTn xmlns:p14="http://schemas.microsoft.com/office/powerpoint/2010/main" id="1" dur="indefinite" restart="never" nodeType="tmRoot"/>
-      </p:par>
-    </p:tnLst>
-  </p:timing>
-</p:sld>
-</file>
-
-<file path=ppt/slides/slide3.xml><?xml version="1.0" encoding="utf-8"?>
 <p:sld xmlns:a="http://schemas.openxmlformats.org/drawingml/2006/main" xmlns:r="http://schemas.openxmlformats.org/officeDocument/2006/relationships" xmlns:p="http://schemas.openxmlformats.org/presentationml/2006/main">
   <p:cSld>
     <p:spTree>
@@ -23296,13 +22115,282 @@
   <p:clrMapOvr>
     <a:masterClrMapping/>
   </p:clrMapOvr>
-  <p:transition xmlns:p14="http://schemas.microsoft.com/office/powerpoint/2010/main" spd="slow">
+  <p:transition spd="slow">
     <p:fade/>
   </p:transition>
   <p:timing>
     <p:tnLst>
       <p:par>
-        <p:cTn xmlns:p14="http://schemas.microsoft.com/office/powerpoint/2010/main" id="1" dur="indefinite" restart="never" nodeType="tmRoot"/>
+        <p:cTn id="1" dur="indefinite" restart="never" nodeType="tmRoot"/>
+      </p:par>
+    </p:tnLst>
+  </p:timing>
+</p:sld>
+</file>
+
+<file path=ppt/slides/slide3.xml><?xml version="1.0" encoding="utf-8"?>
+<p:sld xmlns:a="http://schemas.openxmlformats.org/drawingml/2006/main" xmlns:r="http://schemas.openxmlformats.org/officeDocument/2006/relationships" xmlns:p="http://schemas.openxmlformats.org/presentationml/2006/main">
+  <p:cSld>
+    <p:spTree>
+      <p:nvGrpSpPr>
+        <p:cNvPr id="1" name=""/>
+        <p:cNvGrpSpPr/>
+        <p:nvPr/>
+      </p:nvGrpSpPr>
+      <p:grpSpPr>
+        <a:xfrm>
+          <a:off x="0" y="0"/>
+          <a:ext cx="0" cy="0"/>
+          <a:chOff x="0" y="0"/>
+          <a:chExt cx="0" cy="0"/>
+        </a:xfrm>
+      </p:grpSpPr>
+      <p:sp>
+        <p:nvSpPr>
+          <p:cNvPr id="2" name="Title 1"/>
+          <p:cNvSpPr>
+            <a:spLocks noGrp="1"/>
+          </p:cNvSpPr>
+          <p:nvPr>
+            <p:ph type="title"/>
+          </p:nvPr>
+        </p:nvSpPr>
+        <p:spPr/>
+        <p:txBody>
+          <a:bodyPr/>
+          <a:lstStyle/>
+          <a:p>
+            <a:r>
+              <a:rPr lang="en-US" dirty="0"/>
+              <a:t>Legacy-</a:t>
+            </a:r>
+            <a:r>
+              <a:rPr lang="ru-RU" dirty="0"/>
+              <a:t>код</a:t>
+            </a:r>
+            <a:endParaRPr lang="en-US" dirty="0"/>
+          </a:p>
+        </p:txBody>
+      </p:sp>
+      <p:sp>
+        <p:nvSpPr>
+          <p:cNvPr id="5" name="Rectangle 4"/>
+          <p:cNvSpPr>
+            <a:spLocks noChangeArrowheads="1"/>
+          </p:cNvSpPr>
+          <p:nvPr>
+            <p:custDataLst>
+              <p:tags r:id="rId1"/>
+            </p:custDataLst>
+          </p:nvPr>
+        </p:nvSpPr>
+        <p:spPr bwMode="auto">
+          <a:xfrm>
+            <a:off x="2000878" y="2339697"/>
+            <a:ext cx="5023841" cy="2178606"/>
+          </a:xfrm>
+          <a:prstGeom prst="rect">
+            <a:avLst/>
+          </a:prstGeom>
+          <a:noFill/>
+          <a:ln w="19050">
+            <a:noFill/>
+            <a:miter lim="800000"/>
+            <a:headEnd/>
+            <a:tailEnd/>
+          </a:ln>
+        </p:spPr>
+        <p:txBody>
+          <a:bodyPr wrap="square" lIns="93296" tIns="144000" rIns="93296" bIns="93296">
+            <a:spAutoFit/>
+          </a:bodyPr>
+          <a:lstStyle/>
+          <a:p>
+            <a:pPr defTabSz="803275">
+              <a:buClr>
+                <a:srgbClr val="FF6600"/>
+              </a:buClr>
+              <a:buSzPct val="125000"/>
+            </a:pPr>
+            <a:r>
+              <a:rPr lang="ru-RU" dirty="0">
+                <a:solidFill>
+                  <a:schemeClr val="accent4"/>
+                </a:solidFill>
+              </a:rPr>
+              <a:t>Причины появления </a:t>
+            </a:r>
+            <a:r>
+              <a:rPr lang="en-US" dirty="0">
+                <a:solidFill>
+                  <a:schemeClr val="accent4"/>
+                </a:solidFill>
+              </a:rPr>
+              <a:t>legacy-</a:t>
+            </a:r>
+            <a:r>
+              <a:rPr lang="ru-RU" dirty="0" smtClean="0">
+                <a:solidFill>
+                  <a:schemeClr val="accent4"/>
+                </a:solidFill>
+              </a:rPr>
+              <a:t>код</a:t>
+            </a:r>
+            <a:r>
+              <a:rPr lang="en-US" dirty="0" smtClean="0">
+                <a:solidFill>
+                  <a:schemeClr val="accent4"/>
+                </a:solidFill>
+              </a:rPr>
+              <a:t>(</a:t>
+            </a:r>
+            <a:r>
+              <a:rPr lang="ru-RU" dirty="0" smtClean="0">
+                <a:solidFill>
+                  <a:schemeClr val="accent4"/>
+                </a:solidFill>
+              </a:rPr>
+              <a:t>а)</a:t>
+            </a:r>
+            <a:r>
+              <a:rPr lang="en-US" dirty="0" smtClean="0">
+                <a:solidFill>
+                  <a:schemeClr val="accent4"/>
+                </a:solidFill>
+              </a:rPr>
+              <a:t>:</a:t>
+            </a:r>
+          </a:p>
+          <a:p>
+            <a:pPr marL="287338" indent="-287338" defTabSz="803275">
+              <a:buClr>
+                <a:srgbClr val="FF6600"/>
+              </a:buClr>
+              <a:buSzPct val="125000"/>
+              <a:buFont typeface="Wingdings" charset="0"/>
+              <a:buChar char="§"/>
+            </a:pPr>
+            <a:endParaRPr lang="en-US" dirty="0">
+              <a:solidFill>
+                <a:schemeClr val="accent4"/>
+              </a:solidFill>
+            </a:endParaRPr>
+          </a:p>
+          <a:p>
+            <a:pPr marL="287338" indent="-287338" defTabSz="803275">
+              <a:buClr>
+                <a:srgbClr val="FF6600"/>
+              </a:buClr>
+              <a:buSzPct val="125000"/>
+              <a:buFont typeface="Wingdings" charset="0"/>
+              <a:buChar char="§"/>
+            </a:pPr>
+            <a:r>
+              <a:rPr lang="ru-RU" dirty="0">
+                <a:solidFill>
+                  <a:schemeClr val="accent4"/>
+                </a:solidFill>
+              </a:rPr>
+              <a:t>Появление новых технологий</a:t>
+            </a:r>
+            <a:endParaRPr lang="en-US" dirty="0">
+              <a:solidFill>
+                <a:schemeClr val="accent4"/>
+              </a:solidFill>
+            </a:endParaRPr>
+          </a:p>
+          <a:p>
+            <a:pPr marL="287338" indent="-287338" defTabSz="803275">
+              <a:buClr>
+                <a:srgbClr val="FF6600"/>
+              </a:buClr>
+              <a:buSzPct val="125000"/>
+              <a:buFont typeface="Wingdings" charset="0"/>
+              <a:buChar char="§"/>
+            </a:pPr>
+            <a:endParaRPr lang="en-US" dirty="0">
+              <a:solidFill>
+                <a:schemeClr val="accent4"/>
+              </a:solidFill>
+            </a:endParaRPr>
+          </a:p>
+          <a:p>
+            <a:pPr marL="287338" indent="-287338" defTabSz="803275">
+              <a:buClr>
+                <a:srgbClr val="FF6600"/>
+              </a:buClr>
+              <a:buSzPct val="125000"/>
+              <a:buFont typeface="Wingdings" charset="0"/>
+              <a:buChar char="§"/>
+            </a:pPr>
+            <a:r>
+              <a:rPr lang="ru-RU" dirty="0">
+                <a:solidFill>
+                  <a:schemeClr val="accent4"/>
+                </a:solidFill>
+              </a:rPr>
+              <a:t>Развитие существующих технологий</a:t>
+            </a:r>
+            <a:endParaRPr lang="en-US" dirty="0">
+              <a:solidFill>
+                <a:schemeClr val="accent4"/>
+              </a:solidFill>
+            </a:endParaRPr>
+          </a:p>
+          <a:p>
+            <a:pPr marL="287338" indent="-287338" defTabSz="803275">
+              <a:buClr>
+                <a:srgbClr val="FF6600"/>
+              </a:buClr>
+              <a:buSzPct val="125000"/>
+              <a:buFont typeface="Wingdings" charset="0"/>
+              <a:buChar char="§"/>
+            </a:pPr>
+            <a:endParaRPr lang="en-US" dirty="0">
+              <a:solidFill>
+                <a:schemeClr val="accent4"/>
+              </a:solidFill>
+            </a:endParaRPr>
+          </a:p>
+          <a:p>
+            <a:pPr marL="287338" indent="-287338" defTabSz="803275">
+              <a:buClr>
+                <a:srgbClr val="FF6600"/>
+              </a:buClr>
+              <a:buSzPct val="125000"/>
+              <a:buFont typeface="Wingdings" charset="0"/>
+              <a:buChar char="§"/>
+            </a:pPr>
+            <a:r>
+              <a:rPr lang="ru-RU" dirty="0">
+                <a:solidFill>
+                  <a:schemeClr val="accent4"/>
+                </a:solidFill>
+              </a:rPr>
+              <a:t>Бурное развитие системы</a:t>
+            </a:r>
+            <a:endParaRPr lang="en-US" dirty="0">
+              <a:solidFill>
+                <a:schemeClr val="accent4"/>
+              </a:solidFill>
+            </a:endParaRPr>
+          </a:p>
+        </p:txBody>
+      </p:sp>
+    </p:spTree>
+    <p:extLst>
+      <p:ext uri="{BB962C8B-B14F-4D97-AF65-F5344CB8AC3E}">
+        <p14:creationId xmlns:p14="http://schemas.microsoft.com/office/powerpoint/2010/main" val="124314909"/>
+      </p:ext>
+    </p:extLst>
+  </p:cSld>
+  <p:clrMapOvr>
+    <a:masterClrMapping/>
+  </p:clrMapOvr>
+  <p:timing>
+    <p:tnLst>
+      <p:par>
+        <p:cTn id="1" dur="indefinite" restart="never" nodeType="tmRoot"/>
       </p:par>
     </p:tnLst>
   </p:timing>
@@ -23342,12 +22430,8 @@
           <a:lstStyle/>
           <a:p>
             <a:r>
-              <a:rPr lang="en-US" dirty="0"/>
-              <a:t>Legacy-</a:t>
-            </a:r>
-            <a:r>
               <a:rPr lang="ru-RU" dirty="0"/>
-              <a:t>код</a:t>
+              <a:t>Появление новых технологий</a:t>
             </a:r>
             <a:endParaRPr lang="en-US" dirty="0"/>
           </a:p>
@@ -23367,8 +22451,8 @@
         </p:nvSpPr>
         <p:spPr bwMode="auto">
           <a:xfrm>
-            <a:off x="2000878" y="2339697"/>
-            <a:ext cx="5023841" cy="2178606"/>
+            <a:off x="2000878" y="2667000"/>
+            <a:ext cx="5023841" cy="1070610"/>
           </a:xfrm>
           <a:prstGeom prst="rect">
             <a:avLst/>
@@ -23394,174 +22478,28 @@
               <a:buSzPct val="125000"/>
             </a:pPr>
             <a:r>
+              <a:rPr lang="ru-RU" dirty="0" smtClean="0">
+                <a:solidFill>
+                  <a:schemeClr val="accent4"/>
+                </a:solidFill>
+              </a:rPr>
+              <a:t>Существуют </a:t>
+            </a:r>
+            <a:r>
               <a:rPr lang="ru-RU" dirty="0">
                 <a:solidFill>
                   <a:schemeClr val="accent4"/>
                 </a:solidFill>
               </a:rPr>
-              <a:t>Причины появления </a:t>
-            </a:r>
-            <a:r>
-              <a:rPr lang="en-US" dirty="0">
-                <a:solidFill>
-                  <a:schemeClr val="accent4"/>
-                </a:solidFill>
-              </a:rPr>
-              <a:t>legacy-</a:t>
-            </a:r>
-            <a:r>
-              <a:rPr lang="ru-RU" dirty="0" smtClean="0">
-                <a:solidFill>
-                  <a:schemeClr val="accent4"/>
-                </a:solidFill>
-              </a:rPr>
-              <a:t>код</a:t>
-            </a:r>
-            <a:r>
-              <a:rPr lang="en-US" dirty="0" smtClean="0">
-                <a:solidFill>
-                  <a:schemeClr val="accent4"/>
-                </a:solidFill>
-              </a:rPr>
-              <a:t>(</a:t>
-            </a:r>
-            <a:r>
-              <a:rPr lang="ru-RU" dirty="0" smtClean="0">
-                <a:solidFill>
-                  <a:schemeClr val="accent4"/>
-                </a:solidFill>
-              </a:rPr>
-              <a:t>а)</a:t>
-            </a:r>
-            <a:r>
-              <a:rPr lang="en-US" dirty="0" smtClean="0">
-                <a:solidFill>
-                  <a:schemeClr val="accent4"/>
-                </a:solidFill>
-              </a:rPr>
-              <a:t>:</a:t>
-            </a:r>
-          </a:p>
-          <a:p>
-            <a:pPr marL="287338" indent="-287338" defTabSz="803275">
-              <a:buClr>
-                <a:srgbClr val="FF6600"/>
-              </a:buClr>
-              <a:buSzPct val="125000"/>
-              <a:buFont typeface="Wingdings" charset="0"/>
-              <a:buChar char="§"/>
-            </a:pPr>
-            <a:endParaRPr lang="en-US" dirty="0">
-              <a:solidFill>
-                <a:schemeClr val="accent4"/>
-              </a:solidFill>
-            </a:endParaRPr>
-          </a:p>
-          <a:p>
-            <a:pPr marL="287338" indent="-287338" defTabSz="803275">
-              <a:buClr>
-                <a:srgbClr val="FF6600"/>
-              </a:buClr>
-              <a:buSzPct val="125000"/>
-              <a:buFont typeface="Wingdings" charset="0"/>
-              <a:buChar char="§"/>
-            </a:pPr>
-            <a:r>
-              <a:rPr lang="ru-RU" dirty="0">
-                <a:solidFill>
-                  <a:schemeClr val="accent4"/>
-                </a:solidFill>
-              </a:rPr>
-              <a:t>Появление новых технологий</a:t>
-            </a:r>
-            <a:endParaRPr lang="en-US" dirty="0">
-              <a:solidFill>
-                <a:schemeClr val="accent4"/>
-              </a:solidFill>
-            </a:endParaRPr>
-          </a:p>
-          <a:p>
-            <a:pPr marL="287338" indent="-287338" defTabSz="803275">
-              <a:buClr>
-                <a:srgbClr val="FF6600"/>
-              </a:buClr>
-              <a:buSzPct val="125000"/>
-              <a:buFont typeface="Wingdings" charset="0"/>
-              <a:buChar char="§"/>
-            </a:pPr>
-            <a:endParaRPr lang="en-US" dirty="0">
-              <a:solidFill>
-                <a:schemeClr val="accent4"/>
-              </a:solidFill>
-            </a:endParaRPr>
-          </a:p>
-          <a:p>
-            <a:pPr marL="287338" indent="-287338" defTabSz="803275">
-              <a:buClr>
-                <a:srgbClr val="FF6600"/>
-              </a:buClr>
-              <a:buSzPct val="125000"/>
-              <a:buFont typeface="Wingdings" charset="0"/>
-              <a:buChar char="§"/>
-            </a:pPr>
-            <a:r>
-              <a:rPr lang="ru-RU" dirty="0">
-                <a:solidFill>
-                  <a:schemeClr val="accent4"/>
-                </a:solidFill>
-              </a:rPr>
-              <a:t>Развитие существующих технологий</a:t>
-            </a:r>
-            <a:endParaRPr lang="en-US" dirty="0">
-              <a:solidFill>
-                <a:schemeClr val="accent4"/>
-              </a:solidFill>
-            </a:endParaRPr>
-          </a:p>
-          <a:p>
-            <a:pPr marL="287338" indent="-287338" defTabSz="803275">
-              <a:buClr>
-                <a:srgbClr val="FF6600"/>
-              </a:buClr>
-              <a:buSzPct val="125000"/>
-              <a:buFont typeface="Wingdings" charset="0"/>
-              <a:buChar char="§"/>
-            </a:pPr>
-            <a:endParaRPr lang="en-US" dirty="0">
-              <a:solidFill>
-                <a:schemeClr val="accent4"/>
-              </a:solidFill>
-            </a:endParaRPr>
-          </a:p>
-          <a:p>
-            <a:pPr marL="287338" indent="-287338" defTabSz="803275">
-              <a:buClr>
-                <a:srgbClr val="FF6600"/>
-              </a:buClr>
-              <a:buSzPct val="125000"/>
-              <a:buFont typeface="Wingdings" charset="0"/>
-              <a:buChar char="§"/>
-            </a:pPr>
-            <a:r>
-              <a:rPr lang="ru-RU" dirty="0">
-                <a:solidFill>
-                  <a:schemeClr val="accent4"/>
-                </a:solidFill>
-              </a:rPr>
-              <a:t>Бурное развитие системы</a:t>
-            </a:r>
-            <a:endParaRPr lang="en-US" dirty="0">
-              <a:solidFill>
-                <a:schemeClr val="accent4"/>
-              </a:solidFill>
-            </a:endParaRPr>
+              <a:t>огромные программные комплексы, написанные на языке C++, который считался передовым всего десять лет назад</a:t>
+            </a:r>
           </a:p>
         </p:txBody>
       </p:sp>
     </p:spTree>
     <p:extLst>
       <p:ext uri="{BB962C8B-B14F-4D97-AF65-F5344CB8AC3E}">
-        <p14:creationId xmlns:p14="http://schemas.microsoft.com/office/powerpoint/2010/main" val="124314909"/>
+        <p14:creationId xmlns:p14="http://schemas.microsoft.com/office/powerpoint/2010/main" val="2343335821"/>
       </p:ext>
     </p:extLst>
   </p:cSld>
@@ -23571,7 +22509,7 @@
   <p:timing>
     <p:tnLst>
       <p:par>
-        <p:cTn xmlns:p14="http://schemas.microsoft.com/office/powerpoint/2010/main" id="1" dur="indefinite" restart="never" nodeType="tmRoot"/>
+        <p:cTn id="1" dur="indefinite" restart="never" nodeType="tmRoot"/>
       </p:par>
     </p:tnLst>
   </p:timing>
@@ -23612,7 +22550,7 @@
           <a:p>
             <a:r>
               <a:rPr lang="ru-RU" dirty="0"/>
-              <a:t>Появление новых технологий</a:t>
+              <a:t>Развитие существующих технологий</a:t>
             </a:r>
             <a:endParaRPr lang="en-US" dirty="0"/>
           </a:p>
@@ -23633,7 +22571,7 @@
         <p:spPr bwMode="auto">
           <a:xfrm>
             <a:off x="2000878" y="2667000"/>
-            <a:ext cx="5023841" cy="1070610"/>
+            <a:ext cx="5023841" cy="1624608"/>
           </a:xfrm>
           <a:prstGeom prst="rect">
             <a:avLst/>
@@ -23664,7 +22602,7 @@
                   <a:schemeClr val="accent4"/>
                 </a:solidFill>
               </a:rPr>
-              <a:t>Существуют </a:t>
+              <a:t>Частые </a:t>
             </a:r>
             <a:r>
               <a:rPr lang="ru-RU" dirty="0">
@@ -23672,7 +22610,7 @@
                   <a:schemeClr val="accent4"/>
                 </a:solidFill>
               </a:rPr>
-              <a:t>огромные программные комплексы, написанные на языке C++, который считался передовым всего десять лет назад</a:t>
+              <a:t>изменения в языках и платформах Java/C# очень быстро приводят к появлению унаследованных решений, поскольку то, что когда-то считалось новаторским, превращается в неподдерживаемый, устаревший код</a:t>
             </a:r>
           </a:p>
         </p:txBody>
@@ -23680,7 +22618,7 @@
     </p:spTree>
     <p:extLst>
       <p:ext uri="{BB962C8B-B14F-4D97-AF65-F5344CB8AC3E}">
-        <p14:creationId xmlns:p14="http://schemas.microsoft.com/office/powerpoint/2010/main" val="2343335821"/>
+        <p14:creationId xmlns:p14="http://schemas.microsoft.com/office/powerpoint/2010/main" val="822223268"/>
       </p:ext>
     </p:extLst>
   </p:cSld>
@@ -23690,7 +22628,7 @@
   <p:timing>
     <p:tnLst>
       <p:par>
-        <p:cTn xmlns:p14="http://schemas.microsoft.com/office/powerpoint/2010/main" id="1" dur="indefinite" restart="never" nodeType="tmRoot"/>
+        <p:cTn id="1" dur="indefinite" restart="never" nodeType="tmRoot"/>
       </p:par>
     </p:tnLst>
   </p:timing>
@@ -23731,7 +22669,7 @@
           <a:p>
             <a:r>
               <a:rPr lang="ru-RU" dirty="0"/>
-              <a:t>Развитие существующих технологий</a:t>
+              <a:t>Бурное развитие системы</a:t>
             </a:r>
             <a:endParaRPr lang="en-US" dirty="0"/>
           </a:p>
@@ -23752,7 +22690,7 @@
         <p:spPr bwMode="auto">
           <a:xfrm>
             <a:off x="2000878" y="2667000"/>
-            <a:ext cx="5023841" cy="1624608"/>
+            <a:ext cx="5023841" cy="1901607"/>
           </a:xfrm>
           <a:prstGeom prst="rect">
             <a:avLst/>
@@ -23783,7 +22721,7 @@
                   <a:schemeClr val="accent4"/>
                 </a:solidFill>
               </a:rPr>
-              <a:t>Частые </a:t>
+              <a:t>Зачастую</a:t>
             </a:r>
             <a:r>
               <a:rPr lang="ru-RU" dirty="0">
@@ -23791,7 +22729,7 @@
                   <a:schemeClr val="accent4"/>
                 </a:solidFill>
               </a:rPr>
-              <a:t>изменения в языках и платформах Java/C# очень быстро приводят к появлению унаследованных решений, поскольку то, что когда-то считалось новаторским, превращается в неподдерживаемый, устаревший код</a:t>
+              <a:t>, программисты сосредоточивают усилия именно на реализации новых возможностей программного обеспечения – применяются новые технологии, но существующий функционал при этом не совершенствуется</a:t>
             </a:r>
           </a:p>
         </p:txBody>
@@ -23799,7 +22737,7 @@
     </p:spTree>
     <p:extLst>
       <p:ext uri="{BB962C8B-B14F-4D97-AF65-F5344CB8AC3E}">
-        <p14:creationId xmlns:p14="http://schemas.microsoft.com/office/powerpoint/2010/main" val="822223268"/>
+        <p14:creationId xmlns:p14="http://schemas.microsoft.com/office/powerpoint/2010/main" val="1714804701"/>
       </p:ext>
     </p:extLst>
   </p:cSld>
@@ -23809,7 +22747,7 @@
   <p:timing>
     <p:tnLst>
       <p:par>
-        <p:cTn xmlns:p14="http://schemas.microsoft.com/office/powerpoint/2010/main" id="1" dur="indefinite" restart="never" nodeType="tmRoot"/>
+        <p:cTn id="1" dur="indefinite" restart="never" nodeType="tmRoot"/>
       </p:par>
     </p:tnLst>
   </p:timing>
@@ -23849,8 +22787,12 @@
           <a:lstStyle/>
           <a:p>
             <a:r>
+              <a:rPr lang="en-US" dirty="0"/>
+              <a:t>Legacy-</a:t>
+            </a:r>
+            <a:r>
               <a:rPr lang="ru-RU" dirty="0"/>
-              <a:t>Бурное развитие системы</a:t>
+              <a:t>код</a:t>
             </a:r>
             <a:endParaRPr lang="en-US" dirty="0"/>
           </a:p>
@@ -23871,7 +22813,7 @@
         <p:spPr bwMode="auto">
           <a:xfrm>
             <a:off x="2000878" y="2667000"/>
-            <a:ext cx="5023841" cy="1901607"/>
+            <a:ext cx="5023841" cy="516612"/>
           </a:xfrm>
           <a:prstGeom prst="rect">
             <a:avLst/>
@@ -23890,27 +22832,19 @@
           </a:bodyPr>
           <a:lstStyle/>
           <a:p>
-            <a:pPr defTabSz="803275">
+            <a:pPr algn="ctr" defTabSz="803275">
               <a:buClr>
                 <a:srgbClr val="FF6600"/>
               </a:buClr>
               <a:buSzPct val="125000"/>
             </a:pPr>
             <a:r>
-              <a:rPr lang="ru-RU" dirty="0" smtClean="0">
+              <a:rPr lang="ru-RU" dirty="0">
                 <a:solidFill>
                   <a:schemeClr val="accent4"/>
                 </a:solidFill>
               </a:rPr>
-              <a:t>Зачастую</a:t>
-            </a:r>
-            <a:r>
-              <a:rPr lang="ru-RU" dirty="0">
-                <a:solidFill>
-                  <a:schemeClr val="accent4"/>
-                </a:solidFill>
-              </a:rPr>
-              <a:t>, программисты сосредоточивают усилия именно на реализации новых возможностей программного обеспечения – применяются новые технологии, но существующий функционал при этом не совершенствуется</a:t>
+              <a:t>Итак, нужно ли писать тесты для legacy-кода?</a:t>
             </a:r>
           </a:p>
         </p:txBody>
@@ -23918,7 +22852,7 @@
     </p:spTree>
     <p:extLst>
       <p:ext uri="{BB962C8B-B14F-4D97-AF65-F5344CB8AC3E}">
-        <p14:creationId xmlns:p14="http://schemas.microsoft.com/office/powerpoint/2010/main" val="1714804701"/>
+        <p14:creationId xmlns:p14="http://schemas.microsoft.com/office/powerpoint/2010/main" val="1453977174"/>
       </p:ext>
     </p:extLst>
   </p:cSld>
@@ -23928,7 +22862,7 @@
   <p:timing>
     <p:tnLst>
       <p:par>
-        <p:cTn xmlns:p14="http://schemas.microsoft.com/office/powerpoint/2010/main" id="1" dur="indefinite" restart="never" nodeType="tmRoot"/>
+        <p:cTn id="1" dur="indefinite" restart="never" nodeType="tmRoot"/>
       </p:par>
     </p:tnLst>
   </p:timing>
@@ -24025,15 +22959,28 @@
                   <a:schemeClr val="accent4"/>
                 </a:solidFill>
               </a:rPr>
-              <a:t>Итак, нужно ли писать тесты для legacy-кода?</a:t>
-            </a:r>
+              <a:t>Да, </a:t>
+            </a:r>
+            <a:r>
+              <a:rPr lang="ru-RU" dirty="0" smtClean="0">
+                <a:solidFill>
+                  <a:schemeClr val="accent4"/>
+                </a:solidFill>
+              </a:rPr>
+              <a:t>нужно!</a:t>
+            </a:r>
+            <a:endParaRPr lang="ru-RU" dirty="0">
+              <a:solidFill>
+                <a:schemeClr val="accent4"/>
+              </a:solidFill>
+            </a:endParaRPr>
           </a:p>
         </p:txBody>
       </p:sp>
     </p:spTree>
     <p:extLst>
       <p:ext uri="{BB962C8B-B14F-4D97-AF65-F5344CB8AC3E}">
-        <p14:creationId xmlns:p14="http://schemas.microsoft.com/office/powerpoint/2010/main" val="1453977174"/>
+        <p14:creationId xmlns:p14="http://schemas.microsoft.com/office/powerpoint/2010/main" val="2251362153"/>
       </p:ext>
     </p:extLst>
   </p:cSld>
@@ -24043,7 +22990,7 @@
   <p:timing>
     <p:tnLst>
       <p:par>
-        <p:cTn xmlns:p14="http://schemas.microsoft.com/office/powerpoint/2010/main" id="1" dur="indefinite" restart="never" nodeType="tmRoot"/>
+        <p:cTn id="1" dur="indefinite" restart="never" nodeType="tmRoot"/>
       </p:par>
     </p:tnLst>
   </p:timing>
@@ -24109,7 +23056,7 @@
         <p:spPr bwMode="auto">
           <a:xfrm>
             <a:off x="2000878" y="2667000"/>
-            <a:ext cx="5023841" cy="516612"/>
+            <a:ext cx="5023841" cy="1901607"/>
           </a:xfrm>
           <a:prstGeom prst="rect">
             <a:avLst/>
@@ -24128,11 +23075,13 @@
           </a:bodyPr>
           <a:lstStyle/>
           <a:p>
-            <a:pPr algn="ctr" defTabSz="803275">
+            <a:pPr marL="287338" indent="-287338" defTabSz="803275">
               <a:buClr>
                 <a:srgbClr val="FF6600"/>
               </a:buClr>
               <a:buSzPct val="125000"/>
+              <a:buFont typeface="Wingdings" charset="0"/>
+              <a:buChar char="§"/>
             </a:pPr>
             <a:r>
               <a:rPr lang="ru-RU" dirty="0">
@@ -24140,7 +23089,7 @@
                   <a:schemeClr val="accent4"/>
                 </a:solidFill>
               </a:rPr>
-              <a:t>Да, </a:t>
+              <a:t>Unit-тесты позволят вам понять, как работает </a:t>
             </a:r>
             <a:r>
               <a:rPr lang="ru-RU" dirty="0" smtClean="0">
@@ -24148,20 +23097,48 @@
                   <a:schemeClr val="accent4"/>
                 </a:solidFill>
               </a:rPr>
-              <a:t>нужно!</a:t>
-            </a:r>
+              <a:t>код</a:t>
+            </a:r>
+          </a:p>
+          <a:p>
+            <a:pPr marL="287338" indent="-287338" defTabSz="803275">
+              <a:buClr>
+                <a:srgbClr val="FF6600"/>
+              </a:buClr>
+              <a:buSzPct val="125000"/>
+              <a:buFont typeface="Wingdings" charset="0"/>
+              <a:buChar char="§"/>
+            </a:pPr>
             <a:endParaRPr lang="ru-RU" dirty="0">
               <a:solidFill>
                 <a:schemeClr val="accent4"/>
               </a:solidFill>
             </a:endParaRPr>
           </a:p>
+          <a:p>
+            <a:pPr marL="287338" indent="-287338" defTabSz="803275">
+              <a:buClr>
+                <a:srgbClr val="FF6600"/>
+              </a:buClr>
+              <a:buSzPct val="125000"/>
+              <a:buFont typeface="Wingdings" charset="0"/>
+              <a:buChar char="§"/>
+            </a:pPr>
+            <a:r>
+              <a:rPr lang="ru-RU" dirty="0">
+                <a:solidFill>
+                  <a:schemeClr val="accent4"/>
+                </a:solidFill>
+              </a:rPr>
+              <a:t>Unit-тесты позволят вам убедиться, что ваши изменения не нарушили логику работы модуля</a:t>
+            </a:r>
+          </a:p>
         </p:txBody>
       </p:sp>
     </p:spTree>
     <p:extLst>
       <p:ext uri="{BB962C8B-B14F-4D97-AF65-F5344CB8AC3E}">
-        <p14:creationId xmlns:p14="http://schemas.microsoft.com/office/powerpoint/2010/main" val="2251362153"/>
+        <p14:creationId xmlns:p14="http://schemas.microsoft.com/office/powerpoint/2010/main" val="2023549228"/>
       </p:ext>
     </p:extLst>
   </p:cSld>
@@ -24171,7 +23148,7 @@
   <p:timing>
     <p:tnLst>
       <p:par>
-        <p:cTn xmlns:p14="http://schemas.microsoft.com/office/powerpoint/2010/main" id="1" dur="indefinite" restart="never" nodeType="tmRoot"/>
+        <p:cTn id="1" dur="indefinite" restart="never" nodeType="tmRoot"/>
       </p:par>
     </p:tnLst>
   </p:timing>

--- a/Test Driven Development/materials/pptx/9. TDD-Legacy.pptx
+++ b/Test Driven Development/materials/pptx/9. TDD-Legacy.pptx
@@ -7,7 +7,7 @@
     <p:sldMasterId id="2147483694" r:id="rId3"/>
   </p:sldMasterIdLst>
   <p:notesMasterIdLst>
-    <p:notesMasterId r:id="rId22"/>
+    <p:notesMasterId r:id="rId25"/>
   </p:notesMasterIdLst>
   <p:sldIdLst>
     <p:sldId id="355" r:id="rId4"/>
@@ -23,11 +23,14 @@
     <p:sldId id="384" r:id="rId14"/>
     <p:sldId id="385" r:id="rId15"/>
     <p:sldId id="386" r:id="rId16"/>
-    <p:sldId id="387" r:id="rId17"/>
-    <p:sldId id="388" r:id="rId18"/>
-    <p:sldId id="392" r:id="rId19"/>
-    <p:sldId id="357" r:id="rId20"/>
-    <p:sldId id="356" r:id="rId21"/>
+    <p:sldId id="393" r:id="rId17"/>
+    <p:sldId id="394" r:id="rId18"/>
+    <p:sldId id="387" r:id="rId19"/>
+    <p:sldId id="395" r:id="rId20"/>
+    <p:sldId id="388" r:id="rId21"/>
+    <p:sldId id="392" r:id="rId22"/>
+    <p:sldId id="357" r:id="rId23"/>
+    <p:sldId id="356" r:id="rId24"/>
   </p:sldIdLst>
   <p:sldSz cx="9144000" cy="6858000" type="screen4x3"/>
   <p:notesSz cx="6858000" cy="9144000"/>
@@ -211,7 +214,7 @@
           <a:p>
             <a:fld id="{B946ECE3-FD69-FE4C-B5B3-E9526994F809}" type="datetimeFigureOut">
               <a:rPr lang="en-US" smtClean="0"/>
-              <a:t>12/10/2012</a:t>
+              <a:t>12/16/12</a:t>
             </a:fld>
             <a:endParaRPr lang="en-US"/>
           </a:p>
@@ -1084,6 +1087,258 @@
 </p:notes>
 </file>
 
+<file path=ppt/notesSlides/notesSlide16.xml><?xml version="1.0" encoding="utf-8"?>
+<p:notes xmlns:a="http://schemas.openxmlformats.org/drawingml/2006/main" xmlns:r="http://schemas.openxmlformats.org/officeDocument/2006/relationships" xmlns:p="http://schemas.openxmlformats.org/presentationml/2006/main">
+  <p:cSld>
+    <p:spTree>
+      <p:nvGrpSpPr>
+        <p:cNvPr id="1" name=""/>
+        <p:cNvGrpSpPr/>
+        <p:nvPr/>
+      </p:nvGrpSpPr>
+      <p:grpSpPr>
+        <a:xfrm>
+          <a:off x="0" y="0"/>
+          <a:ext cx="0" cy="0"/>
+          <a:chOff x="0" y="0"/>
+          <a:chExt cx="0" cy="0"/>
+        </a:xfrm>
+      </p:grpSpPr>
+      <p:sp>
+        <p:nvSpPr>
+          <p:cNvPr id="2" name="Slide Image Placeholder 1"/>
+          <p:cNvSpPr>
+            <a:spLocks noGrp="1" noRot="1" noChangeAspect="1"/>
+          </p:cNvSpPr>
+          <p:nvPr>
+            <p:ph type="sldImg"/>
+          </p:nvPr>
+        </p:nvSpPr>
+        <p:spPr/>
+      </p:sp>
+      <p:sp>
+        <p:nvSpPr>
+          <p:cNvPr id="3" name="Notes Placeholder 2"/>
+          <p:cNvSpPr>
+            <a:spLocks noGrp="1"/>
+          </p:cNvSpPr>
+          <p:nvPr>
+            <p:ph type="body" idx="1"/>
+          </p:nvPr>
+        </p:nvSpPr>
+        <p:spPr/>
+        <p:txBody>
+          <a:bodyPr/>
+          <a:lstStyle/>
+          <a:p>
+            <a:endParaRPr lang="en-US" dirty="0"/>
+          </a:p>
+        </p:txBody>
+      </p:sp>
+      <p:sp>
+        <p:nvSpPr>
+          <p:cNvPr id="4" name="Slide Number Placeholder 3"/>
+          <p:cNvSpPr>
+            <a:spLocks noGrp="1"/>
+          </p:cNvSpPr>
+          <p:nvPr>
+            <p:ph type="sldNum" sz="quarter" idx="10"/>
+          </p:nvPr>
+        </p:nvSpPr>
+        <p:spPr/>
+        <p:txBody>
+          <a:bodyPr/>
+          <a:lstStyle/>
+          <a:p>
+            <a:fld id="{3A3568CC-110C-4346-A0AE-B1FBECAA9176}" type="slidenum">
+              <a:rPr lang="en-US" smtClean="0"/>
+              <a:t>17</a:t>
+            </a:fld>
+            <a:endParaRPr lang="en-US"/>
+          </a:p>
+        </p:txBody>
+      </p:sp>
+    </p:spTree>
+    <p:extLst>
+      <p:ext uri="{BB962C8B-B14F-4D97-AF65-F5344CB8AC3E}">
+        <p14:creationId xmlns:p14="http://schemas.microsoft.com/office/powerpoint/2010/main" val="599945650"/>
+      </p:ext>
+    </p:extLst>
+  </p:cSld>
+  <p:clrMapOvr>
+    <a:masterClrMapping/>
+  </p:clrMapOvr>
+</p:notes>
+</file>
+
+<file path=ppt/notesSlides/notesSlide17.xml><?xml version="1.0" encoding="utf-8"?>
+<p:notes xmlns:a="http://schemas.openxmlformats.org/drawingml/2006/main" xmlns:r="http://schemas.openxmlformats.org/officeDocument/2006/relationships" xmlns:p="http://schemas.openxmlformats.org/presentationml/2006/main">
+  <p:cSld>
+    <p:spTree>
+      <p:nvGrpSpPr>
+        <p:cNvPr id="1" name=""/>
+        <p:cNvGrpSpPr/>
+        <p:nvPr/>
+      </p:nvGrpSpPr>
+      <p:grpSpPr>
+        <a:xfrm>
+          <a:off x="0" y="0"/>
+          <a:ext cx="0" cy="0"/>
+          <a:chOff x="0" y="0"/>
+          <a:chExt cx="0" cy="0"/>
+        </a:xfrm>
+      </p:grpSpPr>
+      <p:sp>
+        <p:nvSpPr>
+          <p:cNvPr id="2" name="Slide Image Placeholder 1"/>
+          <p:cNvSpPr>
+            <a:spLocks noGrp="1" noRot="1" noChangeAspect="1"/>
+          </p:cNvSpPr>
+          <p:nvPr>
+            <p:ph type="sldImg"/>
+          </p:nvPr>
+        </p:nvSpPr>
+        <p:spPr/>
+      </p:sp>
+      <p:sp>
+        <p:nvSpPr>
+          <p:cNvPr id="3" name="Notes Placeholder 2"/>
+          <p:cNvSpPr>
+            <a:spLocks noGrp="1"/>
+          </p:cNvSpPr>
+          <p:nvPr>
+            <p:ph type="body" idx="1"/>
+          </p:nvPr>
+        </p:nvSpPr>
+        <p:spPr/>
+        <p:txBody>
+          <a:bodyPr/>
+          <a:lstStyle/>
+          <a:p>
+            <a:endParaRPr lang="en-US" dirty="0"/>
+          </a:p>
+        </p:txBody>
+      </p:sp>
+      <p:sp>
+        <p:nvSpPr>
+          <p:cNvPr id="4" name="Slide Number Placeholder 3"/>
+          <p:cNvSpPr>
+            <a:spLocks noGrp="1"/>
+          </p:cNvSpPr>
+          <p:nvPr>
+            <p:ph type="sldNum" sz="quarter" idx="10"/>
+          </p:nvPr>
+        </p:nvSpPr>
+        <p:spPr/>
+        <p:txBody>
+          <a:bodyPr/>
+          <a:lstStyle/>
+          <a:p>
+            <a:fld id="{3A3568CC-110C-4346-A0AE-B1FBECAA9176}" type="slidenum">
+              <a:rPr lang="en-US" smtClean="0"/>
+              <a:t>18</a:t>
+            </a:fld>
+            <a:endParaRPr lang="en-US"/>
+          </a:p>
+        </p:txBody>
+      </p:sp>
+    </p:spTree>
+    <p:extLst>
+      <p:ext uri="{BB962C8B-B14F-4D97-AF65-F5344CB8AC3E}">
+        <p14:creationId xmlns:p14="http://schemas.microsoft.com/office/powerpoint/2010/main" val="599945650"/>
+      </p:ext>
+    </p:extLst>
+  </p:cSld>
+  <p:clrMapOvr>
+    <a:masterClrMapping/>
+  </p:clrMapOvr>
+</p:notes>
+</file>
+
+<file path=ppt/notesSlides/notesSlide18.xml><?xml version="1.0" encoding="utf-8"?>
+<p:notes xmlns:a="http://schemas.openxmlformats.org/drawingml/2006/main" xmlns:r="http://schemas.openxmlformats.org/officeDocument/2006/relationships" xmlns:p="http://schemas.openxmlformats.org/presentationml/2006/main">
+  <p:cSld>
+    <p:spTree>
+      <p:nvGrpSpPr>
+        <p:cNvPr id="1" name=""/>
+        <p:cNvGrpSpPr/>
+        <p:nvPr/>
+      </p:nvGrpSpPr>
+      <p:grpSpPr>
+        <a:xfrm>
+          <a:off x="0" y="0"/>
+          <a:ext cx="0" cy="0"/>
+          <a:chOff x="0" y="0"/>
+          <a:chExt cx="0" cy="0"/>
+        </a:xfrm>
+      </p:grpSpPr>
+      <p:sp>
+        <p:nvSpPr>
+          <p:cNvPr id="2" name="Slide Image Placeholder 1"/>
+          <p:cNvSpPr>
+            <a:spLocks noGrp="1" noRot="1" noChangeAspect="1"/>
+          </p:cNvSpPr>
+          <p:nvPr>
+            <p:ph type="sldImg"/>
+          </p:nvPr>
+        </p:nvSpPr>
+        <p:spPr/>
+      </p:sp>
+      <p:sp>
+        <p:nvSpPr>
+          <p:cNvPr id="3" name="Notes Placeholder 2"/>
+          <p:cNvSpPr>
+            <a:spLocks noGrp="1"/>
+          </p:cNvSpPr>
+          <p:nvPr>
+            <p:ph type="body" idx="1"/>
+          </p:nvPr>
+        </p:nvSpPr>
+        <p:spPr/>
+        <p:txBody>
+          <a:bodyPr/>
+          <a:lstStyle/>
+          <a:p>
+            <a:endParaRPr lang="en-US" dirty="0"/>
+          </a:p>
+        </p:txBody>
+      </p:sp>
+      <p:sp>
+        <p:nvSpPr>
+          <p:cNvPr id="4" name="Slide Number Placeholder 3"/>
+          <p:cNvSpPr>
+            <a:spLocks noGrp="1"/>
+          </p:cNvSpPr>
+          <p:nvPr>
+            <p:ph type="sldNum" sz="quarter" idx="10"/>
+          </p:nvPr>
+        </p:nvSpPr>
+        <p:spPr/>
+        <p:txBody>
+          <a:bodyPr/>
+          <a:lstStyle/>
+          <a:p>
+            <a:fld id="{3A3568CC-110C-4346-A0AE-B1FBECAA9176}" type="slidenum">
+              <a:rPr lang="en-US" smtClean="0"/>
+              <a:t>19</a:t>
+            </a:fld>
+            <a:endParaRPr lang="en-US"/>
+          </a:p>
+        </p:txBody>
+      </p:sp>
+    </p:spTree>
+    <p:extLst>
+      <p:ext uri="{BB962C8B-B14F-4D97-AF65-F5344CB8AC3E}">
+        <p14:creationId xmlns:p14="http://schemas.microsoft.com/office/powerpoint/2010/main" val="599945650"/>
+      </p:ext>
+    </p:extLst>
+  </p:cSld>
+  <p:clrMapOvr>
+    <a:masterClrMapping/>
+  </p:clrMapOvr>
+</p:notes>
+</file>
+
 <file path=ppt/notesSlides/notesSlide2.xml><?xml version="1.0" encoding="utf-8"?>
 <p:notes xmlns:a="http://schemas.openxmlformats.org/drawingml/2006/main" xmlns:r="http://schemas.openxmlformats.org/officeDocument/2006/relationships" xmlns:p="http://schemas.openxmlformats.org/presentationml/2006/main">
   <p:cSld>
@@ -1937,7 +2192,7 @@
           <a:p>
             <a:fld id="{7793EDCB-5B64-3143-AFED-AA1357A092FA}" type="datetimeFigureOut">
               <a:rPr lang="en-US" smtClean="0"/>
-              <a:t>12/10/2012</a:t>
+              <a:t>12/16/12</a:t>
             </a:fld>
             <a:endParaRPr lang="en-US"/>
           </a:p>
@@ -2107,7 +2362,7 @@
           <a:p>
             <a:fld id="{7793EDCB-5B64-3143-AFED-AA1357A092FA}" type="datetimeFigureOut">
               <a:rPr lang="en-US" smtClean="0"/>
-              <a:t>12/10/2012</a:t>
+              <a:t>12/16/12</a:t>
             </a:fld>
             <a:endParaRPr lang="en-US"/>
           </a:p>
@@ -2287,7 +2542,7 @@
           <a:p>
             <a:fld id="{7793EDCB-5B64-3143-AFED-AA1357A092FA}" type="datetimeFigureOut">
               <a:rPr lang="en-US" smtClean="0"/>
-              <a:t>12/10/2012</a:t>
+              <a:t>12/16/12</a:t>
             </a:fld>
             <a:endParaRPr lang="en-US"/>
           </a:p>
@@ -2399,14 +2654,14 @@
             <a:noFill/>
           </a:ln>
           <a:extLst>
-            <a:ext uri="{909E8E84-426E-40DD-AFC4-6F175D3DCCD1}">
+            <a:ext uri="{909E8E84-426E-40dd-AFC4-6F175D3DCCD1}">
               <a14:hiddenFill xmlns:a14="http://schemas.microsoft.com/office/drawing/2010/main">
                 <a:solidFill>
                   <a:srgbClr val="FFFFFF"/>
                 </a:solidFill>
               </a14:hiddenFill>
             </a:ext>
-            <a:ext uri="{91240B29-F687-4F45-9708-019B960494DF}">
+            <a:ext uri="{91240B29-F687-4f45-9708-019B960494DF}">
               <a14:hiddenLine xmlns:a14="http://schemas.microsoft.com/office/drawing/2010/main" w="9525">
                 <a:solidFill>
                   <a:srgbClr val="000000"/>
@@ -2453,14 +2708,14 @@
             <a:noFill/>
           </a:ln>
           <a:extLst>
-            <a:ext uri="{909E8E84-426E-40DD-AFC4-6F175D3DCCD1}">
+            <a:ext uri="{909E8E84-426E-40dd-AFC4-6F175D3DCCD1}">
               <a14:hiddenFill xmlns:a14="http://schemas.microsoft.com/office/drawing/2010/main">
                 <a:solidFill>
                   <a:srgbClr val="FFFFFF"/>
                 </a:solidFill>
               </a14:hiddenFill>
             </a:ext>
-            <a:ext uri="{91240B29-F687-4F45-9708-019B960494DF}">
+            <a:ext uri="{91240B29-F687-4f45-9708-019B960494DF}">
               <a14:hiddenLine xmlns:a14="http://schemas.microsoft.com/office/drawing/2010/main" w="9525">
                 <a:solidFill>
                   <a:srgbClr val="000000"/>
@@ -2555,7 +2810,7 @@
   <p:clrMapOvr>
     <a:masterClrMapping/>
   </p:clrMapOvr>
-  <p:transition spd="slow">
+  <p:transition xmlns:p14="http://schemas.microsoft.com/office/powerpoint/2010/main" spd="slow">
     <p:fade/>
   </p:transition>
 </p:sldLayout>
@@ -2784,7 +3039,7 @@
   <p:clrMapOvr>
     <a:masterClrMapping/>
   </p:clrMapOvr>
-  <p:transition spd="slow">
+  <p:transition xmlns:p14="http://schemas.microsoft.com/office/powerpoint/2010/main" spd="slow">
     <p:fade/>
   </p:transition>
 </p:sldLayout>
@@ -3026,7 +3281,7 @@
   <p:clrMapOvr>
     <a:masterClrMapping/>
   </p:clrMapOvr>
-  <p:transition spd="slow">
+  <p:transition xmlns:p14="http://schemas.microsoft.com/office/powerpoint/2010/main" spd="slow">
     <p:fade/>
   </p:transition>
 </p:sldLayout>
@@ -3440,7 +3695,7 @@
   <p:clrMapOvr>
     <a:masterClrMapping/>
   </p:clrMapOvr>
-  <p:transition spd="slow">
+  <p:transition xmlns:p14="http://schemas.microsoft.com/office/powerpoint/2010/main" spd="slow">
     <p:fade/>
   </p:transition>
 </p:sldLayout>
@@ -3810,7 +4065,7 @@
   <p:clrMapOvr>
     <a:masterClrMapping/>
   </p:clrMapOvr>
-  <p:transition spd="slow">
+  <p:transition xmlns:p14="http://schemas.microsoft.com/office/powerpoint/2010/main" spd="slow">
     <p:fade/>
   </p:transition>
 </p:sldLayout>
@@ -4480,7 +4735,7 @@
   <p:clrMapOvr>
     <a:masterClrMapping/>
   </p:clrMapOvr>
-  <p:transition spd="slow">
+  <p:transition xmlns:p14="http://schemas.microsoft.com/office/powerpoint/2010/main" spd="slow">
     <p:fade/>
   </p:transition>
 </p:sldLayout>
@@ -4805,7 +5060,7 @@
   <p:clrMapOvr>
     <a:masterClrMapping/>
   </p:clrMapOvr>
-  <p:transition spd="slow">
+  <p:transition xmlns:p14="http://schemas.microsoft.com/office/powerpoint/2010/main" spd="slow">
     <p:fade/>
   </p:transition>
 </p:sldLayout>
@@ -5215,7 +5470,7 @@
   <p:clrMapOvr>
     <a:masterClrMapping/>
   </p:clrMapOvr>
-  <p:transition spd="slow">
+  <p:transition xmlns:p14="http://schemas.microsoft.com/office/powerpoint/2010/main" spd="slow">
     <p:fade/>
   </p:transition>
 </p:sldLayout>
@@ -5330,7 +5585,7 @@
           <a:p>
             <a:fld id="{7793EDCB-5B64-3143-AFED-AA1357A092FA}" type="datetimeFigureOut">
               <a:rPr lang="en-US" smtClean="0"/>
-              <a:t>12/10/2012</a:t>
+              <a:t>12/16/12</a:t>
             </a:fld>
             <a:endParaRPr lang="en-US"/>
           </a:p>
@@ -5710,7 +5965,7 @@
   <p:clrMapOvr>
     <a:masterClrMapping/>
   </p:clrMapOvr>
-  <p:transition spd="slow">
+  <p:transition xmlns:p14="http://schemas.microsoft.com/office/powerpoint/2010/main" spd="slow">
     <p:fade/>
   </p:transition>
 </p:sldLayout>
@@ -6120,7 +6375,7 @@
   <p:clrMapOvr>
     <a:masterClrMapping/>
   </p:clrMapOvr>
-  <p:transition spd="slow">
+  <p:transition xmlns:p14="http://schemas.microsoft.com/office/powerpoint/2010/main" spd="slow">
     <p:fade/>
   </p:transition>
 </p:sldLayout>
@@ -6445,7 +6700,7 @@
   <p:clrMapOvr>
     <a:masterClrMapping/>
   </p:clrMapOvr>
-  <p:transition spd="slow">
+  <p:transition xmlns:p14="http://schemas.microsoft.com/office/powerpoint/2010/main" spd="slow">
     <p:fade/>
   </p:transition>
 </p:sldLayout>
@@ -6770,7 +7025,7 @@
   <p:clrMapOvr>
     <a:masterClrMapping/>
   </p:clrMapOvr>
-  <p:transition spd="slow">
+  <p:transition xmlns:p14="http://schemas.microsoft.com/office/powerpoint/2010/main" spd="slow">
     <p:fade/>
   </p:transition>
 </p:sldLayout>
@@ -7180,7 +7435,7 @@
   <p:clrMapOvr>
     <a:masterClrMapping/>
   </p:clrMapOvr>
-  <p:transition spd="slow">
+  <p:transition xmlns:p14="http://schemas.microsoft.com/office/powerpoint/2010/main" spd="slow">
     <p:fade/>
   </p:transition>
 </p:sldLayout>
@@ -7590,7 +7845,7 @@
   <p:clrMapOvr>
     <a:masterClrMapping/>
   </p:clrMapOvr>
-  <p:transition spd="slow">
+  <p:transition xmlns:p14="http://schemas.microsoft.com/office/powerpoint/2010/main" spd="slow">
     <p:fade/>
   </p:transition>
 </p:sldLayout>
@@ -7782,7 +8037,7 @@
   <p:clrMapOvr>
     <a:masterClrMapping/>
   </p:clrMapOvr>
-  <p:transition spd="slow">
+  <p:transition xmlns:p14="http://schemas.microsoft.com/office/powerpoint/2010/main" spd="slow">
     <p:fade/>
   </p:transition>
 </p:sldLayout>
@@ -7868,7 +8123,7 @@
   <p:clrMapOvr>
     <a:masterClrMapping/>
   </p:clrMapOvr>
-  <p:transition spd="slow">
+  <p:transition xmlns:p14="http://schemas.microsoft.com/office/powerpoint/2010/main" spd="slow">
     <p:fade/>
   </p:transition>
 </p:sldLayout>
@@ -8022,7 +8277,7 @@
                   <a:spcPct val="0"/>
                 </a:spcAft>
               </a:pPr>
-              <a:t>10.12.2012</a:t>
+              <a:t>12/16/12</a:t>
             </a:fld>
             <a:endParaRPr lang="ru-RU">
               <a:solidFill>
@@ -8192,7 +8447,7 @@
   <p:clrMapOvr>
     <a:masterClrMapping/>
   </p:clrMapOvr>
-  <p:transition spd="slow">
+  <p:transition xmlns:p14="http://schemas.microsoft.com/office/powerpoint/2010/main" spd="slow">
     <p:fade/>
   </p:transition>
 </p:sldLayout>
@@ -8383,7 +8638,7 @@
           <a:p>
             <a:fld id="{7793EDCB-5B64-3143-AFED-AA1357A092FA}" type="datetimeFigureOut">
               <a:rPr lang="en-US" smtClean="0"/>
-              <a:t>12/10/2012</a:t>
+              <a:t>12/16/12</a:t>
             </a:fld>
             <a:endParaRPr lang="en-US"/>
           </a:p>
@@ -8626,14 +8881,14 @@
             <a:noFill/>
           </a:ln>
           <a:extLst>
-            <a:ext uri="{909E8E84-426E-40DD-AFC4-6F175D3DCCD1}">
+            <a:ext uri="{909E8E84-426E-40dd-AFC4-6F175D3DCCD1}">
               <a14:hiddenFill xmlns:a14="http://schemas.microsoft.com/office/drawing/2010/main">
                 <a:solidFill>
                   <a:srgbClr val="FFFFFF"/>
                 </a:solidFill>
               </a14:hiddenFill>
             </a:ext>
-            <a:ext uri="{91240B29-F687-4F45-9708-019B960494DF}">
+            <a:ext uri="{91240B29-F687-4f45-9708-019B960494DF}">
               <a14:hiddenLine xmlns:a14="http://schemas.microsoft.com/office/drawing/2010/main" w="9525">
                 <a:solidFill>
                   <a:srgbClr val="000000"/>
@@ -8769,14 +9024,14 @@
             <a:noFill/>
           </a:ln>
           <a:extLst>
-            <a:ext uri="{909E8E84-426E-40DD-AFC4-6F175D3DCCD1}">
+            <a:ext uri="{909E8E84-426E-40dd-AFC4-6F175D3DCCD1}">
               <a14:hiddenFill xmlns:a14="http://schemas.microsoft.com/office/drawing/2010/main">
                 <a:solidFill>
                   <a:srgbClr val="FFFFFF"/>
                 </a:solidFill>
               </a14:hiddenFill>
             </a:ext>
-            <a:ext uri="{91240B29-F687-4F45-9708-019B960494DF}">
+            <a:ext uri="{91240B29-F687-4f45-9708-019B960494DF}">
               <a14:hiddenLine xmlns:a14="http://schemas.microsoft.com/office/drawing/2010/main" w="9525">
                 <a:solidFill>
                   <a:srgbClr val="000000"/>
@@ -8823,14 +9078,14 @@
             <a:noFill/>
           </a:ln>
           <a:extLst>
-            <a:ext uri="{909E8E84-426E-40DD-AFC4-6F175D3DCCD1}">
+            <a:ext uri="{909E8E84-426E-40dd-AFC4-6F175D3DCCD1}">
               <a14:hiddenFill xmlns:a14="http://schemas.microsoft.com/office/drawing/2010/main">
                 <a:solidFill>
                   <a:srgbClr val="FFFFFF"/>
                 </a:solidFill>
               </a14:hiddenFill>
             </a:ext>
-            <a:ext uri="{91240B29-F687-4F45-9708-019B960494DF}">
+            <a:ext uri="{91240B29-F687-4f45-9708-019B960494DF}">
               <a14:hiddenLine xmlns:a14="http://schemas.microsoft.com/office/drawing/2010/main" w="9525">
                 <a:solidFill>
                   <a:srgbClr val="000000"/>
@@ -9099,7 +9354,7 @@
   <p:clrMapOvr>
     <a:masterClrMapping/>
   </p:clrMapOvr>
-  <p:transition>
+  <p:transition xmlns:p14="http://schemas.microsoft.com/office/powerpoint/2010/main">
     <p:zoom/>
   </p:transition>
 </p:sldLayout>
@@ -9328,7 +9583,7 @@
   <p:clrMapOvr>
     <a:masterClrMapping/>
   </p:clrMapOvr>
-  <p:transition spd="slow">
+  <p:transition xmlns:p14="http://schemas.microsoft.com/office/powerpoint/2010/main" spd="slow">
     <p:fade/>
   </p:transition>
 </p:sldLayout>
@@ -9385,14 +9640,14 @@
             <a:noFill/>
           </a:ln>
           <a:extLst>
-            <a:ext uri="{909E8E84-426E-40DD-AFC4-6F175D3DCCD1}">
+            <a:ext uri="{909E8E84-426E-40dd-AFC4-6F175D3DCCD1}">
               <a14:hiddenFill xmlns:a14="http://schemas.microsoft.com/office/drawing/2010/main">
                 <a:solidFill>
                   <a:srgbClr val="FFFFFF"/>
                 </a:solidFill>
               </a14:hiddenFill>
             </a:ext>
-            <a:ext uri="{91240B29-F687-4F45-9708-019B960494DF}">
+            <a:ext uri="{91240B29-F687-4f45-9708-019B960494DF}">
               <a14:hiddenLine xmlns:a14="http://schemas.microsoft.com/office/drawing/2010/main" w="9525">
                 <a:solidFill>
                   <a:srgbClr val="000000"/>
@@ -9528,14 +9783,14 @@
             <a:noFill/>
           </a:ln>
           <a:extLst>
-            <a:ext uri="{909E8E84-426E-40DD-AFC4-6F175D3DCCD1}">
+            <a:ext uri="{909E8E84-426E-40dd-AFC4-6F175D3DCCD1}">
               <a14:hiddenFill xmlns:a14="http://schemas.microsoft.com/office/drawing/2010/main">
                 <a:solidFill>
                   <a:srgbClr val="FFFFFF"/>
                 </a:solidFill>
               </a14:hiddenFill>
             </a:ext>
-            <a:ext uri="{91240B29-F687-4F45-9708-019B960494DF}">
+            <a:ext uri="{91240B29-F687-4f45-9708-019B960494DF}">
               <a14:hiddenLine xmlns:a14="http://schemas.microsoft.com/office/drawing/2010/main" w="9525">
                 <a:solidFill>
                   <a:srgbClr val="000000"/>
@@ -9582,14 +9837,14 @@
             <a:noFill/>
           </a:ln>
           <a:extLst>
-            <a:ext uri="{909E8E84-426E-40DD-AFC4-6F175D3DCCD1}">
+            <a:ext uri="{909E8E84-426E-40dd-AFC4-6F175D3DCCD1}">
               <a14:hiddenFill xmlns:a14="http://schemas.microsoft.com/office/drawing/2010/main">
                 <a:solidFill>
                   <a:srgbClr val="FFFFFF"/>
                 </a:solidFill>
               </a14:hiddenFill>
             </a:ext>
-            <a:ext uri="{91240B29-F687-4F45-9708-019B960494DF}">
+            <a:ext uri="{91240B29-F687-4f45-9708-019B960494DF}">
               <a14:hiddenLine xmlns:a14="http://schemas.microsoft.com/office/drawing/2010/main" w="9525">
                 <a:solidFill>
                   <a:srgbClr val="000000"/>
@@ -9858,7 +10113,7 @@
   <p:clrMapOvr>
     <a:masterClrMapping/>
   </p:clrMapOvr>
-  <p:transition>
+  <p:transition xmlns:p14="http://schemas.microsoft.com/office/powerpoint/2010/main">
     <p:zoom/>
   </p:transition>
 </p:sldLayout>
@@ -9915,14 +10170,14 @@
             <a:noFill/>
           </a:ln>
           <a:extLst>
-            <a:ext uri="{909E8E84-426E-40DD-AFC4-6F175D3DCCD1}">
+            <a:ext uri="{909E8E84-426E-40dd-AFC4-6F175D3DCCD1}">
               <a14:hiddenFill xmlns:a14="http://schemas.microsoft.com/office/drawing/2010/main">
                 <a:solidFill>
                   <a:srgbClr val="FFFFFF"/>
                 </a:solidFill>
               </a14:hiddenFill>
             </a:ext>
-            <a:ext uri="{91240B29-F687-4F45-9708-019B960494DF}">
+            <a:ext uri="{91240B29-F687-4f45-9708-019B960494DF}">
               <a14:hiddenLine xmlns:a14="http://schemas.microsoft.com/office/drawing/2010/main" w="9525">
                 <a:solidFill>
                   <a:srgbClr val="000000"/>
@@ -10058,14 +10313,14 @@
             <a:noFill/>
           </a:ln>
           <a:extLst>
-            <a:ext uri="{909E8E84-426E-40DD-AFC4-6F175D3DCCD1}">
+            <a:ext uri="{909E8E84-426E-40dd-AFC4-6F175D3DCCD1}">
               <a14:hiddenFill xmlns:a14="http://schemas.microsoft.com/office/drawing/2010/main">
                 <a:solidFill>
                   <a:srgbClr val="FFFFFF"/>
                 </a:solidFill>
               </a14:hiddenFill>
             </a:ext>
-            <a:ext uri="{91240B29-F687-4F45-9708-019B960494DF}">
+            <a:ext uri="{91240B29-F687-4f45-9708-019B960494DF}">
               <a14:hiddenLine xmlns:a14="http://schemas.microsoft.com/office/drawing/2010/main" w="9525">
                 <a:solidFill>
                   <a:srgbClr val="000000"/>
@@ -10112,14 +10367,14 @@
             <a:noFill/>
           </a:ln>
           <a:extLst>
-            <a:ext uri="{909E8E84-426E-40DD-AFC4-6F175D3DCCD1}">
+            <a:ext uri="{909E8E84-426E-40dd-AFC4-6F175D3DCCD1}">
               <a14:hiddenFill xmlns:a14="http://schemas.microsoft.com/office/drawing/2010/main">
                 <a:solidFill>
                   <a:srgbClr val="FFFFFF"/>
                 </a:solidFill>
               </a14:hiddenFill>
             </a:ext>
-            <a:ext uri="{91240B29-F687-4F45-9708-019B960494DF}">
+            <a:ext uri="{91240B29-F687-4f45-9708-019B960494DF}">
               <a14:hiddenLine xmlns:a14="http://schemas.microsoft.com/office/drawing/2010/main" w="9525">
                 <a:solidFill>
                   <a:srgbClr val="000000"/>
@@ -10388,7 +10643,7 @@
   <p:clrMapOvr>
     <a:masterClrMapping/>
   </p:clrMapOvr>
-  <p:transition>
+  <p:transition xmlns:p14="http://schemas.microsoft.com/office/powerpoint/2010/main">
     <p:zoom/>
   </p:transition>
   <p:hf hdr="0" ftr="0" dt="0"/>
@@ -10500,14 +10755,14 @@
             <a:noFill/>
           </a:ln>
           <a:extLst>
-            <a:ext uri="{909E8E84-426E-40DD-AFC4-6F175D3DCCD1}">
+            <a:ext uri="{909E8E84-426E-40dd-AFC4-6F175D3DCCD1}">
               <a14:hiddenFill xmlns:a14="http://schemas.microsoft.com/office/drawing/2010/main">
                 <a:solidFill>
                   <a:srgbClr val="FFFFFF"/>
                 </a:solidFill>
               </a14:hiddenFill>
             </a:ext>
-            <a:ext uri="{91240B29-F687-4F45-9708-019B960494DF}">
+            <a:ext uri="{91240B29-F687-4f45-9708-019B960494DF}">
               <a14:hiddenLine xmlns:a14="http://schemas.microsoft.com/office/drawing/2010/main" w="9525">
                 <a:solidFill>
                   <a:srgbClr val="000000"/>
@@ -10554,14 +10809,14 @@
             <a:noFill/>
           </a:ln>
           <a:extLst>
-            <a:ext uri="{909E8E84-426E-40DD-AFC4-6F175D3DCCD1}">
+            <a:ext uri="{909E8E84-426E-40dd-AFC4-6F175D3DCCD1}">
               <a14:hiddenFill xmlns:a14="http://schemas.microsoft.com/office/drawing/2010/main">
                 <a:solidFill>
                   <a:srgbClr val="FFFFFF"/>
                 </a:solidFill>
               </a14:hiddenFill>
             </a:ext>
-            <a:ext uri="{91240B29-F687-4F45-9708-019B960494DF}">
+            <a:ext uri="{91240B29-F687-4f45-9708-019B960494DF}">
               <a14:hiddenLine xmlns:a14="http://schemas.microsoft.com/office/drawing/2010/main" w="9525">
                 <a:solidFill>
                   <a:srgbClr val="000000"/>
@@ -10665,14 +10920,14 @@
             <a:noFill/>
           </a:ln>
           <a:extLst>
-            <a:ext uri="{909E8E84-426E-40DD-AFC4-6F175D3DCCD1}">
+            <a:ext uri="{909E8E84-426E-40dd-AFC4-6F175D3DCCD1}">
               <a14:hiddenFill xmlns:a14="http://schemas.microsoft.com/office/drawing/2010/main">
                 <a:solidFill>
                   <a:srgbClr val="FFFFFF"/>
                 </a:solidFill>
               </a14:hiddenFill>
             </a:ext>
-            <a:ext uri="{91240B29-F687-4F45-9708-019B960494DF}">
+            <a:ext uri="{91240B29-F687-4f45-9708-019B960494DF}">
               <a14:hiddenLine xmlns:a14="http://schemas.microsoft.com/office/drawing/2010/main" w="9525">
                 <a:solidFill>
                   <a:srgbClr val="000000"/>
@@ -10784,7 +11039,7 @@
   <p:clrMapOvr>
     <a:masterClrMapping/>
   </p:clrMapOvr>
-  <p:transition>
+  <p:transition xmlns:p14="http://schemas.microsoft.com/office/powerpoint/2010/main">
     <p:zoom/>
   </p:transition>
   <p:hf hdr="0" ftr="0" dt="0"/>
@@ -10898,7 +11153,7 @@
   <p:clrMapOvr>
     <a:masterClrMapping/>
   </p:clrMapOvr>
-  <p:transition>
+  <p:transition xmlns:p14="http://schemas.microsoft.com/office/powerpoint/2010/main">
     <p:zoom/>
   </p:transition>
   <p:hf hdr="0" ftr="0" dt="0"/>
@@ -12175,7 +12430,7 @@
   <p:clrMapOvr>
     <a:masterClrMapping/>
   </p:clrMapOvr>
-  <p:transition>
+  <p:transition xmlns:p14="http://schemas.microsoft.com/office/powerpoint/2010/main">
     <p:zoom/>
   </p:transition>
   <p:hf hdr="0" ftr="0" dt="0"/>
@@ -12976,7 +13231,7 @@
   <p:clrMapOvr>
     <a:masterClrMapping/>
   </p:clrMapOvr>
-  <p:transition>
+  <p:transition xmlns:p14="http://schemas.microsoft.com/office/powerpoint/2010/main">
     <p:zoom/>
   </p:transition>
   <p:hf hdr="0" ftr="0" dt="0"/>
@@ -13119,7 +13374,7 @@
   <p:clrMapOvr>
     <a:masterClrMapping/>
   </p:clrMapOvr>
-  <p:transition>
+  <p:transition xmlns:p14="http://schemas.microsoft.com/office/powerpoint/2010/main">
     <p:zoom/>
   </p:transition>
   <p:hf hdr="0" ftr="0" dt="0"/>
@@ -13353,7 +13608,7 @@
           <a:p>
             <a:fld id="{7793EDCB-5B64-3143-AFED-AA1357A092FA}" type="datetimeFigureOut">
               <a:rPr lang="en-US" smtClean="0"/>
-              <a:t>12/10/2012</a:t>
+              <a:t>12/16/12</a:t>
             </a:fld>
             <a:endParaRPr lang="en-US"/>
           </a:p>
@@ -13560,7 +13815,7 @@
   <p:clrMapOvr>
     <a:masterClrMapping/>
   </p:clrMapOvr>
-  <p:transition>
+  <p:transition xmlns:p14="http://schemas.microsoft.com/office/powerpoint/2010/main">
     <p:zoom/>
   </p:transition>
   <p:hf hdr="0" ftr="0" dt="0"/>
@@ -13711,7 +13966,7 @@
   <p:clrMapOvr>
     <a:masterClrMapping/>
   </p:clrMapOvr>
-  <p:transition>
+  <p:transition xmlns:p14="http://schemas.microsoft.com/office/powerpoint/2010/main">
     <p:zoom/>
   </p:transition>
   <p:hf hdr="0" ftr="0" dt="0"/>
@@ -13769,14 +14024,14 @@
             <a:noFill/>
           </a:ln>
           <a:extLst>
-            <a:ext uri="{909E8E84-426E-40DD-AFC4-6F175D3DCCD1}">
+            <a:ext uri="{909E8E84-426E-40dd-AFC4-6F175D3DCCD1}">
               <a14:hiddenFill xmlns:a14="http://schemas.microsoft.com/office/drawing/2010/main">
                 <a:solidFill>
                   <a:srgbClr val="FFFFFF"/>
                 </a:solidFill>
               </a14:hiddenFill>
             </a:ext>
-            <a:ext uri="{91240B29-F687-4F45-9708-019B960494DF}">
+            <a:ext uri="{91240B29-F687-4f45-9708-019B960494DF}">
               <a14:hiddenLine xmlns:a14="http://schemas.microsoft.com/office/drawing/2010/main" w="9525">
                 <a:solidFill>
                   <a:srgbClr val="000000"/>
@@ -13879,14 +14134,14 @@
             <a:noFill/>
           </a:ln>
           <a:extLst>
-            <a:ext uri="{909E8E84-426E-40DD-AFC4-6F175D3DCCD1}">
+            <a:ext uri="{909E8E84-426E-40dd-AFC4-6F175D3DCCD1}">
               <a14:hiddenFill xmlns:a14="http://schemas.microsoft.com/office/drawing/2010/main">
                 <a:solidFill>
                   <a:srgbClr val="FFFFFF"/>
                 </a:solidFill>
               </a14:hiddenFill>
             </a:ext>
-            <a:ext uri="{91240B29-F687-4F45-9708-019B960494DF}">
+            <a:ext uri="{91240B29-F687-4f45-9708-019B960494DF}">
               <a14:hiddenLine xmlns:a14="http://schemas.microsoft.com/office/drawing/2010/main" w="9525">
                 <a:solidFill>
                   <a:srgbClr val="000000"/>
@@ -13933,14 +14188,14 @@
             <a:noFill/>
           </a:ln>
           <a:extLst>
-            <a:ext uri="{909E8E84-426E-40DD-AFC4-6F175D3DCCD1}">
+            <a:ext uri="{909E8E84-426E-40dd-AFC4-6F175D3DCCD1}">
               <a14:hiddenFill xmlns:a14="http://schemas.microsoft.com/office/drawing/2010/main">
                 <a:solidFill>
                   <a:srgbClr val="FFFFFF"/>
                 </a:solidFill>
               </a14:hiddenFill>
             </a:ext>
-            <a:ext uri="{91240B29-F687-4F45-9708-019B960494DF}">
+            <a:ext uri="{91240B29-F687-4f45-9708-019B960494DF}">
               <a14:hiddenLine xmlns:a14="http://schemas.microsoft.com/office/drawing/2010/main" w="9525">
                 <a:solidFill>
                   <a:srgbClr val="000000"/>
@@ -14243,7 +14498,7 @@
   <p:clrMapOvr>
     <a:masterClrMapping/>
   </p:clrMapOvr>
-  <p:transition>
+  <p:transition xmlns:p14="http://schemas.microsoft.com/office/powerpoint/2010/main">
     <p:zoom/>
   </p:transition>
   <p:hf hdr="0" ftr="0" dt="0"/>
@@ -14473,7 +14728,7 @@
   <p:clrMapOvr>
     <a:masterClrMapping/>
   </p:clrMapOvr>
-  <p:transition spd="slow">
+  <p:transition xmlns:p14="http://schemas.microsoft.com/office/powerpoint/2010/main" spd="slow">
     <p:fade/>
   </p:transition>
 </p:sldLayout>
@@ -14971,7 +15226,7 @@
           <a:p>
             <a:fld id="{7793EDCB-5B64-3143-AFED-AA1357A092FA}" type="datetimeFigureOut">
               <a:rPr lang="en-US" smtClean="0"/>
-              <a:t>12/10/2012</a:t>
+              <a:t>12/16/12</a:t>
             </a:fld>
             <a:endParaRPr lang="en-US"/>
           </a:p>
@@ -15089,7 +15344,7 @@
           <a:p>
             <a:fld id="{7793EDCB-5B64-3143-AFED-AA1357A092FA}" type="datetimeFigureOut">
               <a:rPr lang="en-US" smtClean="0"/>
-              <a:t>12/10/2012</a:t>
+              <a:t>12/16/12</a:t>
             </a:fld>
             <a:endParaRPr lang="en-US"/>
           </a:p>
@@ -15184,7 +15439,7 @@
           <a:p>
             <a:fld id="{7793EDCB-5B64-3143-AFED-AA1357A092FA}" type="datetimeFigureOut">
               <a:rPr lang="en-US" smtClean="0"/>
-              <a:t>12/10/2012</a:t>
+              <a:t>12/16/12</a:t>
             </a:fld>
             <a:endParaRPr lang="en-US"/>
           </a:p>
@@ -15461,7 +15716,7 @@
           <a:p>
             <a:fld id="{7793EDCB-5B64-3143-AFED-AA1357A092FA}" type="datetimeFigureOut">
               <a:rPr lang="en-US" smtClean="0"/>
-              <a:t>12/10/2012</a:t>
+              <a:t>12/16/12</a:t>
             </a:fld>
             <a:endParaRPr lang="en-US"/>
           </a:p>
@@ -15714,7 +15969,7 @@
           <a:p>
             <a:fld id="{7793EDCB-5B64-3143-AFED-AA1357A092FA}" type="datetimeFigureOut">
               <a:rPr lang="en-US" smtClean="0"/>
-              <a:t>12/10/2012</a:t>
+              <a:t>12/16/12</a:t>
             </a:fld>
             <a:endParaRPr lang="en-US"/>
           </a:p>
@@ -15927,7 +16182,7 @@
           <a:p>
             <a:fld id="{7793EDCB-5B64-3143-AFED-AA1357A092FA}" type="datetimeFigureOut">
               <a:rPr lang="en-US" smtClean="0"/>
-              <a:t>12/10/2012</a:t>
+              <a:t>12/16/12</a:t>
             </a:fld>
             <a:endParaRPr lang="en-US"/>
           </a:p>
@@ -16344,14 +16599,14 @@
             <a:noFill/>
           </a:ln>
           <a:extLst>
-            <a:ext uri="{909E8E84-426E-40DD-AFC4-6F175D3DCCD1}">
+            <a:ext uri="{909E8E84-426E-40dd-AFC4-6F175D3DCCD1}">
               <a14:hiddenFill xmlns:a14="http://schemas.microsoft.com/office/drawing/2010/main">
                 <a:solidFill>
                   <a:srgbClr val="FFFFFF"/>
                 </a:solidFill>
               </a14:hiddenFill>
             </a:ext>
-            <a:ext uri="{91240B29-F687-4F45-9708-019B960494DF}">
+            <a:ext uri="{91240B29-F687-4f45-9708-019B960494DF}">
               <a14:hiddenLine xmlns:a14="http://schemas.microsoft.com/office/drawing/2010/main" w="9525">
                 <a:solidFill>
                   <a:srgbClr val="000000"/>
@@ -16387,14 +16642,14 @@
             <a:noFill/>
           </a:ln>
           <a:extLst>
-            <a:ext uri="{909E8E84-426E-40DD-AFC4-6F175D3DCCD1}">
+            <a:ext uri="{909E8E84-426E-40dd-AFC4-6F175D3DCCD1}">
               <a14:hiddenFill xmlns:a14="http://schemas.microsoft.com/office/drawing/2010/main">
                 <a:solidFill>
                   <a:srgbClr val="FFFFFF"/>
                 </a:solidFill>
               </a14:hiddenFill>
             </a:ext>
-            <a:ext uri="{91240B29-F687-4F45-9708-019B960494DF}">
+            <a:ext uri="{91240B29-F687-4f45-9708-019B960494DF}">
               <a14:hiddenLine xmlns:a14="http://schemas.microsoft.com/office/drawing/2010/main" w="9525">
                 <a:solidFill>
                   <a:srgbClr val="000000"/>
@@ -16405,7 +16660,7 @@
               </a14:hiddenLine>
             </a:ext>
             <a:ext uri="{FAA26D3D-D897-4be2-8F04-BA451C77F1D7}">
-              <ma14:placeholderFlag xmlns:ma14="http://schemas.microsoft.com/office/mac/drawingml/2011/main" xmlns="" val="1"/>
+              <ma14:placeholderFlag xmlns:ma14="http://schemas.microsoft.com/office/mac/drawingml/2011/main" val="1"/>
             </a:ext>
           </a:extLst>
         </p:spPr>
@@ -16448,14 +16703,14 @@
             <a:noFill/>
           </a:ln>
           <a:extLst>
-            <a:ext uri="{909E8E84-426E-40DD-AFC4-6F175D3DCCD1}">
+            <a:ext uri="{909E8E84-426E-40dd-AFC4-6F175D3DCCD1}">
               <a14:hiddenFill xmlns:a14="http://schemas.microsoft.com/office/drawing/2010/main">
                 <a:solidFill>
                   <a:srgbClr val="FFFFFF"/>
                 </a:solidFill>
               </a14:hiddenFill>
             </a:ext>
-            <a:ext uri="{91240B29-F687-4F45-9708-019B960494DF}">
+            <a:ext uri="{91240B29-F687-4f45-9708-019B960494DF}">
               <a14:hiddenLine xmlns:a14="http://schemas.microsoft.com/office/drawing/2010/main" w="9525">
                 <a:solidFill>
                   <a:srgbClr val="000000"/>
@@ -16466,7 +16721,7 @@
               </a14:hiddenLine>
             </a:ext>
             <a:ext uri="{FAA26D3D-D897-4be2-8F04-BA451C77F1D7}">
-              <ma14:placeholderFlag xmlns:ma14="http://schemas.microsoft.com/office/mac/drawingml/2011/main" xmlns="" val="1"/>
+              <ma14:placeholderFlag xmlns:ma14="http://schemas.microsoft.com/office/mac/drawingml/2011/main" val="1"/>
             </a:ext>
           </a:extLst>
         </p:spPr>
@@ -16548,14 +16803,14 @@
             <a:noFill/>
           </a:ln>
           <a:extLst>
-            <a:ext uri="{909E8E84-426E-40DD-AFC4-6F175D3DCCD1}">
+            <a:ext uri="{909E8E84-426E-40dd-AFC4-6F175D3DCCD1}">
               <a14:hiddenFill xmlns:a14="http://schemas.microsoft.com/office/drawing/2010/main">
                 <a:solidFill>
                   <a:srgbClr val="FFFFFF"/>
                 </a:solidFill>
               </a14:hiddenFill>
             </a:ext>
-            <a:ext uri="{91240B29-F687-4F45-9708-019B960494DF}">
+            <a:ext uri="{91240B29-F687-4f45-9708-019B960494DF}">
               <a14:hiddenLine xmlns:a14="http://schemas.microsoft.com/office/drawing/2010/main" w="9525">
                 <a:solidFill>
                   <a:srgbClr val="000000"/>
@@ -16781,14 +17036,14 @@
             <a:noFill/>
           </a:ln>
           <a:extLst>
-            <a:ext uri="{909E8E84-426E-40DD-AFC4-6F175D3DCCD1}">
+            <a:ext uri="{909E8E84-426E-40dd-AFC4-6F175D3DCCD1}">
               <a14:hiddenFill xmlns:a14="http://schemas.microsoft.com/office/drawing/2010/main">
                 <a:solidFill>
                   <a:srgbClr val="FFFFFF"/>
                 </a:solidFill>
               </a14:hiddenFill>
             </a:ext>
-            <a:ext uri="{91240B29-F687-4F45-9708-019B960494DF}">
+            <a:ext uri="{91240B29-F687-4f45-9708-019B960494DF}">
               <a14:hiddenLine xmlns:a14="http://schemas.microsoft.com/office/drawing/2010/main" w="9525">
                 <a:solidFill>
                   <a:srgbClr val="000000"/>
@@ -16832,7 +17087,7 @@
     <p:sldLayoutId id="2147483681" r:id="rId20"/>
     <p:sldLayoutId id="2147483693" r:id="rId21"/>
   </p:sldLayoutIdLst>
-  <p:transition spd="slow">
+  <p:transition xmlns:p14="http://schemas.microsoft.com/office/powerpoint/2010/main" spd="slow">
     <p:fade/>
   </p:transition>
   <p:hf hdr="0" ftr="0" dt="0"/>
@@ -17374,14 +17629,14 @@
             <a:noFill/>
           </a:ln>
           <a:extLst>
-            <a:ext uri="{909E8E84-426E-40DD-AFC4-6F175D3DCCD1}">
+            <a:ext uri="{909E8E84-426E-40dd-AFC4-6F175D3DCCD1}">
               <a14:hiddenFill xmlns:a14="http://schemas.microsoft.com/office/drawing/2010/main">
                 <a:solidFill>
                   <a:srgbClr val="FFFFFF"/>
                 </a:solidFill>
               </a14:hiddenFill>
             </a:ext>
-            <a:ext uri="{91240B29-F687-4F45-9708-019B960494DF}">
+            <a:ext uri="{91240B29-F687-4f45-9708-019B960494DF}">
               <a14:hiddenLine xmlns:a14="http://schemas.microsoft.com/office/drawing/2010/main" w="9525">
                 <a:solidFill>
                   <a:srgbClr val="000000"/>
@@ -17392,7 +17647,7 @@
               </a14:hiddenLine>
             </a:ext>
             <a:ext uri="{FAA26D3D-D897-4be2-8F04-BA451C77F1D7}">
-              <ma14:placeholderFlag xmlns:ma14="http://schemas.microsoft.com/office/mac/drawingml/2011/main" xmlns="" val="1"/>
+              <ma14:placeholderFlag xmlns:ma14="http://schemas.microsoft.com/office/mac/drawingml/2011/main" val="1"/>
             </a:ext>
           </a:extLst>
         </p:spPr>
@@ -17613,14 +17868,14 @@
             <a:noFill/>
           </a:ln>
           <a:extLst>
-            <a:ext uri="{909E8E84-426E-40DD-AFC4-6F175D3DCCD1}">
+            <a:ext uri="{909E8E84-426E-40dd-AFC4-6F175D3DCCD1}">
               <a14:hiddenFill xmlns:a14="http://schemas.microsoft.com/office/drawing/2010/main">
                 <a:solidFill>
                   <a:srgbClr val="FFFFFF"/>
                 </a:solidFill>
               </a14:hiddenFill>
             </a:ext>
-            <a:ext uri="{91240B29-F687-4F45-9708-019B960494DF}">
+            <a:ext uri="{91240B29-F687-4f45-9708-019B960494DF}">
               <a14:hiddenLine xmlns:a14="http://schemas.microsoft.com/office/drawing/2010/main" w="9525">
                 <a:solidFill>
                   <a:srgbClr val="000000"/>
@@ -17782,14 +18037,14 @@
             <a:noFill/>
           </a:ln>
           <a:extLst>
-            <a:ext uri="{909E8E84-426E-40DD-AFC4-6F175D3DCCD1}">
+            <a:ext uri="{909E8E84-426E-40dd-AFC4-6F175D3DCCD1}">
               <a14:hiddenFill xmlns:a14="http://schemas.microsoft.com/office/drawing/2010/main">
                 <a:solidFill>
                   <a:srgbClr val="FFFFFF"/>
                 </a:solidFill>
               </a14:hiddenFill>
             </a:ext>
-            <a:ext uri="{91240B29-F687-4F45-9708-019B960494DF}">
+            <a:ext uri="{91240B29-F687-4f45-9708-019B960494DF}">
               <a14:hiddenLine xmlns:a14="http://schemas.microsoft.com/office/drawing/2010/main" w="9525">
                 <a:solidFill>
                   <a:srgbClr val="000000"/>
@@ -17800,7 +18055,7 @@
               </a14:hiddenLine>
             </a:ext>
             <a:ext uri="{FAA26D3D-D897-4be2-8F04-BA451C77F1D7}">
-              <ma14:placeholderFlag xmlns:ma14="http://schemas.microsoft.com/office/mac/drawingml/2011/main" xmlns="" val="1"/>
+              <ma14:placeholderFlag xmlns:ma14="http://schemas.microsoft.com/office/mac/drawingml/2011/main" val="1"/>
             </a:ext>
           </a:extLst>
         </p:spPr>
@@ -18034,14 +18289,14 @@
             <a:noFill/>
           </a:ln>
           <a:extLst>
-            <a:ext uri="{909E8E84-426E-40DD-AFC4-6F175D3DCCD1}">
+            <a:ext uri="{909E8E84-426E-40dd-AFC4-6F175D3DCCD1}">
               <a14:hiddenFill xmlns:a14="http://schemas.microsoft.com/office/drawing/2010/main">
                 <a:solidFill>
                   <a:srgbClr val="FFFFFF"/>
                 </a:solidFill>
               </a14:hiddenFill>
             </a:ext>
-            <a:ext uri="{91240B29-F687-4F45-9708-019B960494DF}">
+            <a:ext uri="{91240B29-F687-4f45-9708-019B960494DF}">
               <a14:hiddenLine xmlns:a14="http://schemas.microsoft.com/office/drawing/2010/main" w="9525">
                 <a:solidFill>
                   <a:srgbClr val="000000"/>
@@ -18071,13 +18326,13 @@
     <p:sldLayoutId id="2147483705" r:id="rId11"/>
     <p:sldLayoutId id="2147483706" r:id="rId12"/>
   </p:sldLayoutIdLst>
-  <p:transition spd="slow">
+  <p:transition xmlns:p14="http://schemas.microsoft.com/office/powerpoint/2010/main" spd="slow">
     <p:fade/>
   </p:transition>
   <p:timing>
     <p:tnLst>
       <p:par>
-        <p:cTn id="1" dur="indefinite" restart="never" nodeType="tmRoot"/>
+        <p:cTn xmlns:p14="http://schemas.microsoft.com/office/powerpoint/2010/main" id="1" dur="indefinite" restart="never" nodeType="tmRoot"/>
       </p:par>
     </p:tnLst>
   </p:timing>
@@ -18578,13 +18833,13 @@
   <p:clrMapOvr>
     <a:masterClrMapping/>
   </p:clrMapOvr>
-  <p:transition>
+  <p:transition xmlns:p14="http://schemas.microsoft.com/office/powerpoint/2010/main">
     <p:zoom/>
   </p:transition>
   <p:timing>
     <p:tnLst>
       <p:par>
-        <p:cTn id="1" dur="indefinite" restart="never" nodeType="tmRoot"/>
+        <p:cTn xmlns:p14="http://schemas.microsoft.com/office/powerpoint/2010/main" id="1" dur="indefinite" restart="never" nodeType="tmRoot"/>
       </p:par>
     </p:tnLst>
   </p:timing>
@@ -18649,8 +18904,8 @@
         </p:nvSpPr>
         <p:spPr bwMode="auto">
           <a:xfrm>
-            <a:off x="2000878" y="2667000"/>
-            <a:ext cx="5023841" cy="1901607"/>
+            <a:off x="1152839" y="2616696"/>
+            <a:ext cx="6838322" cy="1624608"/>
           </a:xfrm>
           <a:prstGeom prst="rect">
             <a:avLst/>
@@ -18682,6 +18937,8 @@
                 <a:solidFill>
                   <a:schemeClr val="accent4"/>
                 </a:solidFill>
+                <a:latin typeface="Arial"/>
+                <a:cs typeface="Arial"/>
               </a:rPr>
               <a:t>Ваша цель – получить тесты, которым можно </a:t>
             </a:r>
@@ -18690,6 +18947,8 @@
                 <a:solidFill>
                   <a:schemeClr val="accent4"/>
                 </a:solidFill>
+                <a:latin typeface="Arial"/>
+                <a:cs typeface="Arial"/>
               </a:rPr>
               <a:t>доверять</a:t>
             </a:r>
@@ -18707,6 +18966,8 @@
               <a:solidFill>
                 <a:schemeClr val="accent4"/>
               </a:solidFill>
+              <a:latin typeface="Arial"/>
+              <a:cs typeface="Arial"/>
             </a:endParaRPr>
           </a:p>
           <a:p>
@@ -18723,6 +18984,8 @@
                 <a:solidFill>
                   <a:schemeClr val="accent4"/>
                 </a:solidFill>
+                <a:latin typeface="Arial"/>
+                <a:cs typeface="Arial"/>
               </a:rPr>
               <a:t>Если функция полностью покрыта модульными тестами, то вы не будете боятся ее изменить или даже полностью переписать</a:t>
             </a:r>
@@ -18742,7 +19005,7 @@
   <p:timing>
     <p:tnLst>
       <p:par>
-        <p:cTn id="1" dur="indefinite" restart="never" nodeType="tmRoot"/>
+        <p:cTn xmlns:p14="http://schemas.microsoft.com/office/powerpoint/2010/main" id="1" dur="indefinite" restart="never" nodeType="tmRoot"/>
       </p:par>
     </p:tnLst>
   </p:timing>
@@ -18803,8 +19066,8 @@
         </p:nvSpPr>
         <p:spPr bwMode="auto">
           <a:xfrm>
-            <a:off x="2000878" y="1924199"/>
-            <a:ext cx="5023841" cy="3009602"/>
+            <a:off x="838200" y="2062698"/>
+            <a:ext cx="7467600" cy="2732604"/>
           </a:xfrm>
           <a:prstGeom prst="rect">
             <a:avLst/>
@@ -18836,6 +19099,8 @@
                 <a:solidFill>
                   <a:schemeClr val="accent4"/>
                 </a:solidFill>
+                <a:latin typeface="Arial"/>
+                <a:cs typeface="Arial"/>
               </a:rPr>
               <a:t>Как правило, такой код имеет множество зависимостей: подключает различные lib и dll, посылает сообщения в сеть или другим компонентам, отображает что-то в GUI и т.д</a:t>
             </a:r>
@@ -18844,6 +19109,8 @@
                 <a:solidFill>
                   <a:schemeClr val="accent4"/>
                 </a:solidFill>
+                <a:latin typeface="Arial"/>
+                <a:cs typeface="Arial"/>
               </a:rPr>
               <a:t>.</a:t>
             </a:r>
@@ -18861,6 +19128,8 @@
               <a:solidFill>
                 <a:schemeClr val="accent4"/>
               </a:solidFill>
+              <a:latin typeface="Arial"/>
+              <a:cs typeface="Arial"/>
             </a:endParaRPr>
           </a:p>
           <a:p>
@@ -18877,6 +19146,8 @@
                 <a:solidFill>
                   <a:schemeClr val="accent4"/>
                 </a:solidFill>
+                <a:latin typeface="Arial"/>
+                <a:cs typeface="Arial"/>
               </a:rPr>
               <a:t>Итак, первое, что нам необходимо сделать – это избавиться от этих </a:t>
             </a:r>
@@ -18885,6 +19156,8 @@
                 <a:solidFill>
                   <a:schemeClr val="accent4"/>
                 </a:solidFill>
+                <a:latin typeface="Arial"/>
+                <a:cs typeface="Arial"/>
               </a:rPr>
               <a:t>зависимостей</a:t>
             </a:r>
@@ -18902,6 +19175,8 @@
               <a:solidFill>
                 <a:schemeClr val="accent4"/>
               </a:solidFill>
+              <a:latin typeface="Arial"/>
+              <a:cs typeface="Arial"/>
             </a:endParaRPr>
           </a:p>
           <a:p>
@@ -18918,6 +19193,8 @@
                 <a:solidFill>
                   <a:schemeClr val="accent4"/>
                 </a:solidFill>
+                <a:latin typeface="Arial"/>
+                <a:cs typeface="Arial"/>
               </a:rPr>
               <a:t>Для этого можно использовать уже знакомые нам mock- и stub-объекты</a:t>
             </a:r>
@@ -18937,7 +19214,7 @@
   <p:timing>
     <p:tnLst>
       <p:par>
-        <p:cTn id="1" dur="indefinite" restart="never" nodeType="tmRoot"/>
+        <p:cTn xmlns:p14="http://schemas.microsoft.com/office/powerpoint/2010/main" id="1" dur="indefinite" restart="never" nodeType="tmRoot"/>
       </p:par>
     </p:tnLst>
   </p:timing>
@@ -19002,8 +19279,8 @@
         </p:nvSpPr>
         <p:spPr bwMode="auto">
           <a:xfrm>
-            <a:off x="2000878" y="1924199"/>
-            <a:ext cx="5023841" cy="3286601"/>
+            <a:off x="887413" y="2062698"/>
+            <a:ext cx="7369175" cy="2732604"/>
           </a:xfrm>
           <a:prstGeom prst="rect">
             <a:avLst/>
@@ -19035,6 +19312,8 @@
                 <a:solidFill>
                   <a:schemeClr val="accent4"/>
                 </a:solidFill>
+                <a:latin typeface="Arial"/>
+                <a:cs typeface="Arial"/>
               </a:rPr>
               <a:t>Зачастую, этих средств недостаточно и необходимо проводить </a:t>
             </a:r>
@@ -19043,6 +19322,8 @@
                 <a:solidFill>
                   <a:schemeClr val="accent4"/>
                 </a:solidFill>
+                <a:latin typeface="Arial"/>
+                <a:cs typeface="Arial"/>
               </a:rPr>
               <a:t>рефакторинг</a:t>
             </a:r>
@@ -19050,6 +19331,8 @@
               <a:solidFill>
                 <a:schemeClr val="accent4"/>
               </a:solidFill>
+              <a:latin typeface="Arial"/>
+              <a:cs typeface="Arial"/>
             </a:endParaRPr>
           </a:p>
           <a:p>
@@ -19065,6 +19348,8 @@
               <a:solidFill>
                 <a:schemeClr val="accent4"/>
               </a:solidFill>
+              <a:latin typeface="Arial"/>
+              <a:cs typeface="Arial"/>
             </a:endParaRPr>
           </a:p>
           <a:p>
@@ -19081,6 +19366,8 @@
                 <a:solidFill>
                   <a:schemeClr val="accent4"/>
                 </a:solidFill>
+                <a:latin typeface="Arial"/>
+                <a:cs typeface="Arial"/>
               </a:rPr>
               <a:t>Здесь на помощь нам приходит паттерн “Dependency injection</a:t>
             </a:r>
@@ -19089,6 +19376,8 @@
                 <a:solidFill>
                   <a:schemeClr val="accent4"/>
                 </a:solidFill>
+                <a:latin typeface="Arial"/>
+                <a:cs typeface="Arial"/>
               </a:rPr>
               <a:t>”</a:t>
             </a:r>
@@ -19096,6 +19385,8 @@
               <a:solidFill>
                 <a:schemeClr val="accent4"/>
               </a:solidFill>
+              <a:latin typeface="Arial"/>
+              <a:cs typeface="Arial"/>
             </a:endParaRPr>
           </a:p>
           <a:p>
@@ -19111,6 +19402,8 @@
               <a:solidFill>
                 <a:schemeClr val="accent4"/>
               </a:solidFill>
+              <a:latin typeface="Arial"/>
+              <a:cs typeface="Arial"/>
             </a:endParaRPr>
           </a:p>
           <a:p>
@@ -19127,6 +19420,8 @@
                 <a:solidFill>
                   <a:schemeClr val="accent4"/>
                 </a:solidFill>
+                <a:latin typeface="Arial"/>
+                <a:cs typeface="Arial"/>
               </a:rPr>
               <a:t>Суть его заключается в следующем: если класс А использует класс В, то необходимо сделать так, чтобы конкретная реализация класса В передавалась классу А “извне”, а не определялась внутри него</a:t>
             </a:r>
@@ -19146,7 +19441,7 @@
   <p:timing>
     <p:tnLst>
       <p:par>
-        <p:cTn id="1" dur="indefinite" restart="never" nodeType="tmRoot"/>
+        <p:cTn xmlns:p14="http://schemas.microsoft.com/office/powerpoint/2010/main" id="1" dur="indefinite" restart="never" nodeType="tmRoot"/>
       </p:par>
     </p:tnLst>
   </p:timing>
@@ -19186,79 +19481,425 @@
           <a:lstStyle/>
           <a:p>
             <a:r>
-              <a:rPr lang="en-US" dirty="0"/>
-              <a:t>Dependency </a:t>
-            </a:r>
-            <a:r>
-              <a:rPr lang="en-US" dirty="0" smtClean="0"/>
-              <a:t>Injection (DI)</a:t>
-            </a:r>
-            <a:endParaRPr lang="en-US" dirty="0"/>
-          </a:p>
-        </p:txBody>
-      </p:sp>
-      <p:sp>
-        <p:nvSpPr>
-          <p:cNvPr id="5" name="Rectangle 4"/>
-          <p:cNvSpPr>
-            <a:spLocks noChangeArrowheads="1"/>
-          </p:cNvSpPr>
-          <p:nvPr>
-            <p:custDataLst>
-              <p:tags r:id="rId1"/>
-            </p:custDataLst>
-          </p:nvPr>
-        </p:nvSpPr>
-        <p:spPr bwMode="auto">
+              <a:rPr lang="ru-RU" dirty="0"/>
+              <a:t>Рассмотрим пример</a:t>
+            </a:r>
+            <a:endParaRPr lang="ru-RU" dirty="0"/>
+          </a:p>
+        </p:txBody>
+      </p:sp>
+      <p:sp>
+        <p:nvSpPr>
+          <p:cNvPr id="4" name="Rectangle 3"/>
+          <p:cNvSpPr/>
+          <p:nvPr/>
+        </p:nvSpPr>
+        <p:spPr>
           <a:xfrm>
-            <a:off x="2000878" y="1924199"/>
-            <a:ext cx="5023841" cy="516612"/>
+            <a:off x="381000" y="1249947"/>
+            <a:ext cx="9753600" cy="3539430"/>
           </a:xfrm>
           <a:prstGeom prst="rect">
             <a:avLst/>
           </a:prstGeom>
-          <a:noFill/>
-          <a:ln w="19050">
-            <a:noFill/>
-            <a:miter lim="800000"/>
-            <a:headEnd/>
-            <a:tailEnd/>
-          </a:ln>
         </p:spPr>
         <p:txBody>
-          <a:bodyPr wrap="square" lIns="93296" tIns="144000" rIns="93296" bIns="93296">
+          <a:bodyPr wrap="square">
             <a:spAutoFit/>
           </a:bodyPr>
           <a:lstStyle/>
           <a:p>
-            <a:pPr marL="287338" indent="-287338" defTabSz="803275">
-              <a:buClr>
-                <a:srgbClr val="FF6600"/>
-              </a:buClr>
-              <a:buSzPct val="125000"/>
-              <a:buFont typeface="Wingdings" charset="0"/>
-              <a:buChar char="§"/>
-            </a:pPr>
-            <a:r>
-              <a:rPr lang="ru-RU" dirty="0" smtClean="0">
-                <a:solidFill>
-                  <a:schemeClr val="accent4"/>
-                </a:solidFill>
+            <a:r>
+              <a:rPr lang="en-US" sz="1600" b="1" dirty="0">
+                <a:solidFill>
+                  <a:srgbClr val="000080"/>
+                </a:solidFill>
+                <a:latin typeface="Menlo"/>
               </a:rPr>
-              <a:t>Пример</a:t>
-            </a:r>
-            <a:r>
-              <a:rPr lang="en-US" dirty="0" smtClean="0">
-                <a:solidFill>
-                  <a:schemeClr val="accent4"/>
-                </a:solidFill>
+              <a:t>public interface</a:t>
+            </a:r>
+            <a:r>
+              <a:rPr lang="en-US" sz="1600" dirty="0">
+                <a:solidFill>
+                  <a:srgbClr val="000080"/>
+                </a:solidFill>
+                <a:latin typeface="Menlo"/>
               </a:rPr>
-              <a:t> …</a:t>
-            </a:r>
-            <a:endParaRPr lang="ru-RU" dirty="0">
+              <a:t> </a:t>
+            </a:r>
+            <a:r>
+              <a:rPr lang="en-US" sz="1600" dirty="0" err="1">
+                <a:solidFill>
+                  <a:srgbClr val="000000"/>
+                </a:solidFill>
+                <a:latin typeface="Menlo"/>
+              </a:rPr>
+              <a:t>ISoundProvider</a:t>
+            </a:r>
+            <a:r>
+              <a:rPr lang="en-US" sz="1600" dirty="0">
+                <a:solidFill>
+                  <a:srgbClr val="000000"/>
+                </a:solidFill>
+                <a:latin typeface="Menlo"/>
+              </a:rPr>
+              <a:t> {</a:t>
+            </a:r>
+          </a:p>
+          <a:p>
+            <a:r>
+              <a:rPr lang="fi-FI" sz="1600" dirty="0">
+                <a:latin typeface="Menlo"/>
+              </a:rPr>
+              <a:t>    </a:t>
+            </a:r>
+            <a:r>
+              <a:rPr lang="fi-FI" sz="1600" dirty="0" err="1">
+                <a:solidFill>
+                  <a:srgbClr val="4C73A6"/>
+                </a:solidFill>
+                <a:latin typeface="Menlo"/>
+              </a:rPr>
+              <a:t>void</a:t>
+            </a:r>
+            <a:r>
+              <a:rPr lang="fi-FI" sz="1600" dirty="0">
+                <a:solidFill>
+                  <a:srgbClr val="4C73A6"/>
+                </a:solidFill>
+                <a:latin typeface="Menlo"/>
+              </a:rPr>
+              <a:t> </a:t>
+            </a:r>
+            <a:r>
+              <a:rPr lang="fi-FI" sz="1600" dirty="0">
+                <a:solidFill>
+                  <a:srgbClr val="000000"/>
+                </a:solidFill>
+                <a:latin typeface="Menlo"/>
+              </a:rPr>
+              <a:t>Read();</a:t>
+            </a:r>
+          </a:p>
+          <a:p>
+            <a:r>
+              <a:rPr lang="fi-FI" sz="1600" dirty="0">
+                <a:latin typeface="Menlo"/>
+              </a:rPr>
+              <a:t>    </a:t>
+            </a:r>
+            <a:r>
+              <a:rPr lang="fi-FI" sz="1600" dirty="0" err="1">
+                <a:solidFill>
+                  <a:srgbClr val="4C73A6"/>
+                </a:solidFill>
+                <a:latin typeface="Menlo"/>
+              </a:rPr>
+              <a:t>void</a:t>
+            </a:r>
+            <a:r>
+              <a:rPr lang="fi-FI" sz="1600" dirty="0">
+                <a:solidFill>
+                  <a:srgbClr val="4C73A6"/>
+                </a:solidFill>
+                <a:latin typeface="Menlo"/>
+              </a:rPr>
+              <a:t> </a:t>
+            </a:r>
+            <a:r>
+              <a:rPr lang="fi-FI" sz="1600" dirty="0">
+                <a:solidFill>
+                  <a:srgbClr val="000000"/>
+                </a:solidFill>
+                <a:latin typeface="Menlo"/>
+              </a:rPr>
+              <a:t>Write();</a:t>
+            </a:r>
+          </a:p>
+          <a:p>
+            <a:r>
+              <a:rPr lang="en-US" sz="1600" dirty="0">
+                <a:solidFill>
+                  <a:srgbClr val="000000"/>
+                </a:solidFill>
+                <a:latin typeface="Menlo"/>
+              </a:rPr>
+              <a:t>}</a:t>
+            </a:r>
+          </a:p>
+          <a:p>
+            <a:endParaRPr lang="en-US" sz="1600" dirty="0">
+              <a:latin typeface="Menlo"/>
+            </a:endParaRPr>
+          </a:p>
+          <a:p>
+            <a:r>
+              <a:rPr lang="en-US" sz="1600" b="1" dirty="0">
+                <a:solidFill>
+                  <a:srgbClr val="000080"/>
+                </a:solidFill>
+                <a:latin typeface="Menlo"/>
+              </a:rPr>
+              <a:t>public class</a:t>
+            </a:r>
+            <a:r>
+              <a:rPr lang="en-US" sz="1600" dirty="0">
+                <a:solidFill>
+                  <a:srgbClr val="000080"/>
+                </a:solidFill>
+                <a:latin typeface="Menlo"/>
+              </a:rPr>
+              <a:t> </a:t>
+            </a:r>
+            <a:r>
+              <a:rPr lang="en-US" sz="1600" dirty="0" err="1">
+                <a:solidFill>
+                  <a:srgbClr val="000000"/>
+                </a:solidFill>
+                <a:latin typeface="Menlo"/>
+              </a:rPr>
+              <a:t>FileSoundProvider</a:t>
+            </a:r>
+            <a:r>
+              <a:rPr lang="en-US" sz="1600" dirty="0">
+                <a:solidFill>
+                  <a:srgbClr val="000000"/>
+                </a:solidFill>
+                <a:latin typeface="Menlo"/>
+              </a:rPr>
+              <a:t> </a:t>
+            </a:r>
+            <a:r>
+              <a:rPr lang="en-US" sz="1600" b="1" dirty="0">
+                <a:solidFill>
+                  <a:srgbClr val="000080"/>
+                </a:solidFill>
+                <a:latin typeface="Menlo"/>
+              </a:rPr>
+              <a:t>implements</a:t>
+            </a:r>
+            <a:r>
+              <a:rPr lang="en-US" sz="1600" dirty="0">
+                <a:solidFill>
+                  <a:srgbClr val="000080"/>
+                </a:solidFill>
+                <a:latin typeface="Menlo"/>
+              </a:rPr>
+              <a:t> </a:t>
+            </a:r>
+            <a:r>
+              <a:rPr lang="en-US" sz="1600" dirty="0" err="1">
+                <a:solidFill>
+                  <a:srgbClr val="000000"/>
+                </a:solidFill>
+                <a:latin typeface="Menlo"/>
+              </a:rPr>
+              <a:t>ISoundProvider</a:t>
+            </a:r>
+            <a:r>
+              <a:rPr lang="en-US" sz="1600" dirty="0">
+                <a:solidFill>
+                  <a:srgbClr val="000000"/>
+                </a:solidFill>
+                <a:latin typeface="Menlo"/>
+              </a:rPr>
+              <a:t> {</a:t>
+            </a:r>
+          </a:p>
+          <a:p>
+            <a:r>
+              <a:rPr lang="fi-FI" sz="1600" dirty="0">
+                <a:latin typeface="Menlo"/>
+              </a:rPr>
+              <a:t>    </a:t>
+            </a:r>
+            <a:r>
+              <a:rPr lang="fi-FI" sz="1600" dirty="0" err="1">
+                <a:solidFill>
+                  <a:srgbClr val="4C73A6"/>
+                </a:solidFill>
+                <a:latin typeface="Menlo"/>
+              </a:rPr>
+              <a:t>void</a:t>
+            </a:r>
+            <a:r>
+              <a:rPr lang="fi-FI" sz="1600" dirty="0">
+                <a:solidFill>
+                  <a:srgbClr val="4C73A6"/>
+                </a:solidFill>
+                <a:latin typeface="Menlo"/>
+              </a:rPr>
+              <a:t> </a:t>
+            </a:r>
+            <a:r>
+              <a:rPr lang="fi-FI" sz="1600" dirty="0">
+                <a:solidFill>
+                  <a:srgbClr val="000000"/>
+                </a:solidFill>
+                <a:latin typeface="Menlo"/>
+              </a:rPr>
+              <a:t>Read() {</a:t>
+            </a:r>
+          </a:p>
+          <a:p>
+            <a:r>
+              <a:rPr lang="en-US" sz="1600" dirty="0">
+                <a:latin typeface="Menlo"/>
+              </a:rPr>
+              <a:t>        </a:t>
+            </a:r>
+            <a:r>
+              <a:rPr lang="en-US" sz="1600" i="1" dirty="0">
+                <a:solidFill>
+                  <a:srgbClr val="BFBFBF"/>
+                </a:solidFill>
+                <a:latin typeface="Menlo"/>
+              </a:rPr>
+              <a:t>//implements reading audio from file</a:t>
+            </a:r>
+            <a:endParaRPr lang="en-US" sz="1600" dirty="0">
               <a:solidFill>
-                <a:schemeClr val="accent4"/>
+                <a:srgbClr val="000000"/>
               </a:solidFill>
+              <a:latin typeface="Menlo"/>
+            </a:endParaRPr>
+          </a:p>
+          <a:p>
+            <a:r>
+              <a:rPr lang="en-US" sz="1600" dirty="0">
+                <a:latin typeface="Menlo"/>
+              </a:rPr>
+              <a:t>    </a:t>
+            </a:r>
+            <a:r>
+              <a:rPr lang="en-US" sz="1600" dirty="0">
+                <a:solidFill>
+                  <a:srgbClr val="000000"/>
+                </a:solidFill>
+                <a:latin typeface="Menlo"/>
+              </a:rPr>
+              <a:t>} </a:t>
+            </a:r>
+            <a:endParaRPr lang="en-US" sz="1600" i="1" dirty="0" smtClean="0">
+              <a:solidFill>
+                <a:srgbClr val="BFBFBF"/>
+              </a:solidFill>
+              <a:latin typeface="Menlo"/>
+            </a:endParaRPr>
+          </a:p>
+          <a:p>
+            <a:endParaRPr lang="en-US" sz="1600" dirty="0">
+              <a:solidFill>
+                <a:srgbClr val="BFBFBF"/>
+              </a:solidFill>
+              <a:latin typeface="Menlo"/>
+            </a:endParaRPr>
+          </a:p>
+          <a:p>
+            <a:r>
+              <a:rPr lang="fi-FI" sz="1600" dirty="0">
+                <a:latin typeface="Menlo"/>
+              </a:rPr>
+              <a:t>    </a:t>
+            </a:r>
+            <a:r>
+              <a:rPr lang="fi-FI" sz="1600" dirty="0" err="1">
+                <a:solidFill>
+                  <a:srgbClr val="4C73A6"/>
+                </a:solidFill>
+                <a:latin typeface="Menlo"/>
+              </a:rPr>
+              <a:t>void</a:t>
+            </a:r>
+            <a:r>
+              <a:rPr lang="fi-FI" sz="1600" dirty="0">
+                <a:solidFill>
+                  <a:srgbClr val="4C73A6"/>
+                </a:solidFill>
+                <a:latin typeface="Menlo"/>
+              </a:rPr>
+              <a:t> </a:t>
+            </a:r>
+            <a:r>
+              <a:rPr lang="fi-FI" sz="1600" dirty="0">
+                <a:solidFill>
+                  <a:srgbClr val="000000"/>
+                </a:solidFill>
+                <a:latin typeface="Menlo"/>
+              </a:rPr>
+              <a:t>Write () {</a:t>
+            </a:r>
+          </a:p>
+          <a:p>
+            <a:r>
+              <a:rPr lang="en-US" sz="1600" dirty="0">
+                <a:latin typeface="Menlo"/>
+              </a:rPr>
+              <a:t>       </a:t>
+            </a:r>
+            <a:r>
+              <a:rPr lang="en-US" sz="1600" dirty="0" smtClean="0">
+                <a:latin typeface="Menlo"/>
+              </a:rPr>
+              <a:t> </a:t>
+            </a:r>
+            <a:r>
+              <a:rPr lang="en-US" sz="1600" i="1" dirty="0">
+                <a:solidFill>
+                  <a:srgbClr val="BFBFBF"/>
+                </a:solidFill>
+                <a:latin typeface="Menlo"/>
+              </a:rPr>
+              <a:t>//implements writing audio to </a:t>
+            </a:r>
+            <a:r>
+              <a:rPr lang="en-US" sz="1600" i="1" dirty="0" smtClean="0">
+                <a:solidFill>
+                  <a:srgbClr val="BFBFBF"/>
+                </a:solidFill>
+                <a:latin typeface="Menlo"/>
+              </a:rPr>
+              <a:t>file</a:t>
+            </a:r>
+            <a:endParaRPr lang="en-US" sz="1600" dirty="0">
+              <a:solidFill>
+                <a:srgbClr val="000000"/>
+              </a:solidFill>
+              <a:latin typeface="Menlo"/>
+            </a:endParaRPr>
+          </a:p>
+          <a:p>
+            <a:r>
+              <a:rPr lang="en-US" sz="1600" dirty="0">
+                <a:latin typeface="Menlo"/>
+              </a:rPr>
+              <a:t>    </a:t>
+            </a:r>
+            <a:r>
+              <a:rPr lang="en-US" sz="1600" dirty="0" smtClean="0">
+                <a:solidFill>
+                  <a:srgbClr val="000000"/>
+                </a:solidFill>
+                <a:latin typeface="Menlo"/>
+              </a:rPr>
+              <a:t>}</a:t>
+            </a:r>
+          </a:p>
+          <a:p>
+            <a:r>
+              <a:rPr lang="en-US" sz="1600" dirty="0" smtClean="0">
+                <a:solidFill>
+                  <a:srgbClr val="000000"/>
+                </a:solidFill>
+                <a:latin typeface="Menlo"/>
+              </a:rPr>
+              <a:t>}</a:t>
+            </a:r>
+            <a:endParaRPr lang="en-US" sz="1600" dirty="0">
+              <a:solidFill>
+                <a:srgbClr val="000000"/>
+              </a:solidFill>
+              <a:latin typeface="Menlo"/>
             </a:endParaRPr>
           </a:p>
         </p:txBody>
@@ -19276,7 +19917,7 @@
   <p:timing>
     <p:tnLst>
       <p:par>
-        <p:cTn id="1" dur="indefinite" restart="never" nodeType="tmRoot"/>
+        <p:cTn xmlns:p14="http://schemas.microsoft.com/office/powerpoint/2010/main" id="1" dur="indefinite" restart="never" nodeType="tmRoot"/>
       </p:par>
     </p:tnLst>
   </p:timing>
@@ -19316,57 +19957,387 @@
           <a:lstStyle/>
           <a:p>
             <a:r>
-              <a:rPr lang="en-US" dirty="0"/>
-              <a:t>Dependency </a:t>
-            </a:r>
-            <a:r>
-              <a:rPr lang="en-US" dirty="0" smtClean="0"/>
-              <a:t>Injection (DI)</a:t>
-            </a:r>
-            <a:endParaRPr lang="en-US" dirty="0"/>
-          </a:p>
-        </p:txBody>
-      </p:sp>
-      <p:sp>
-        <p:nvSpPr>
-          <p:cNvPr id="5" name="Rectangle 4"/>
-          <p:cNvSpPr>
-            <a:spLocks noChangeArrowheads="1"/>
-          </p:cNvSpPr>
-          <p:nvPr>
-            <p:custDataLst>
-              <p:tags r:id="rId1"/>
-            </p:custDataLst>
-          </p:nvPr>
-        </p:nvSpPr>
-        <p:spPr bwMode="auto">
+              <a:rPr lang="ru-RU" dirty="0"/>
+              <a:t>Рассмотрим пример</a:t>
+            </a:r>
+            <a:endParaRPr lang="ru-RU" dirty="0"/>
+          </a:p>
+        </p:txBody>
+      </p:sp>
+      <p:sp>
+        <p:nvSpPr>
+          <p:cNvPr id="4" name="Rectangle 3"/>
+          <p:cNvSpPr/>
+          <p:nvPr/>
+        </p:nvSpPr>
+        <p:spPr>
           <a:xfrm>
-            <a:off x="2000878" y="1924199"/>
-            <a:ext cx="5023841" cy="3286601"/>
+            <a:off x="381000" y="1249947"/>
+            <a:ext cx="9753600" cy="2554545"/>
           </a:xfrm>
           <a:prstGeom prst="rect">
             <a:avLst/>
           </a:prstGeom>
-          <a:noFill/>
-          <a:ln w="19050">
-            <a:noFill/>
-            <a:miter lim="800000"/>
-            <a:headEnd/>
-            <a:tailEnd/>
-          </a:ln>
         </p:spPr>
         <p:txBody>
-          <a:bodyPr wrap="square" lIns="93296" tIns="144000" rIns="93296" bIns="93296">
+          <a:bodyPr wrap="square">
             <a:spAutoFit/>
           </a:bodyPr>
           <a:lstStyle/>
           <a:p>
-            <a:pPr marL="287338" indent="-287338" defTabSz="803275">
+            <a:r>
+              <a:rPr lang="en-US" sz="1600" b="1" dirty="0">
+                <a:solidFill>
+                  <a:srgbClr val="000080"/>
+                </a:solidFill>
+                <a:latin typeface="Menlo"/>
+              </a:rPr>
+              <a:t>public class</a:t>
+            </a:r>
+            <a:r>
+              <a:rPr lang="en-US" sz="1600" dirty="0">
+                <a:solidFill>
+                  <a:srgbClr val="000080"/>
+                </a:solidFill>
+                <a:latin typeface="Menlo"/>
+              </a:rPr>
+              <a:t> </a:t>
+            </a:r>
+            <a:r>
+              <a:rPr lang="en-US" sz="1600" dirty="0" err="1">
+                <a:solidFill>
+                  <a:srgbClr val="000000"/>
+                </a:solidFill>
+                <a:latin typeface="Menlo"/>
+              </a:rPr>
+              <a:t>ExternalSoundProvider</a:t>
+            </a:r>
+            <a:r>
+              <a:rPr lang="en-US" sz="1600" dirty="0">
+                <a:solidFill>
+                  <a:srgbClr val="000000"/>
+                </a:solidFill>
+                <a:latin typeface="Menlo"/>
+              </a:rPr>
+              <a:t> </a:t>
+            </a:r>
+            <a:r>
+              <a:rPr lang="en-US" sz="1600" b="1" dirty="0" smtClean="0">
+                <a:solidFill>
+                  <a:srgbClr val="000080"/>
+                </a:solidFill>
+                <a:latin typeface="Menlo"/>
+              </a:rPr>
+              <a:t>implements</a:t>
+            </a:r>
+            <a:r>
+              <a:rPr lang="en-US" sz="1600" dirty="0" smtClean="0">
+                <a:solidFill>
+                  <a:srgbClr val="000080"/>
+                </a:solidFill>
+                <a:latin typeface="Menlo"/>
+              </a:rPr>
+              <a:t> </a:t>
+            </a:r>
+            <a:r>
+              <a:rPr lang="en-US" sz="1600" dirty="0" err="1" smtClean="0">
+                <a:solidFill>
+                  <a:srgbClr val="000000"/>
+                </a:solidFill>
+                <a:latin typeface="Menlo"/>
+              </a:rPr>
+              <a:t>ISoundProvider</a:t>
+            </a:r>
+            <a:r>
+              <a:rPr lang="en-US" sz="1600" dirty="0" smtClean="0">
+                <a:solidFill>
+                  <a:srgbClr val="000000"/>
+                </a:solidFill>
+                <a:latin typeface="Menlo"/>
+              </a:rPr>
+              <a:t> </a:t>
+            </a:r>
+            <a:r>
+              <a:rPr lang="en-US" sz="1600" dirty="0">
+                <a:solidFill>
+                  <a:srgbClr val="000000"/>
+                </a:solidFill>
+                <a:latin typeface="Menlo"/>
+              </a:rPr>
+              <a:t>{</a:t>
+            </a:r>
+          </a:p>
+          <a:p>
+            <a:r>
+              <a:rPr lang="en-US" sz="1600" dirty="0" smtClean="0">
+                <a:solidFill>
+                  <a:srgbClr val="4C73A6"/>
+                </a:solidFill>
+                <a:latin typeface="Menlo"/>
+              </a:rPr>
+              <a:t>	void </a:t>
+            </a:r>
+            <a:r>
+              <a:rPr lang="en-US" sz="1600" dirty="0">
+                <a:solidFill>
+                  <a:srgbClr val="000000"/>
+                </a:solidFill>
+                <a:latin typeface="Menlo"/>
+              </a:rPr>
+              <a:t>Read() </a:t>
+            </a:r>
+            <a:r>
+              <a:rPr lang="en-US" sz="1600" dirty="0" smtClean="0">
+                <a:solidFill>
+                  <a:srgbClr val="000000"/>
+                </a:solidFill>
+                <a:latin typeface="Menlo"/>
+              </a:rPr>
+              <a:t>{</a:t>
+            </a:r>
+          </a:p>
+          <a:p>
+            <a:r>
+              <a:rPr lang="en-US" sz="1600" i="1" dirty="0">
+                <a:solidFill>
+                  <a:srgbClr val="000000"/>
+                </a:solidFill>
+                <a:latin typeface="Menlo"/>
+              </a:rPr>
+              <a:t>	</a:t>
+            </a:r>
+            <a:r>
+              <a:rPr lang="en-US" sz="1600" i="1" dirty="0" smtClean="0">
+                <a:solidFill>
+                  <a:srgbClr val="000000"/>
+                </a:solidFill>
+                <a:latin typeface="Menlo"/>
+              </a:rPr>
+              <a:t>	</a:t>
+            </a:r>
+            <a:r>
+              <a:rPr lang="en-US" sz="1600" i="1" dirty="0" smtClean="0">
+                <a:solidFill>
+                  <a:srgbClr val="BFBFBF"/>
+                </a:solidFill>
+                <a:latin typeface="Menlo"/>
+              </a:rPr>
+              <a:t>/</a:t>
+            </a:r>
+            <a:r>
+              <a:rPr lang="en-US" sz="1600" i="1" dirty="0">
+                <a:solidFill>
+                  <a:srgbClr val="BFBFBF"/>
+                </a:solidFill>
+                <a:latin typeface="Menlo"/>
+              </a:rPr>
+              <a:t>/implements reading audio from </a:t>
+            </a:r>
+            <a:r>
+              <a:rPr lang="en-US" sz="1600" i="1" dirty="0" smtClean="0">
+                <a:solidFill>
+                  <a:srgbClr val="BFBFBF"/>
+                </a:solidFill>
+                <a:latin typeface="Menlo"/>
+              </a:rPr>
+              <a:t>external device</a:t>
+            </a:r>
+          </a:p>
+          <a:p>
+            <a:r>
+              <a:rPr lang="en-US" sz="1600" i="1" dirty="0">
+                <a:solidFill>
+                  <a:srgbClr val="BFBFBF"/>
+                </a:solidFill>
+                <a:latin typeface="Menlo"/>
+              </a:rPr>
+              <a:t>	</a:t>
+            </a:r>
+            <a:r>
+              <a:rPr lang="en-US" sz="1600" dirty="0" smtClean="0">
+                <a:solidFill>
+                  <a:srgbClr val="161645"/>
+                </a:solidFill>
+                <a:latin typeface="Menlo"/>
+              </a:rPr>
+              <a:t>}</a:t>
+            </a:r>
+            <a:endParaRPr lang="en-US" sz="1600" dirty="0">
+              <a:solidFill>
+                <a:srgbClr val="161645"/>
+              </a:solidFill>
+              <a:latin typeface="Menlo"/>
+            </a:endParaRPr>
+          </a:p>
+          <a:p>
+            <a:r>
+              <a:rPr lang="en-US" sz="1600" dirty="0">
+                <a:latin typeface="Menlo"/>
+              </a:rPr>
+              <a:t>        </a:t>
+            </a:r>
+            <a:endParaRPr lang="en-US" sz="1600" dirty="0" smtClean="0">
+              <a:latin typeface="Menlo"/>
+            </a:endParaRPr>
+          </a:p>
+          <a:p>
+            <a:r>
+              <a:rPr lang="en-US" sz="1600" dirty="0">
+                <a:solidFill>
+                  <a:srgbClr val="4C73A6"/>
+                </a:solidFill>
+                <a:latin typeface="Menlo"/>
+              </a:rPr>
+              <a:t>	</a:t>
+            </a:r>
+            <a:r>
+              <a:rPr lang="en-US" sz="1600" dirty="0" smtClean="0">
+                <a:solidFill>
+                  <a:srgbClr val="4C73A6"/>
+                </a:solidFill>
+                <a:latin typeface="Menlo"/>
+              </a:rPr>
+              <a:t>void </a:t>
+            </a:r>
+            <a:r>
+              <a:rPr lang="en-US" sz="1600" dirty="0">
+                <a:solidFill>
+                  <a:srgbClr val="000000"/>
+                </a:solidFill>
+                <a:latin typeface="Menlo"/>
+              </a:rPr>
+              <a:t>Write() </a:t>
+            </a:r>
+            <a:r>
+              <a:rPr lang="en-US" sz="1600" dirty="0" smtClean="0">
+                <a:solidFill>
+                  <a:srgbClr val="000000"/>
+                </a:solidFill>
+                <a:latin typeface="Menlo"/>
+              </a:rPr>
+              <a:t>{</a:t>
+            </a:r>
+          </a:p>
+          <a:p>
+            <a:r>
+              <a:rPr lang="en-US" sz="1600" i="1" dirty="0">
+                <a:solidFill>
+                  <a:srgbClr val="000000"/>
+                </a:solidFill>
+                <a:latin typeface="Menlo"/>
+              </a:rPr>
+              <a:t>	</a:t>
+            </a:r>
+            <a:r>
+              <a:rPr lang="en-US" sz="1600" i="1" dirty="0" smtClean="0">
+                <a:solidFill>
+                  <a:srgbClr val="000000"/>
+                </a:solidFill>
+                <a:latin typeface="Menlo"/>
+              </a:rPr>
+              <a:t>	</a:t>
+            </a:r>
+            <a:r>
+              <a:rPr lang="en-US" sz="1600" i="1" dirty="0" smtClean="0">
+                <a:solidFill>
+                  <a:srgbClr val="BFBFBF"/>
+                </a:solidFill>
+                <a:latin typeface="Menlo"/>
+              </a:rPr>
+              <a:t>/</a:t>
+            </a:r>
+            <a:r>
+              <a:rPr lang="en-US" sz="1600" i="1" dirty="0">
+                <a:solidFill>
+                  <a:srgbClr val="BFBFBF"/>
+                </a:solidFill>
+                <a:latin typeface="Menlo"/>
+              </a:rPr>
+              <a:t>/implements writing audio to </a:t>
+            </a:r>
+            <a:r>
+              <a:rPr lang="en-US" sz="1600" i="1" dirty="0" smtClean="0">
+                <a:solidFill>
+                  <a:srgbClr val="BFBFBF"/>
+                </a:solidFill>
+                <a:latin typeface="Menlo"/>
+              </a:rPr>
+              <a:t>external device</a:t>
+            </a:r>
+          </a:p>
+          <a:p>
+            <a:r>
+              <a:rPr lang="en-US" sz="1600" i="1" dirty="0">
+                <a:solidFill>
+                  <a:srgbClr val="BFBFBF"/>
+                </a:solidFill>
+                <a:latin typeface="Menlo"/>
+              </a:rPr>
+              <a:t>	</a:t>
+            </a:r>
+            <a:r>
+              <a:rPr lang="en-US" sz="1600" dirty="0" smtClean="0">
+                <a:latin typeface="Menlo"/>
+              </a:rPr>
+              <a:t>}</a:t>
+            </a:r>
+            <a:endParaRPr lang="en-US" sz="1600" dirty="0">
+              <a:latin typeface="Menlo"/>
+            </a:endParaRPr>
+          </a:p>
+          <a:p>
+            <a:r>
+              <a:rPr lang="en-US" sz="1600" dirty="0" smtClean="0">
+                <a:solidFill>
+                  <a:srgbClr val="000000"/>
+                </a:solidFill>
+                <a:latin typeface="Menlo"/>
+              </a:rPr>
+              <a:t>}</a:t>
+            </a:r>
+            <a:endParaRPr lang="en-US" sz="1600" dirty="0">
+              <a:solidFill>
+                <a:srgbClr val="000000"/>
+              </a:solidFill>
+              <a:latin typeface="Menlo"/>
+            </a:endParaRPr>
+          </a:p>
+          <a:p>
+            <a:r>
+              <a:rPr lang="en-US" sz="1600" dirty="0">
+                <a:latin typeface="Menlo"/>
+              </a:rPr>
+              <a:t>        </a:t>
+            </a:r>
+          </a:p>
+        </p:txBody>
+      </p:sp>
+      <p:sp>
+        <p:nvSpPr>
+          <p:cNvPr id="3" name="Rectangle 2"/>
+          <p:cNvSpPr/>
+          <p:nvPr/>
+        </p:nvSpPr>
+        <p:spPr>
+          <a:xfrm>
+            <a:off x="394368" y="3971835"/>
+            <a:ext cx="7467600" cy="1200329"/>
+          </a:xfrm>
+          <a:prstGeom prst="rect">
+            <a:avLst/>
+          </a:prstGeom>
+        </p:spPr>
+        <p:txBody>
+          <a:bodyPr wrap="square">
+            <a:spAutoFit/>
+          </a:bodyPr>
+          <a:lstStyle/>
+          <a:p>
+            <a:pPr marL="285750" indent="-285750">
               <a:buClr>
-                <a:srgbClr val="FF6600"/>
+                <a:schemeClr val="accent3"/>
               </a:buClr>
-              <a:buSzPct val="125000"/>
-              <a:buFont typeface="Wingdings" charset="0"/>
+              <a:buFont typeface="Wingdings" charset="2"/>
               <a:buChar char="§"/>
             </a:pPr>
             <a:r>
@@ -19374,45 +20345,71 @@
                 <a:solidFill>
                   <a:schemeClr val="accent4"/>
                 </a:solidFill>
+                <a:latin typeface="Arial"/>
+                <a:cs typeface="Arial"/>
               </a:rPr>
-              <a:t>Несмотря на то, что данный класс использует интерфейс, смысла в этом нет, поскольку конкретная реализация задается в этом же </a:t>
+              <a:t>У</a:t>
             </a:r>
             <a:r>
               <a:rPr lang="ru-RU" dirty="0" smtClean="0">
                 <a:solidFill>
                   <a:schemeClr val="accent4"/>
                 </a:solidFill>
+                <a:latin typeface="Arial"/>
+                <a:cs typeface="Arial"/>
               </a:rPr>
-              <a:t>классе</a:t>
+              <a:t> </a:t>
+            </a:r>
+            <a:r>
+              <a:rPr lang="ru-RU" dirty="0">
+                <a:solidFill>
+                  <a:schemeClr val="accent4"/>
+                </a:solidFill>
+                <a:latin typeface="Arial"/>
+                <a:cs typeface="Arial"/>
+              </a:rPr>
+              <a:t>нас есть интерфейс и две его </a:t>
+            </a:r>
+            <a:r>
+              <a:rPr lang="ru-RU" dirty="0" smtClean="0">
+                <a:solidFill>
+                  <a:schemeClr val="accent4"/>
+                </a:solidFill>
+                <a:latin typeface="Arial"/>
+                <a:cs typeface="Arial"/>
+              </a:rPr>
+              <a:t>реализации</a:t>
             </a:r>
             <a:endParaRPr lang="en-US" dirty="0" smtClean="0">
               <a:solidFill>
                 <a:schemeClr val="accent4"/>
               </a:solidFill>
+              <a:latin typeface="Arial"/>
+              <a:cs typeface="Arial"/>
             </a:endParaRPr>
           </a:p>
           <a:p>
-            <a:pPr marL="287338" indent="-287338" defTabSz="803275">
+            <a:pPr marL="285750" indent="-285750">
               <a:buClr>
-                <a:srgbClr val="FF6600"/>
+                <a:schemeClr val="accent3"/>
               </a:buClr>
-              <a:buSzPct val="125000"/>
-              <a:buFont typeface="Wingdings" charset="0"/>
+              <a:buFont typeface="Wingdings" charset="2"/>
               <a:buChar char="§"/>
             </a:pPr>
             <a:endParaRPr lang="ru-RU" dirty="0">
               <a:solidFill>
                 <a:schemeClr val="accent4"/>
               </a:solidFill>
+              <a:latin typeface="Arial"/>
+              <a:cs typeface="Arial"/>
             </a:endParaRPr>
           </a:p>
           <a:p>
-            <a:pPr marL="287338" indent="-287338" defTabSz="803275">
+            <a:pPr marL="285750" indent="-285750">
               <a:buClr>
-                <a:srgbClr val="FF6600"/>
+                <a:schemeClr val="accent3"/>
               </a:buClr>
-              <a:buSzPct val="125000"/>
-              <a:buFont typeface="Wingdings" charset="0"/>
+              <a:buFont typeface="Wingdings" charset="2"/>
               <a:buChar char="§"/>
             </a:pPr>
             <a:r>
@@ -19420,54 +20417,10 @@
                 <a:solidFill>
                   <a:schemeClr val="accent4"/>
                 </a:solidFill>
+                <a:latin typeface="Arial"/>
+                <a:cs typeface="Arial"/>
               </a:rPr>
-              <a:t>Модифицируем код этого класса для того, чтобы он получал реализацию интерфейса “извне</a:t>
-            </a:r>
-            <a:r>
-              <a:rPr lang="ru-RU" dirty="0" smtClean="0">
-                <a:solidFill>
-                  <a:schemeClr val="accent4"/>
-                </a:solidFill>
-              </a:rPr>
-              <a:t>”</a:t>
-            </a:r>
-            <a:endParaRPr lang="en-US" dirty="0" smtClean="0">
-              <a:solidFill>
-                <a:schemeClr val="accent4"/>
-              </a:solidFill>
-            </a:endParaRPr>
-          </a:p>
-          <a:p>
-            <a:pPr marL="287338" indent="-287338" defTabSz="803275">
-              <a:buClr>
-                <a:srgbClr val="FF6600"/>
-              </a:buClr>
-              <a:buSzPct val="125000"/>
-              <a:buFont typeface="Wingdings" charset="0"/>
-              <a:buChar char="§"/>
-            </a:pPr>
-            <a:endParaRPr lang="ru-RU" dirty="0">
-              <a:solidFill>
-                <a:schemeClr val="accent4"/>
-              </a:solidFill>
-            </a:endParaRPr>
-          </a:p>
-          <a:p>
-            <a:pPr marL="287338" indent="-287338" defTabSz="803275">
-              <a:buClr>
-                <a:srgbClr val="FF6600"/>
-              </a:buClr>
-              <a:buSzPct val="125000"/>
-              <a:buFont typeface="Wingdings" charset="0"/>
-              <a:buChar char="§"/>
-            </a:pPr>
-            <a:r>
-              <a:rPr lang="ru-RU" dirty="0">
-                <a:solidFill>
-                  <a:schemeClr val="accent4"/>
-                </a:solidFill>
-              </a:rPr>
-              <a:t>Для этого достаточно немного изменить конструктор</a:t>
+              <a:t>Рассмотрим класс, использующий одну из реализаций этого интерфейса</a:t>
             </a:r>
           </a:p>
         </p:txBody>
@@ -19475,7 +20428,7 @@
     </p:spTree>
     <p:extLst>
       <p:ext uri="{BB962C8B-B14F-4D97-AF65-F5344CB8AC3E}">
-        <p14:creationId xmlns:p14="http://schemas.microsoft.com/office/powerpoint/2010/main" val="2937815942"/>
+        <p14:creationId xmlns:p14="http://schemas.microsoft.com/office/powerpoint/2010/main" val="289917333"/>
       </p:ext>
     </p:extLst>
   </p:cSld>
@@ -19485,7 +20438,7 @@
   <p:timing>
     <p:tnLst>
       <p:par>
-        <p:cTn id="1" dur="indefinite" restart="never" nodeType="tmRoot"/>
+        <p:cTn xmlns:p14="http://schemas.microsoft.com/office/powerpoint/2010/main" id="1" dur="indefinite" restart="never" nodeType="tmRoot"/>
       </p:par>
     </p:tnLst>
   </p:timing>
@@ -19526,123 +20479,359 @@
           <a:p>
             <a:r>
               <a:rPr lang="ru-RU" dirty="0"/>
-              <a:t>Проблемы покрытия </a:t>
-            </a:r>
-            <a:r>
-              <a:rPr lang="en-US" dirty="0"/>
-              <a:t>legacy-</a:t>
-            </a:r>
-            <a:r>
-              <a:rPr lang="ru-RU" dirty="0"/>
-              <a:t>кода</a:t>
-            </a:r>
-            <a:endParaRPr lang="en-US" dirty="0"/>
-          </a:p>
-        </p:txBody>
-      </p:sp>
-      <p:sp>
-        <p:nvSpPr>
-          <p:cNvPr id="5" name="Rectangle 4"/>
-          <p:cNvSpPr>
-            <a:spLocks noChangeArrowheads="1"/>
-          </p:cNvSpPr>
-          <p:nvPr>
-            <p:custDataLst>
-              <p:tags r:id="rId1"/>
-            </p:custDataLst>
-          </p:nvPr>
-        </p:nvSpPr>
-        <p:spPr bwMode="auto">
+              <a:t>Рассмотрим пример</a:t>
+            </a:r>
+            <a:endParaRPr lang="ru-RU" dirty="0"/>
+          </a:p>
+        </p:txBody>
+      </p:sp>
+      <p:sp>
+        <p:nvSpPr>
+          <p:cNvPr id="4" name="Rectangle 3"/>
+          <p:cNvSpPr/>
+          <p:nvPr/>
+        </p:nvSpPr>
+        <p:spPr>
           <a:xfrm>
-            <a:off x="2000878" y="2201198"/>
-            <a:ext cx="5023841" cy="2455605"/>
+            <a:off x="381000" y="1249947"/>
+            <a:ext cx="9753600" cy="3046988"/>
           </a:xfrm>
           <a:prstGeom prst="rect">
             <a:avLst/>
           </a:prstGeom>
-          <a:noFill/>
-          <a:ln w="19050">
-            <a:noFill/>
-            <a:miter lim="800000"/>
-            <a:headEnd/>
-            <a:tailEnd/>
-          </a:ln>
         </p:spPr>
         <p:txBody>
-          <a:bodyPr wrap="square" lIns="93296" tIns="144000" rIns="93296" bIns="93296">
+          <a:bodyPr wrap="square">
             <a:spAutoFit/>
           </a:bodyPr>
           <a:lstStyle/>
           <a:p>
-            <a:pPr marL="287338" indent="-287338" defTabSz="803275">
-              <a:buClr>
-                <a:srgbClr val="FF6600"/>
-              </a:buClr>
-              <a:buSzPct val="125000"/>
-              <a:buFont typeface="Wingdings" charset="0"/>
-              <a:buChar char="§"/>
-            </a:pPr>
-            <a:r>
-              <a:rPr lang="ru-RU" dirty="0">
-                <a:solidFill>
-                  <a:schemeClr val="accent4"/>
-                </a:solidFill>
+            <a:r>
+              <a:rPr lang="en-US" sz="1600" b="1" dirty="0">
+                <a:solidFill>
+                  <a:srgbClr val="000080"/>
+                </a:solidFill>
+                <a:latin typeface="Menlo"/>
               </a:rPr>
-              <a:t>После того, как все связи с внешним миром у класса или функции оборваны - мы ее полностью контролируем и можем полностью проверить ее </a:t>
-            </a:r>
-            <a:r>
-              <a:rPr lang="ru-RU" dirty="0" smtClean="0">
-                <a:solidFill>
-                  <a:schemeClr val="accent4"/>
-                </a:solidFill>
+              <a:t>public class</a:t>
+            </a:r>
+            <a:r>
+              <a:rPr lang="en-US" sz="1600" dirty="0">
+                <a:solidFill>
+                  <a:srgbClr val="000080"/>
+                </a:solidFill>
+                <a:latin typeface="Menlo"/>
               </a:rPr>
-              <a:t>работу</a:t>
-            </a:r>
-            <a:endParaRPr lang="en-US" dirty="0" smtClean="0">
-              <a:solidFill>
-                <a:schemeClr val="accent4"/>
-              </a:solidFill>
+              <a:t> </a:t>
+            </a:r>
+            <a:r>
+              <a:rPr lang="en-US" sz="1600" dirty="0" err="1">
+                <a:solidFill>
+                  <a:srgbClr val="000000"/>
+                </a:solidFill>
+                <a:latin typeface="Menlo"/>
+              </a:rPr>
+              <a:t>ImportantClass</a:t>
+            </a:r>
+            <a:r>
+              <a:rPr lang="en-US" sz="1600" dirty="0">
+                <a:solidFill>
+                  <a:srgbClr val="000000"/>
+                </a:solidFill>
+                <a:latin typeface="Menlo"/>
+              </a:rPr>
+              <a:t> {</a:t>
+            </a:r>
+          </a:p>
+          <a:p>
+            <a:r>
+              <a:rPr lang="en-US" sz="1600" dirty="0">
+                <a:solidFill>
+                  <a:srgbClr val="000000"/>
+                </a:solidFill>
+                <a:latin typeface="Menlo"/>
+              </a:rPr>
+              <a:t>    </a:t>
+            </a:r>
+            <a:r>
+              <a:rPr lang="en-US" sz="1600" dirty="0" err="1">
+                <a:solidFill>
+                  <a:srgbClr val="000000"/>
+                </a:solidFill>
+                <a:latin typeface="Menlo"/>
+              </a:rPr>
+              <a:t>ISoundProvider</a:t>
+            </a:r>
+            <a:r>
+              <a:rPr lang="en-US" sz="1600" dirty="0">
+                <a:solidFill>
+                  <a:srgbClr val="000000"/>
+                </a:solidFill>
+                <a:latin typeface="Menlo"/>
+              </a:rPr>
+              <a:t> provider;</a:t>
+            </a:r>
+          </a:p>
+          <a:p>
+            <a:endParaRPr lang="en-US" sz="1600" dirty="0">
+              <a:latin typeface="Menlo"/>
             </a:endParaRPr>
           </a:p>
           <a:p>
-            <a:pPr marL="287338" indent="-287338" defTabSz="803275">
-              <a:buClr>
-                <a:srgbClr val="FF6600"/>
-              </a:buClr>
-              <a:buSzPct val="125000"/>
-              <a:buFont typeface="Wingdings" charset="0"/>
-              <a:buChar char="§"/>
-            </a:pPr>
-            <a:endParaRPr lang="ru-RU" dirty="0">
-              <a:solidFill>
-                <a:schemeClr val="accent4"/>
-              </a:solidFill>
+            <a:r>
+              <a:rPr lang="en-US" sz="1600" dirty="0">
+                <a:latin typeface="Menlo"/>
+              </a:rPr>
+              <a:t>    </a:t>
+            </a:r>
+            <a:r>
+              <a:rPr lang="en-US" sz="1600" b="1" dirty="0">
+                <a:solidFill>
+                  <a:srgbClr val="000080"/>
+                </a:solidFill>
+                <a:latin typeface="Menlo"/>
+              </a:rPr>
+              <a:t>public</a:t>
+            </a:r>
+            <a:r>
+              <a:rPr lang="en-US" sz="1600" dirty="0">
+                <a:solidFill>
+                  <a:srgbClr val="000080"/>
+                </a:solidFill>
+                <a:latin typeface="Menlo"/>
+              </a:rPr>
+              <a:t> </a:t>
+            </a:r>
+            <a:r>
+              <a:rPr lang="en-US" sz="1600" dirty="0" err="1">
+                <a:solidFill>
+                  <a:srgbClr val="000000"/>
+                </a:solidFill>
+                <a:latin typeface="Menlo"/>
+              </a:rPr>
+              <a:t>ImportantClass</a:t>
+            </a:r>
+            <a:r>
+              <a:rPr lang="en-US" sz="1600" dirty="0">
+                <a:solidFill>
+                  <a:srgbClr val="000000"/>
+                </a:solidFill>
+                <a:latin typeface="Menlo"/>
+              </a:rPr>
+              <a:t>() {</a:t>
+            </a:r>
+          </a:p>
+          <a:p>
+            <a:r>
+              <a:rPr lang="en-US" sz="1600" dirty="0">
+                <a:latin typeface="Menlo"/>
+              </a:rPr>
+              <a:t>        </a:t>
+            </a:r>
+            <a:r>
+              <a:rPr lang="en-US" sz="1600" b="1" dirty="0" err="1">
+                <a:solidFill>
+                  <a:srgbClr val="000080"/>
+                </a:solidFill>
+                <a:latin typeface="Menlo"/>
+              </a:rPr>
+              <a:t>this</a:t>
+            </a:r>
+            <a:r>
+              <a:rPr lang="en-US" sz="1600" dirty="0" err="1">
+                <a:solidFill>
+                  <a:srgbClr val="000000"/>
+                </a:solidFill>
+                <a:latin typeface="Menlo"/>
+              </a:rPr>
+              <a:t>.provider</a:t>
+            </a:r>
+            <a:r>
+              <a:rPr lang="en-US" sz="1600" dirty="0">
+                <a:solidFill>
+                  <a:srgbClr val="000000"/>
+                </a:solidFill>
+                <a:latin typeface="Menlo"/>
+              </a:rPr>
+              <a:t> = </a:t>
+            </a:r>
+            <a:r>
+              <a:rPr lang="en-US" sz="1600" b="1" dirty="0">
+                <a:solidFill>
+                  <a:srgbClr val="000080"/>
+                </a:solidFill>
+                <a:latin typeface="Menlo"/>
+              </a:rPr>
+              <a:t>new</a:t>
+            </a:r>
+            <a:r>
+              <a:rPr lang="en-US" sz="1600" dirty="0">
+                <a:solidFill>
+                  <a:srgbClr val="000080"/>
+                </a:solidFill>
+                <a:latin typeface="Menlo"/>
+              </a:rPr>
+              <a:t> </a:t>
+            </a:r>
+            <a:r>
+              <a:rPr lang="en-US" sz="1600" dirty="0" err="1">
+                <a:solidFill>
+                  <a:srgbClr val="000000"/>
+                </a:solidFill>
+                <a:latin typeface="Menlo"/>
+              </a:rPr>
+              <a:t>FileSoundProvider</a:t>
+            </a:r>
+            <a:r>
+              <a:rPr lang="en-US" sz="1600" dirty="0">
+                <a:solidFill>
+                  <a:srgbClr val="000000"/>
+                </a:solidFill>
+                <a:latin typeface="Menlo"/>
+              </a:rPr>
+              <a:t>();</a:t>
+            </a:r>
+          </a:p>
+          <a:p>
+            <a:r>
+              <a:rPr lang="en-US" sz="1600" dirty="0">
+                <a:latin typeface="Menlo"/>
+              </a:rPr>
+              <a:t>    </a:t>
+            </a:r>
+            <a:r>
+              <a:rPr lang="en-US" sz="1600" dirty="0">
+                <a:solidFill>
+                  <a:srgbClr val="000000"/>
+                </a:solidFill>
+                <a:latin typeface="Menlo"/>
+              </a:rPr>
+              <a:t>}</a:t>
+            </a:r>
+          </a:p>
+          <a:p>
+            <a:endParaRPr lang="en-US" sz="1600" dirty="0">
+              <a:latin typeface="Menlo"/>
             </a:endParaRPr>
           </a:p>
           <a:p>
-            <a:pPr marL="287338" indent="-287338" defTabSz="803275">
-              <a:buClr>
-                <a:srgbClr val="FF6600"/>
-              </a:buClr>
-              <a:buSzPct val="125000"/>
-              <a:buFont typeface="Wingdings" charset="0"/>
-              <a:buChar char="§"/>
-            </a:pPr>
-            <a:r>
-              <a:rPr lang="ru-RU" dirty="0">
-                <a:solidFill>
-                  <a:schemeClr val="accent4"/>
-                </a:solidFill>
+            <a:r>
+              <a:rPr lang="fi-FI" sz="1600" dirty="0">
+                <a:latin typeface="Menlo"/>
               </a:rPr>
-              <a:t>Для этого может понадобиться создать еще несколько заглушек, которые будут выдавать нужные данные для конкретных тестов</a:t>
-            </a:r>
+              <a:t>    </a:t>
+            </a:r>
+            <a:r>
+              <a:rPr lang="fi-FI" sz="1600" dirty="0" err="1">
+                <a:solidFill>
+                  <a:srgbClr val="4C73A6"/>
+                </a:solidFill>
+                <a:latin typeface="Menlo"/>
+              </a:rPr>
+              <a:t>void</a:t>
+            </a:r>
+            <a:r>
+              <a:rPr lang="fi-FI" sz="1600" dirty="0">
+                <a:solidFill>
+                  <a:srgbClr val="4C73A6"/>
+                </a:solidFill>
+                <a:latin typeface="Menlo"/>
+              </a:rPr>
+              <a:t> </a:t>
+            </a:r>
+            <a:r>
+              <a:rPr lang="fi-FI" sz="1600" dirty="0" err="1">
+                <a:solidFill>
+                  <a:srgbClr val="000000"/>
+                </a:solidFill>
+                <a:latin typeface="Menlo"/>
+              </a:rPr>
+              <a:t>doReallyImportantStuff</a:t>
+            </a:r>
+            <a:r>
+              <a:rPr lang="fi-FI" sz="1600" dirty="0">
+                <a:solidFill>
+                  <a:srgbClr val="000000"/>
+                </a:solidFill>
+                <a:latin typeface="Menlo"/>
+              </a:rPr>
+              <a:t>() {</a:t>
+            </a:r>
+          </a:p>
+          <a:p>
+            <a:r>
+              <a:rPr lang="en-US" sz="1600" dirty="0">
+                <a:latin typeface="Menlo"/>
+              </a:rPr>
+              <a:t>        </a:t>
+            </a:r>
+            <a:r>
+              <a:rPr lang="en-US" sz="1600" b="1" dirty="0" err="1">
+                <a:solidFill>
+                  <a:srgbClr val="000080"/>
+                </a:solidFill>
+                <a:latin typeface="Menlo"/>
+              </a:rPr>
+              <a:t>this</a:t>
+            </a:r>
+            <a:r>
+              <a:rPr lang="en-US" sz="1600" dirty="0" err="1">
+                <a:solidFill>
+                  <a:srgbClr val="000000"/>
+                </a:solidFill>
+                <a:latin typeface="Menlo"/>
+              </a:rPr>
+              <a:t>.provider.Analyze</a:t>
+            </a:r>
+            <a:r>
+              <a:rPr lang="en-US" sz="1600" dirty="0">
+                <a:solidFill>
+                  <a:srgbClr val="000000"/>
+                </a:solidFill>
+                <a:latin typeface="Menlo"/>
+              </a:rPr>
+              <a:t>();</a:t>
+            </a:r>
+          </a:p>
+          <a:p>
+            <a:r>
+              <a:rPr lang="en-US" sz="1600" dirty="0">
+                <a:latin typeface="Menlo"/>
+              </a:rPr>
+              <a:t>    </a:t>
+            </a:r>
+            <a:r>
+              <a:rPr lang="en-US" sz="1600" dirty="0">
+                <a:solidFill>
+                  <a:srgbClr val="000000"/>
+                </a:solidFill>
+                <a:latin typeface="Menlo"/>
+              </a:rPr>
+              <a:t>}</a:t>
+            </a:r>
+          </a:p>
+          <a:p>
+            <a:r>
+              <a:rPr lang="en-US" sz="1600" dirty="0">
+                <a:solidFill>
+                  <a:srgbClr val="000000"/>
+                </a:solidFill>
+                <a:latin typeface="Menlo"/>
+              </a:rPr>
+              <a:t>}</a:t>
+            </a:r>
+          </a:p>
+          <a:p>
+            <a:endParaRPr lang="en-US" sz="1600" dirty="0">
+              <a:latin typeface="Menlo"/>
+            </a:endParaRPr>
           </a:p>
         </p:txBody>
       </p:sp>
     </p:spTree>
     <p:extLst>
       <p:ext uri="{BB962C8B-B14F-4D97-AF65-F5344CB8AC3E}">
-        <p14:creationId xmlns:p14="http://schemas.microsoft.com/office/powerpoint/2010/main" val="2592427826"/>
+        <p14:creationId xmlns:p14="http://schemas.microsoft.com/office/powerpoint/2010/main" val="3590970560"/>
       </p:ext>
     </p:extLst>
   </p:cSld>
@@ -19652,7 +20841,7 @@
   <p:timing>
     <p:tnLst>
       <p:par>
-        <p:cTn id="1" dur="indefinite" restart="never" nodeType="tmRoot"/>
+        <p:cTn xmlns:p14="http://schemas.microsoft.com/office/powerpoint/2010/main" id="1" dur="indefinite" restart="never" nodeType="tmRoot"/>
       </p:par>
     </p:tnLst>
   </p:timing>
@@ -19692,16 +20881,12 @@
           <a:lstStyle/>
           <a:p>
             <a:r>
-              <a:rPr lang="ru-RU" dirty="0"/>
-              <a:t>Проблемы покрытия </a:t>
-            </a:r>
-            <a:r>
               <a:rPr lang="en-US" dirty="0"/>
-              <a:t>legacy-</a:t>
-            </a:r>
-            <a:r>
-              <a:rPr lang="ru-RU" dirty="0"/>
-              <a:t>кода</a:t>
+              <a:t>Dependency </a:t>
+            </a:r>
+            <a:r>
+              <a:rPr lang="en-US" dirty="0" smtClean="0"/>
+              <a:t>Injection (DI)</a:t>
             </a:r>
             <a:endParaRPr lang="en-US" dirty="0"/>
           </a:p>
@@ -19721,8 +20906,8 @@
         </p:nvSpPr>
         <p:spPr bwMode="auto">
           <a:xfrm>
-            <a:off x="2000878" y="2201198"/>
-            <a:ext cx="5023841" cy="2732604"/>
+            <a:off x="1143000" y="2201198"/>
+            <a:ext cx="6858000" cy="2455605"/>
           </a:xfrm>
           <a:prstGeom prst="rect">
             <a:avLst/>
@@ -19754,21 +20939,27 @@
                 <a:solidFill>
                   <a:schemeClr val="accent4"/>
                 </a:solidFill>
+                <a:latin typeface="Arial"/>
+                <a:cs typeface="Arial"/>
               </a:rPr>
-              <a:t>В итоге получается, что надо написать достаточно много дополнительного кода только для того, чтобы написать первый </a:t>
+              <a:t>Несмотря на то, что данный класс использует интерфейс, смысла в этом нет, поскольку конкретная реализация задается в этом же </a:t>
             </a:r>
             <a:r>
               <a:rPr lang="ru-RU" dirty="0" smtClean="0">
                 <a:solidFill>
                   <a:schemeClr val="accent4"/>
                 </a:solidFill>
+                <a:latin typeface="Arial"/>
+                <a:cs typeface="Arial"/>
               </a:rPr>
-              <a:t>тест</a:t>
+              <a:t>классе</a:t>
             </a:r>
             <a:endParaRPr lang="en-US" dirty="0" smtClean="0">
               <a:solidFill>
                 <a:schemeClr val="accent4"/>
               </a:solidFill>
+              <a:latin typeface="Arial"/>
+              <a:cs typeface="Arial"/>
             </a:endParaRPr>
           </a:p>
           <a:p>
@@ -19784,6 +20975,8 @@
               <a:solidFill>
                 <a:schemeClr val="accent4"/>
               </a:solidFill>
+              <a:latin typeface="Arial"/>
+              <a:cs typeface="Arial"/>
             </a:endParaRPr>
           </a:p>
           <a:p>
@@ -19800,21 +20993,27 @@
                 <a:solidFill>
                   <a:schemeClr val="accent4"/>
                 </a:solidFill>
+                <a:latin typeface="Arial"/>
+                <a:cs typeface="Arial"/>
               </a:rPr>
-              <a:t>Однако для второго теста, такого кода потребуется уже </a:t>
+              <a:t>Модифицируем код этого класса для того, чтобы он получал реализацию интерфейса “извне</a:t>
             </a:r>
             <a:r>
               <a:rPr lang="ru-RU" dirty="0" smtClean="0">
                 <a:solidFill>
                   <a:schemeClr val="accent4"/>
                 </a:solidFill>
+                <a:latin typeface="Arial"/>
+                <a:cs typeface="Arial"/>
               </a:rPr>
-              <a:t>меньше</a:t>
+              <a:t>”</a:t>
             </a:r>
             <a:endParaRPr lang="en-US" dirty="0" smtClean="0">
               <a:solidFill>
                 <a:schemeClr val="accent4"/>
               </a:solidFill>
+              <a:latin typeface="Arial"/>
+              <a:cs typeface="Arial"/>
             </a:endParaRPr>
           </a:p>
           <a:p>
@@ -19830,6 +21029,8 @@
               <a:solidFill>
                 <a:schemeClr val="accent4"/>
               </a:solidFill>
+              <a:latin typeface="Arial"/>
+              <a:cs typeface="Arial"/>
             </a:endParaRPr>
           </a:p>
           <a:p>
@@ -19846,8 +21047,10 @@
                 <a:solidFill>
                   <a:schemeClr val="accent4"/>
                 </a:solidFill>
+                <a:latin typeface="Arial"/>
+                <a:cs typeface="Arial"/>
               </a:rPr>
-              <a:t>«Десятый» тест уже пишется спокойно, с использованием ранее написанного кода</a:t>
+              <a:t>Для этого достаточно немного изменить конструктор</a:t>
             </a:r>
           </a:p>
         </p:txBody>
@@ -19855,7 +21058,7 @@
     </p:spTree>
     <p:extLst>
       <p:ext uri="{BB962C8B-B14F-4D97-AF65-F5344CB8AC3E}">
-        <p14:creationId xmlns:p14="http://schemas.microsoft.com/office/powerpoint/2010/main" val="2709996510"/>
+        <p14:creationId xmlns:p14="http://schemas.microsoft.com/office/powerpoint/2010/main" val="2937815942"/>
       </p:ext>
     </p:extLst>
   </p:cSld>
@@ -19865,7 +21068,7 @@
   <p:timing>
     <p:tnLst>
       <p:par>
-        <p:cTn id="1" dur="indefinite" restart="never" nodeType="tmRoot"/>
+        <p:cTn xmlns:p14="http://schemas.microsoft.com/office/powerpoint/2010/main" id="1" dur="indefinite" restart="never" nodeType="tmRoot"/>
       </p:par>
     </p:tnLst>
   </p:timing>
@@ -19891,49 +21094,416 @@
       </p:grpSpPr>
       <p:sp>
         <p:nvSpPr>
-          <p:cNvPr id="7" name="Text Placeholder 6"/>
+          <p:cNvPr id="2" name="Title 1"/>
           <p:cNvSpPr>
             <a:spLocks noGrp="1"/>
           </p:cNvSpPr>
           <p:nvPr>
-            <p:ph type="body" sz="quarter" idx="20"/>
-          </p:nvPr>
+            <p:ph type="title"/>
+          </p:nvPr>
+        </p:nvSpPr>
+        <p:spPr/>
+        <p:txBody>
+          <a:bodyPr/>
+          <a:lstStyle/>
+          <a:p>
+            <a:r>
+              <a:rPr lang="en-US" dirty="0"/>
+              <a:t>Dependency </a:t>
+            </a:r>
+            <a:r>
+              <a:rPr lang="en-US" dirty="0" smtClean="0"/>
+              <a:t>Injection (DI)</a:t>
+            </a:r>
+            <a:endParaRPr lang="en-US" dirty="0"/>
+          </a:p>
+        </p:txBody>
+      </p:sp>
+      <p:sp>
+        <p:nvSpPr>
+          <p:cNvPr id="3" name="Rectangle 2"/>
+          <p:cNvSpPr/>
+          <p:nvPr/>
         </p:nvSpPr>
         <p:spPr>
           <a:xfrm>
-            <a:off x="2127250" y="2432649"/>
-            <a:ext cx="6467476" cy="576293"/>
+            <a:off x="417095" y="1250804"/>
+            <a:ext cx="8763000" cy="3416320"/>
           </a:xfrm>
+          <a:prstGeom prst="rect">
+            <a:avLst/>
+          </a:prstGeom>
         </p:spPr>
         <p:txBody>
-          <a:bodyPr/>
+          <a:bodyPr wrap="square">
+            <a:spAutoFit/>
+          </a:bodyPr>
           <a:lstStyle/>
           <a:p>
             <a:r>
-              <a:rPr lang="ru-RU" dirty="0" smtClean="0"/>
-              <a:t>Вопросы ?</a:t>
-            </a:r>
-            <a:endParaRPr lang="en-US" dirty="0"/>
+              <a:rPr lang="en-US" b="1" dirty="0">
+                <a:solidFill>
+                  <a:srgbClr val="000080"/>
+                </a:solidFill>
+                <a:latin typeface="Menlo"/>
+              </a:rPr>
+              <a:t>public class</a:t>
+            </a:r>
+            <a:r>
+              <a:rPr lang="en-US" dirty="0">
+                <a:solidFill>
+                  <a:srgbClr val="000080"/>
+                </a:solidFill>
+                <a:latin typeface="Menlo"/>
+              </a:rPr>
+              <a:t> </a:t>
+            </a:r>
+            <a:r>
+              <a:rPr lang="en-US" dirty="0" err="1">
+                <a:solidFill>
+                  <a:srgbClr val="000000"/>
+                </a:solidFill>
+                <a:latin typeface="Menlo"/>
+              </a:rPr>
+              <a:t>ImportantClass</a:t>
+            </a:r>
+            <a:r>
+              <a:rPr lang="en-US" dirty="0">
+                <a:solidFill>
+                  <a:srgbClr val="000000"/>
+                </a:solidFill>
+                <a:latin typeface="Menlo"/>
+              </a:rPr>
+              <a:t> {</a:t>
+            </a:r>
+          </a:p>
+          <a:p>
+            <a:r>
+              <a:rPr lang="en-US" dirty="0">
+                <a:solidFill>
+                  <a:srgbClr val="000000"/>
+                </a:solidFill>
+                <a:latin typeface="Menlo"/>
+              </a:rPr>
+              <a:t>    </a:t>
+            </a:r>
+            <a:r>
+              <a:rPr lang="en-US" dirty="0" err="1">
+                <a:solidFill>
+                  <a:srgbClr val="000000"/>
+                </a:solidFill>
+                <a:latin typeface="Menlo"/>
+              </a:rPr>
+              <a:t>ISoundProvider</a:t>
+            </a:r>
+            <a:r>
+              <a:rPr lang="en-US" dirty="0">
+                <a:solidFill>
+                  <a:srgbClr val="000000"/>
+                </a:solidFill>
+                <a:latin typeface="Menlo"/>
+              </a:rPr>
+              <a:t> provider;</a:t>
+            </a:r>
+          </a:p>
+          <a:p>
+            <a:endParaRPr lang="en-US" dirty="0">
+              <a:latin typeface="Menlo"/>
+            </a:endParaRPr>
+          </a:p>
+          <a:p>
+            <a:r>
+              <a:rPr lang="en-US" dirty="0">
+                <a:latin typeface="Menlo"/>
+              </a:rPr>
+              <a:t>    </a:t>
+            </a:r>
+            <a:r>
+              <a:rPr lang="en-US" b="1" dirty="0">
+                <a:solidFill>
+                  <a:srgbClr val="000080"/>
+                </a:solidFill>
+                <a:latin typeface="Menlo"/>
+              </a:rPr>
+              <a:t>public</a:t>
+            </a:r>
+            <a:r>
+              <a:rPr lang="en-US" dirty="0">
+                <a:solidFill>
+                  <a:srgbClr val="000080"/>
+                </a:solidFill>
+                <a:latin typeface="Menlo"/>
+              </a:rPr>
+              <a:t> </a:t>
+            </a:r>
+            <a:r>
+              <a:rPr lang="en-US" dirty="0" err="1">
+                <a:solidFill>
+                  <a:srgbClr val="000000"/>
+                </a:solidFill>
+                <a:latin typeface="Menlo"/>
+              </a:rPr>
+              <a:t>ImportantClass</a:t>
+            </a:r>
+            <a:r>
+              <a:rPr lang="en-US" dirty="0">
+                <a:solidFill>
+                  <a:srgbClr val="000000"/>
+                </a:solidFill>
+                <a:latin typeface="Menlo"/>
+              </a:rPr>
+              <a:t>(</a:t>
+            </a:r>
+            <a:r>
+              <a:rPr lang="en-US" dirty="0" err="1">
+                <a:solidFill>
+                  <a:srgbClr val="000000"/>
+                </a:solidFill>
+                <a:latin typeface="Menlo"/>
+              </a:rPr>
+              <a:t>ISoundProvider</a:t>
+            </a:r>
+            <a:r>
+              <a:rPr lang="en-US" dirty="0">
+                <a:solidFill>
+                  <a:srgbClr val="000000"/>
+                </a:solidFill>
+                <a:latin typeface="Menlo"/>
+              </a:rPr>
+              <a:t> provider) {</a:t>
+            </a:r>
+          </a:p>
+          <a:p>
+            <a:r>
+              <a:rPr lang="en-US" dirty="0">
+                <a:latin typeface="Menlo"/>
+              </a:rPr>
+              <a:t>        </a:t>
+            </a:r>
+            <a:r>
+              <a:rPr lang="en-US" b="1" dirty="0" err="1">
+                <a:solidFill>
+                  <a:srgbClr val="000080"/>
+                </a:solidFill>
+                <a:latin typeface="Menlo"/>
+              </a:rPr>
+              <a:t>this</a:t>
+            </a:r>
+            <a:r>
+              <a:rPr lang="en-US" dirty="0" err="1">
+                <a:solidFill>
+                  <a:srgbClr val="000000"/>
+                </a:solidFill>
+                <a:latin typeface="Menlo"/>
+              </a:rPr>
+              <a:t>.provider</a:t>
+            </a:r>
+            <a:r>
+              <a:rPr lang="en-US" dirty="0">
+                <a:solidFill>
+                  <a:srgbClr val="000000"/>
+                </a:solidFill>
+                <a:latin typeface="Menlo"/>
+              </a:rPr>
+              <a:t> = provider;</a:t>
+            </a:r>
+          </a:p>
+          <a:p>
+            <a:r>
+              <a:rPr lang="en-US" dirty="0">
+                <a:latin typeface="Menlo"/>
+              </a:rPr>
+              <a:t>    </a:t>
+            </a:r>
+            <a:r>
+              <a:rPr lang="en-US" dirty="0">
+                <a:solidFill>
+                  <a:srgbClr val="000000"/>
+                </a:solidFill>
+                <a:latin typeface="Menlo"/>
+              </a:rPr>
+              <a:t>}</a:t>
+            </a:r>
+          </a:p>
+          <a:p>
+            <a:endParaRPr lang="en-US" dirty="0">
+              <a:latin typeface="Menlo"/>
+            </a:endParaRPr>
+          </a:p>
+          <a:p>
+            <a:r>
+              <a:rPr lang="fi-FI" dirty="0">
+                <a:latin typeface="Menlo"/>
+              </a:rPr>
+              <a:t>    </a:t>
+            </a:r>
+            <a:r>
+              <a:rPr lang="fi-FI" dirty="0" err="1">
+                <a:solidFill>
+                  <a:srgbClr val="4C73A6"/>
+                </a:solidFill>
+                <a:latin typeface="Menlo"/>
+              </a:rPr>
+              <a:t>void</a:t>
+            </a:r>
+            <a:r>
+              <a:rPr lang="fi-FI" dirty="0">
+                <a:solidFill>
+                  <a:srgbClr val="4C73A6"/>
+                </a:solidFill>
+                <a:latin typeface="Menlo"/>
+              </a:rPr>
+              <a:t> </a:t>
+            </a:r>
+            <a:r>
+              <a:rPr lang="fi-FI" dirty="0" err="1">
+                <a:solidFill>
+                  <a:srgbClr val="000000"/>
+                </a:solidFill>
+                <a:latin typeface="Menlo"/>
+              </a:rPr>
+              <a:t>doReallyImportantStuff</a:t>
+            </a:r>
+            <a:r>
+              <a:rPr lang="fi-FI" dirty="0">
+                <a:solidFill>
+                  <a:srgbClr val="000000"/>
+                </a:solidFill>
+                <a:latin typeface="Menlo"/>
+              </a:rPr>
+              <a:t>() {</a:t>
+            </a:r>
+          </a:p>
+          <a:p>
+            <a:r>
+              <a:rPr lang="en-US" dirty="0">
+                <a:latin typeface="Menlo"/>
+              </a:rPr>
+              <a:t>        </a:t>
+            </a:r>
+            <a:r>
+              <a:rPr lang="en-US" b="1" dirty="0" err="1">
+                <a:solidFill>
+                  <a:srgbClr val="000080"/>
+                </a:solidFill>
+                <a:latin typeface="Menlo"/>
+              </a:rPr>
+              <a:t>this</a:t>
+            </a:r>
+            <a:r>
+              <a:rPr lang="en-US" dirty="0" err="1">
+                <a:solidFill>
+                  <a:srgbClr val="000000"/>
+                </a:solidFill>
+                <a:latin typeface="Menlo"/>
+              </a:rPr>
+              <a:t>.provider.Analyze</a:t>
+            </a:r>
+            <a:r>
+              <a:rPr lang="en-US" dirty="0">
+                <a:solidFill>
+                  <a:srgbClr val="000000"/>
+                </a:solidFill>
+                <a:latin typeface="Menlo"/>
+              </a:rPr>
+              <a:t>();</a:t>
+            </a:r>
+          </a:p>
+          <a:p>
+            <a:r>
+              <a:rPr lang="en-US" dirty="0">
+                <a:latin typeface="Menlo"/>
+              </a:rPr>
+              <a:t>    </a:t>
+            </a:r>
+            <a:r>
+              <a:rPr lang="en-US" dirty="0">
+                <a:solidFill>
+                  <a:srgbClr val="000000"/>
+                </a:solidFill>
+                <a:latin typeface="Menlo"/>
+              </a:rPr>
+              <a:t>}</a:t>
+            </a:r>
+          </a:p>
+          <a:p>
+            <a:r>
+              <a:rPr lang="en-US" dirty="0">
+                <a:solidFill>
+                  <a:srgbClr val="000000"/>
+                </a:solidFill>
+                <a:latin typeface="Menlo"/>
+              </a:rPr>
+              <a:t>}</a:t>
+            </a:r>
+          </a:p>
+          <a:p>
+            <a:endParaRPr lang="en-US" dirty="0">
+              <a:latin typeface="Menlo"/>
+            </a:endParaRPr>
+          </a:p>
+        </p:txBody>
+      </p:sp>
+      <p:sp>
+        <p:nvSpPr>
+          <p:cNvPr id="4" name="Rounded Rectangle 3"/>
+          <p:cNvSpPr/>
+          <p:nvPr/>
+        </p:nvSpPr>
+        <p:spPr>
+          <a:xfrm>
+            <a:off x="4038600" y="2057400"/>
+            <a:ext cx="3352800" cy="381000"/>
+          </a:xfrm>
+          <a:prstGeom prst="roundRect">
+            <a:avLst/>
+          </a:prstGeom>
+          <a:solidFill>
+            <a:schemeClr val="accent4">
+              <a:alpha val="18000"/>
+            </a:schemeClr>
+          </a:solidFill>
+          <a:ln>
+            <a:noFill/>
+          </a:ln>
+        </p:spPr>
+        <p:style>
+          <a:lnRef idx="2">
+            <a:schemeClr val="accent1"/>
+          </a:lnRef>
+          <a:fillRef idx="1">
+            <a:schemeClr val="lt1"/>
+          </a:fillRef>
+          <a:effectRef idx="0">
+            <a:schemeClr val="accent1"/>
+          </a:effectRef>
+          <a:fontRef idx="minor">
+            <a:schemeClr val="dk1"/>
+          </a:fontRef>
+        </p:style>
+        <p:txBody>
+          <a:bodyPr rtlCol="0" anchor="ctr"/>
+          <a:lstStyle/>
+          <a:p>
+            <a:pPr algn="ctr"/>
+            <a:endParaRPr lang="en-US"/>
           </a:p>
         </p:txBody>
       </p:sp>
     </p:spTree>
     <p:extLst>
       <p:ext uri="{BB962C8B-B14F-4D97-AF65-F5344CB8AC3E}">
-        <p14:creationId xmlns:p14="http://schemas.microsoft.com/office/powerpoint/2010/main" val="2964007123"/>
+        <p14:creationId xmlns:p14="http://schemas.microsoft.com/office/powerpoint/2010/main" val="72882364"/>
       </p:ext>
     </p:extLst>
   </p:cSld>
   <p:clrMapOvr>
     <a:masterClrMapping/>
   </p:clrMapOvr>
-  <p:transition>
-    <p:zoom/>
-  </p:transition>
   <p:timing>
     <p:tnLst>
       <p:par>
-        <p:cTn id="1" dur="indefinite" restart="never" nodeType="tmRoot"/>
+        <p:cTn xmlns:p14="http://schemas.microsoft.com/office/powerpoint/2010/main" id="1" dur="indefinite" restart="never" nodeType="tmRoot"/>
       </p:par>
     </p:tnLst>
   </p:timing>
@@ -19959,12 +21529,12 @@
       </p:grpSpPr>
       <p:sp>
         <p:nvSpPr>
-          <p:cNvPr id="7" name="Subtitle 6"/>
+          <p:cNvPr id="2" name="Title 1"/>
           <p:cNvSpPr>
             <a:spLocks noGrp="1"/>
           </p:cNvSpPr>
           <p:nvPr>
-            <p:ph type="subTitle" idx="1"/>
+            <p:ph type="title"/>
           </p:nvPr>
         </p:nvSpPr>
         <p:spPr/>
@@ -19973,189 +21543,378 @@
           <a:lstStyle/>
           <a:p>
             <a:r>
-              <a:rPr lang="en-US" dirty="0">
-                <a:latin typeface="Arial" charset="0"/>
-              </a:rPr>
-              <a:t>Разработка через </a:t>
-            </a:r>
-            <a:r>
-              <a:rPr lang="en-US" dirty="0" smtClean="0">
-                <a:latin typeface="Arial" charset="0"/>
-              </a:rPr>
-              <a:t>тестирование</a:t>
-            </a:r>
-            <a:r>
-              <a:rPr lang="en-US" dirty="0">
-                <a:latin typeface="Arial" charset="0"/>
-              </a:rPr>
-              <a:t/>
-            </a:r>
-            <a:br>
-              <a:rPr lang="en-US" dirty="0">
-                <a:latin typeface="Arial" charset="0"/>
-              </a:rPr>
-            </a:br>
+              <a:rPr lang="ru-RU" dirty="0"/>
+              <a:t>Проблемы покрытия </a:t>
+            </a:r>
+            <a:r>
+              <a:rPr lang="en-US" dirty="0"/>
+              <a:t>legacy-</a:t>
+            </a:r>
+            <a:r>
+              <a:rPr lang="ru-RU" dirty="0"/>
+              <a:t>кода</a:t>
+            </a:r>
             <a:endParaRPr lang="en-US" dirty="0"/>
           </a:p>
         </p:txBody>
       </p:sp>
       <p:sp>
         <p:nvSpPr>
-          <p:cNvPr id="8" name="Text Placeholder 7"/>
-          <p:cNvSpPr>
-            <a:spLocks noGrp="1"/>
-          </p:cNvSpPr>
-          <p:nvPr>
-            <p:ph type="body" sz="quarter" idx="11"/>
-          </p:nvPr>
-        </p:nvSpPr>
-        <p:spPr/>
-        <p:txBody>
-          <a:bodyPr>
-            <a:normAutofit/>
+          <p:cNvPr id="5" name="Rectangle 4"/>
+          <p:cNvSpPr>
+            <a:spLocks noChangeArrowheads="1"/>
+          </p:cNvSpPr>
+          <p:nvPr>
+            <p:custDataLst>
+              <p:tags r:id="rId1"/>
+            </p:custDataLst>
+          </p:nvPr>
+        </p:nvSpPr>
+        <p:spPr bwMode="auto">
+          <a:xfrm>
+            <a:off x="811213" y="2478197"/>
+            <a:ext cx="7521575" cy="1901607"/>
+          </a:xfrm>
+          <a:prstGeom prst="rect">
+            <a:avLst/>
+          </a:prstGeom>
+          <a:noFill/>
+          <a:ln w="19050">
+            <a:noFill/>
+            <a:miter lim="800000"/>
+            <a:headEnd/>
+            <a:tailEnd/>
+          </a:ln>
+        </p:spPr>
+        <p:txBody>
+          <a:bodyPr wrap="square" lIns="93296" tIns="144000" rIns="93296" bIns="93296">
+            <a:spAutoFit/>
           </a:bodyPr>
           <a:lstStyle/>
           <a:p>
-            <a:r>
-              <a:rPr lang="en-US" dirty="0" err="1"/>
-              <a:t>git</a:t>
-            </a:r>
-            <a:r>
-              <a:rPr lang="en-US" dirty="0"/>
-              <a:t> clone </a:t>
-            </a:r>
-            <a:r>
-              <a:rPr lang="en-US" dirty="0" err="1"/>
-              <a:t>git</a:t>
-            </a:r>
-            <a:r>
-              <a:rPr lang="en-US" dirty="0"/>
-              <a:t>://</a:t>
-            </a:r>
-            <a:r>
-              <a:rPr lang="en-US" dirty="0" err="1"/>
-              <a:t>github.com</a:t>
-            </a:r>
-            <a:r>
-              <a:rPr lang="en-US" dirty="0"/>
-              <a:t>/</a:t>
-            </a:r>
-            <a:r>
-              <a:rPr lang="en-US" dirty="0" err="1"/>
-              <a:t>ivan-dyachenko</a:t>
-            </a:r>
-            <a:r>
-              <a:rPr lang="en-US" dirty="0"/>
-              <a:t>/</a:t>
-            </a:r>
-            <a:r>
-              <a:rPr lang="en-US" dirty="0" err="1"/>
-              <a:t>Trainings.git</a:t>
-            </a:r>
-            <a:endParaRPr lang="en-US" dirty="0"/>
-          </a:p>
-        </p:txBody>
-      </p:sp>
-      <p:sp>
-        <p:nvSpPr>
-          <p:cNvPr id="9" name="Text Placeholder 8"/>
-          <p:cNvSpPr>
-            <a:spLocks noGrp="1"/>
-          </p:cNvSpPr>
-          <p:nvPr>
-            <p:ph type="body" sz="quarter" idx="12"/>
-          </p:nvPr>
-        </p:nvSpPr>
-        <p:spPr/>
-        <p:txBody>
-          <a:bodyPr/>
-          <a:lstStyle/>
-          <a:p>
-            <a:r>
-              <a:rPr lang="en-US" dirty="0" err="1" smtClean="0"/>
-              <a:t>IDyachenko@luxoft.com</a:t>
-            </a:r>
-            <a:endParaRPr lang="en-US" dirty="0"/>
-          </a:p>
-        </p:txBody>
-      </p:sp>
-      <p:sp>
-        <p:nvSpPr>
-          <p:cNvPr id="10" name="Text Placeholder 9"/>
-          <p:cNvSpPr>
-            <a:spLocks noGrp="1"/>
-          </p:cNvSpPr>
-          <p:nvPr>
-            <p:ph type="body" sz="quarter" idx="13"/>
-          </p:nvPr>
-        </p:nvSpPr>
-        <p:spPr/>
-        <p:txBody>
-          <a:bodyPr>
-            <a:normAutofit/>
-          </a:bodyPr>
-          <a:lstStyle/>
-          <a:p>
-            <a:r>
-              <a:rPr lang="en-US" dirty="0"/>
-              <a:t>https://</a:t>
-            </a:r>
-            <a:r>
-              <a:rPr lang="en-US" dirty="0" err="1"/>
-              <a:t>github.com</a:t>
-            </a:r>
-            <a:r>
-              <a:rPr lang="en-US" dirty="0"/>
-              <a:t>/</a:t>
-            </a:r>
-            <a:r>
-              <a:rPr lang="en-US" dirty="0" err="1"/>
-              <a:t>ivan-dyachenko</a:t>
-            </a:r>
-            <a:r>
-              <a:rPr lang="en-US" dirty="0"/>
-              <a:t>/</a:t>
-            </a:r>
-            <a:r>
-              <a:rPr lang="en-US" dirty="0" smtClean="0"/>
-              <a:t>Trainings</a:t>
-            </a:r>
-            <a:endParaRPr lang="en-US" dirty="0"/>
-          </a:p>
-        </p:txBody>
-      </p:sp>
-      <p:sp>
-        <p:nvSpPr>
-          <p:cNvPr id="11" name="Text Placeholder 10"/>
-          <p:cNvSpPr>
-            <a:spLocks noGrp="1"/>
-          </p:cNvSpPr>
-          <p:nvPr>
-            <p:ph type="body" sz="quarter" idx="14"/>
-          </p:nvPr>
-        </p:nvSpPr>
-        <p:spPr/>
-        <p:txBody>
-          <a:bodyPr/>
-          <a:lstStyle/>
-          <a:p>
-            <a:endParaRPr lang="en-US"/>
+            <a:pPr marL="287338" indent="-287338" defTabSz="803275">
+              <a:buClr>
+                <a:srgbClr val="FF6600"/>
+              </a:buClr>
+              <a:buSzPct val="125000"/>
+              <a:buFont typeface="Wingdings" charset="0"/>
+              <a:buChar char="§"/>
+            </a:pPr>
+            <a:r>
+              <a:rPr lang="ru-RU" dirty="0">
+                <a:solidFill>
+                  <a:schemeClr val="accent4"/>
+                </a:solidFill>
+                <a:latin typeface="Arial"/>
+                <a:cs typeface="Arial"/>
+              </a:rPr>
+              <a:t>После того, как все связи с внешним миром у класса или функции оборваны - мы ее полностью контролируем и можем полностью проверить ее </a:t>
+            </a:r>
+            <a:r>
+              <a:rPr lang="ru-RU" dirty="0" smtClean="0">
+                <a:solidFill>
+                  <a:schemeClr val="accent4"/>
+                </a:solidFill>
+                <a:latin typeface="Arial"/>
+                <a:cs typeface="Arial"/>
+              </a:rPr>
+              <a:t>работу</a:t>
+            </a:r>
+            <a:endParaRPr lang="en-US" dirty="0" smtClean="0">
+              <a:solidFill>
+                <a:schemeClr val="accent4"/>
+              </a:solidFill>
+              <a:latin typeface="Arial"/>
+              <a:cs typeface="Arial"/>
+            </a:endParaRPr>
+          </a:p>
+          <a:p>
+            <a:pPr marL="287338" indent="-287338" defTabSz="803275">
+              <a:buClr>
+                <a:srgbClr val="FF6600"/>
+              </a:buClr>
+              <a:buSzPct val="125000"/>
+              <a:buFont typeface="Wingdings" charset="0"/>
+              <a:buChar char="§"/>
+            </a:pPr>
+            <a:endParaRPr lang="ru-RU" dirty="0">
+              <a:solidFill>
+                <a:schemeClr val="accent4"/>
+              </a:solidFill>
+              <a:latin typeface="Arial"/>
+              <a:cs typeface="Arial"/>
+            </a:endParaRPr>
+          </a:p>
+          <a:p>
+            <a:pPr marL="287338" indent="-287338" defTabSz="803275">
+              <a:buClr>
+                <a:srgbClr val="FF6600"/>
+              </a:buClr>
+              <a:buSzPct val="125000"/>
+              <a:buFont typeface="Wingdings" charset="0"/>
+              <a:buChar char="§"/>
+            </a:pPr>
+            <a:r>
+              <a:rPr lang="ru-RU" dirty="0">
+                <a:solidFill>
+                  <a:schemeClr val="accent4"/>
+                </a:solidFill>
+                <a:latin typeface="Arial"/>
+                <a:cs typeface="Arial"/>
+              </a:rPr>
+              <a:t>Для этого может понадобиться создать еще несколько заглушек, которые будут выдавать нужные данные для конкретных тестов</a:t>
+            </a:r>
           </a:p>
         </p:txBody>
       </p:sp>
     </p:spTree>
     <p:extLst>
       <p:ext uri="{BB962C8B-B14F-4D97-AF65-F5344CB8AC3E}">
-        <p14:creationId xmlns:p14="http://schemas.microsoft.com/office/powerpoint/2010/main" val="1157964761"/>
+        <p14:creationId xmlns:p14="http://schemas.microsoft.com/office/powerpoint/2010/main" val="2592427826"/>
       </p:ext>
     </p:extLst>
   </p:cSld>
   <p:clrMapOvr>
     <a:masterClrMapping/>
   </p:clrMapOvr>
-  <p:transition>
-    <p:zoom/>
-  </p:transition>
+  <p:timing>
+    <p:tnLst>
+      <p:par>
+        <p:cTn xmlns:p14="http://schemas.microsoft.com/office/powerpoint/2010/main" id="1" dur="indefinite" restart="never" nodeType="tmRoot"/>
+      </p:par>
+    </p:tnLst>
+  </p:timing>
+</p:sld>
+</file>
+
+<file path=ppt/slides/slide19.xml><?xml version="1.0" encoding="utf-8"?>
+<p:sld xmlns:a="http://schemas.openxmlformats.org/drawingml/2006/main" xmlns:r="http://schemas.openxmlformats.org/officeDocument/2006/relationships" xmlns:p="http://schemas.openxmlformats.org/presentationml/2006/main">
+  <p:cSld>
+    <p:spTree>
+      <p:nvGrpSpPr>
+        <p:cNvPr id="1" name=""/>
+        <p:cNvGrpSpPr/>
+        <p:nvPr/>
+      </p:nvGrpSpPr>
+      <p:grpSpPr>
+        <a:xfrm>
+          <a:off x="0" y="0"/>
+          <a:ext cx="0" cy="0"/>
+          <a:chOff x="0" y="0"/>
+          <a:chExt cx="0" cy="0"/>
+        </a:xfrm>
+      </p:grpSpPr>
+      <p:sp>
+        <p:nvSpPr>
+          <p:cNvPr id="2" name="Title 1"/>
+          <p:cNvSpPr>
+            <a:spLocks noGrp="1"/>
+          </p:cNvSpPr>
+          <p:nvPr>
+            <p:ph type="title"/>
+          </p:nvPr>
+        </p:nvSpPr>
+        <p:spPr/>
+        <p:txBody>
+          <a:bodyPr/>
+          <a:lstStyle/>
+          <a:p>
+            <a:r>
+              <a:rPr lang="ru-RU" dirty="0"/>
+              <a:t>Проблемы покрытия </a:t>
+            </a:r>
+            <a:r>
+              <a:rPr lang="en-US" dirty="0"/>
+              <a:t>legacy-</a:t>
+            </a:r>
+            <a:r>
+              <a:rPr lang="ru-RU" dirty="0"/>
+              <a:t>кода</a:t>
+            </a:r>
+            <a:endParaRPr lang="en-US" dirty="0"/>
+          </a:p>
+        </p:txBody>
+      </p:sp>
+      <p:sp>
+        <p:nvSpPr>
+          <p:cNvPr id="5" name="Rectangle 4"/>
+          <p:cNvSpPr>
+            <a:spLocks noChangeArrowheads="1"/>
+          </p:cNvSpPr>
+          <p:nvPr>
+            <p:custDataLst>
+              <p:tags r:id="rId1"/>
+            </p:custDataLst>
+          </p:nvPr>
+        </p:nvSpPr>
+        <p:spPr bwMode="auto">
+          <a:xfrm>
+            <a:off x="723900" y="2201198"/>
+            <a:ext cx="7696200" cy="2455605"/>
+          </a:xfrm>
+          <a:prstGeom prst="rect">
+            <a:avLst/>
+          </a:prstGeom>
+          <a:noFill/>
+          <a:ln w="19050">
+            <a:noFill/>
+            <a:miter lim="800000"/>
+            <a:headEnd/>
+            <a:tailEnd/>
+          </a:ln>
+        </p:spPr>
+        <p:txBody>
+          <a:bodyPr wrap="square" lIns="93296" tIns="144000" rIns="93296" bIns="93296">
+            <a:spAutoFit/>
+          </a:bodyPr>
+          <a:lstStyle/>
+          <a:p>
+            <a:pPr marL="287338" indent="-287338" defTabSz="803275">
+              <a:buClr>
+                <a:srgbClr val="FF6600"/>
+              </a:buClr>
+              <a:buSzPct val="125000"/>
+              <a:buFont typeface="Wingdings" charset="0"/>
+              <a:buChar char="§"/>
+            </a:pPr>
+            <a:r>
+              <a:rPr lang="ru-RU" dirty="0">
+                <a:solidFill>
+                  <a:schemeClr val="accent4"/>
+                </a:solidFill>
+                <a:latin typeface="Arial"/>
+                <a:cs typeface="Arial"/>
+              </a:rPr>
+              <a:t>В итоге получается, что надо написать достаточно много дополнительного кода только для того, чтобы написать первый </a:t>
+            </a:r>
+            <a:r>
+              <a:rPr lang="ru-RU" dirty="0" smtClean="0">
+                <a:solidFill>
+                  <a:schemeClr val="accent4"/>
+                </a:solidFill>
+                <a:latin typeface="Arial"/>
+                <a:cs typeface="Arial"/>
+              </a:rPr>
+              <a:t>тест</a:t>
+            </a:r>
+            <a:endParaRPr lang="en-US" dirty="0" smtClean="0">
+              <a:solidFill>
+                <a:schemeClr val="accent4"/>
+              </a:solidFill>
+              <a:latin typeface="Arial"/>
+              <a:cs typeface="Arial"/>
+            </a:endParaRPr>
+          </a:p>
+          <a:p>
+            <a:pPr marL="287338" indent="-287338" defTabSz="803275">
+              <a:buClr>
+                <a:srgbClr val="FF6600"/>
+              </a:buClr>
+              <a:buSzPct val="125000"/>
+              <a:buFont typeface="Wingdings" charset="0"/>
+              <a:buChar char="§"/>
+            </a:pPr>
+            <a:endParaRPr lang="ru-RU" dirty="0">
+              <a:solidFill>
+                <a:schemeClr val="accent4"/>
+              </a:solidFill>
+              <a:latin typeface="Arial"/>
+              <a:cs typeface="Arial"/>
+            </a:endParaRPr>
+          </a:p>
+          <a:p>
+            <a:pPr marL="287338" indent="-287338" defTabSz="803275">
+              <a:buClr>
+                <a:srgbClr val="FF6600"/>
+              </a:buClr>
+              <a:buSzPct val="125000"/>
+              <a:buFont typeface="Wingdings" charset="0"/>
+              <a:buChar char="§"/>
+            </a:pPr>
+            <a:r>
+              <a:rPr lang="ru-RU" dirty="0">
+                <a:solidFill>
+                  <a:schemeClr val="accent4"/>
+                </a:solidFill>
+                <a:latin typeface="Arial"/>
+                <a:cs typeface="Arial"/>
+              </a:rPr>
+              <a:t>Однако для второго теста, такого кода потребуется уже </a:t>
+            </a:r>
+            <a:r>
+              <a:rPr lang="ru-RU" dirty="0" smtClean="0">
+                <a:solidFill>
+                  <a:schemeClr val="accent4"/>
+                </a:solidFill>
+                <a:latin typeface="Arial"/>
+                <a:cs typeface="Arial"/>
+              </a:rPr>
+              <a:t>меньше</a:t>
+            </a:r>
+            <a:endParaRPr lang="en-US" dirty="0" smtClean="0">
+              <a:solidFill>
+                <a:schemeClr val="accent4"/>
+              </a:solidFill>
+              <a:latin typeface="Arial"/>
+              <a:cs typeface="Arial"/>
+            </a:endParaRPr>
+          </a:p>
+          <a:p>
+            <a:pPr marL="287338" indent="-287338" defTabSz="803275">
+              <a:buClr>
+                <a:srgbClr val="FF6600"/>
+              </a:buClr>
+              <a:buSzPct val="125000"/>
+              <a:buFont typeface="Wingdings" charset="0"/>
+              <a:buChar char="§"/>
+            </a:pPr>
+            <a:endParaRPr lang="ru-RU" dirty="0">
+              <a:solidFill>
+                <a:schemeClr val="accent4"/>
+              </a:solidFill>
+              <a:latin typeface="Arial"/>
+              <a:cs typeface="Arial"/>
+            </a:endParaRPr>
+          </a:p>
+          <a:p>
+            <a:pPr marL="287338" indent="-287338" defTabSz="803275">
+              <a:buClr>
+                <a:srgbClr val="FF6600"/>
+              </a:buClr>
+              <a:buSzPct val="125000"/>
+              <a:buFont typeface="Wingdings" charset="0"/>
+              <a:buChar char="§"/>
+            </a:pPr>
+            <a:r>
+              <a:rPr lang="ru-RU" dirty="0">
+                <a:solidFill>
+                  <a:schemeClr val="accent4"/>
+                </a:solidFill>
+                <a:latin typeface="Arial"/>
+                <a:cs typeface="Arial"/>
+              </a:rPr>
+              <a:t>«Десятый» тест уже пишется спокойно, с использованием ранее написанного кода</a:t>
+            </a:r>
+          </a:p>
+        </p:txBody>
+      </p:sp>
+    </p:spTree>
+    <p:extLst>
+      <p:ext uri="{BB962C8B-B14F-4D97-AF65-F5344CB8AC3E}">
+        <p14:creationId xmlns:p14="http://schemas.microsoft.com/office/powerpoint/2010/main" val="2709996510"/>
+      </p:ext>
+    </p:extLst>
+  </p:cSld>
+  <p:clrMapOvr>
+    <a:masterClrMapping/>
+  </p:clrMapOvr>
+  <p:timing>
+    <p:tnLst>
+      <p:par>
+        <p:cTn xmlns:p14="http://schemas.microsoft.com/office/powerpoint/2010/main" id="1" dur="indefinite" restart="never" nodeType="tmRoot"/>
+      </p:par>
+    </p:tnLst>
+  </p:timing>
 </p:sld>
 </file>
 
@@ -20467,6 +22226,22 @@
                 </a:buClr>
                 <a:buSzPct val="125000"/>
               </a:pPr>
+              <a:r>
+                <a:rPr lang="en-US" dirty="0" smtClean="0">
+                  <a:solidFill>
+                    <a:srgbClr val="004080"/>
+                  </a:solidFill>
+                </a:rPr>
+                <a:t>Legacy </a:t>
+              </a:r>
+              <a:r>
+                <a:rPr lang="ru-RU" dirty="0" smtClean="0">
+                  <a:solidFill>
+                    <a:srgbClr val="004080"/>
+                  </a:solidFill>
+                </a:rPr>
+                <a:t>код</a:t>
+              </a:r>
               <a:endParaRPr lang="ru-RU" dirty="0">
                 <a:solidFill>
                   <a:srgbClr val="004080"/>
@@ -20738,6 +22513,14 @@
                 </a:buClr>
                 <a:buSzPct val="125000"/>
               </a:pPr>
+              <a:r>
+                <a:rPr lang="ru-RU" dirty="0" smtClean="0">
+                  <a:solidFill>
+                    <a:srgbClr val="004080"/>
+                  </a:solidFill>
+                </a:rPr>
+                <a:t>Причины появления</a:t>
+              </a:r>
               <a:endParaRPr lang="en-US" dirty="0">
                 <a:solidFill>
                   <a:srgbClr val="004080"/>
@@ -21009,6 +22792,30 @@
                 </a:buClr>
                 <a:buSzPct val="125000"/>
               </a:pPr>
+              <a:r>
+                <a:rPr lang="ru-RU" dirty="0" smtClean="0">
+                  <a:solidFill>
+                    <a:srgbClr val="004080"/>
+                  </a:solidFill>
+                </a:rPr>
+                <a:t>Как писать тесты для </a:t>
+              </a:r>
+              <a:r>
+                <a:rPr lang="en-US" dirty="0" smtClean="0">
+                  <a:solidFill>
+                    <a:srgbClr val="004080"/>
+                  </a:solidFill>
+                </a:rPr>
+                <a:t>Legacy </a:t>
+              </a:r>
+              <a:r>
+                <a:rPr lang="ru-RU" dirty="0" smtClean="0">
+                  <a:solidFill>
+                    <a:srgbClr val="004080"/>
+                  </a:solidFill>
+                </a:rPr>
+                <a:t>кода?</a:t>
+              </a:r>
               <a:endParaRPr lang="en-US" dirty="0" smtClean="0">
                 <a:solidFill>
                   <a:srgbClr val="004080"/>
@@ -21280,6 +23087,22 @@
                 </a:buClr>
                 <a:buSzPct val="125000"/>
               </a:pPr>
+              <a:r>
+                <a:rPr lang="ru-RU" dirty="0" smtClean="0">
+                  <a:solidFill>
+                    <a:srgbClr val="004080"/>
+                  </a:solidFill>
+                </a:rPr>
+                <a:t>Избавление </a:t>
+              </a:r>
+              <a:r>
+                <a:rPr lang="ru-RU" dirty="0">
+                  <a:solidFill>
+                    <a:srgbClr val="004080"/>
+                  </a:solidFill>
+                </a:rPr>
+                <a:t>от зависимостей</a:t>
+              </a:r>
               <a:endParaRPr lang="en-US" dirty="0">
                 <a:solidFill>
                   <a:srgbClr val="004080"/>
@@ -21551,6 +23374,46 @@
                 </a:buClr>
                 <a:buSzPct val="125000"/>
               </a:pPr>
+              <a:r>
+                <a:rPr lang="ru-RU" dirty="0">
+                  <a:solidFill>
+                    <a:srgbClr val="004080"/>
+                  </a:solidFill>
+                </a:rPr>
+                <a:t>Проблемы покрытия </a:t>
+              </a:r>
+              <a:r>
+                <a:rPr lang="en-US" dirty="0" smtClean="0">
+                  <a:solidFill>
+                    <a:srgbClr val="004080"/>
+                  </a:solidFill>
+                </a:rPr>
+                <a:t>L</a:t>
+              </a:r>
+              <a:r>
+                <a:rPr lang="ru-RU" dirty="0" err="1" smtClean="0">
+                  <a:solidFill>
+                    <a:srgbClr val="004080"/>
+                  </a:solidFill>
+                </a:rPr>
+                <a:t>egacy</a:t>
+              </a:r>
+              <a:r>
+                <a:rPr lang="en-US" dirty="0" smtClean="0">
+                  <a:solidFill>
+                    <a:srgbClr val="004080"/>
+                  </a:solidFill>
+                </a:rPr>
+                <a:t> </a:t>
+              </a:r>
+              <a:r>
+                <a:rPr lang="ru-RU" dirty="0" smtClean="0">
+                  <a:solidFill>
+                    <a:srgbClr val="004080"/>
+                  </a:solidFill>
+                </a:rPr>
+                <a:t>кода</a:t>
+              </a:r>
               <a:endParaRPr lang="en-US" dirty="0" smtClean="0">
                 <a:solidFill>
                   <a:srgbClr val="004080"/>
@@ -21828,275 +23691,17 @@
                     <a:srgbClr val="004080"/>
                   </a:solidFill>
                 </a:rPr>
-                <a:t>	</a:t>
+                <a:t>Dependency </a:t>
               </a:r>
-            </a:p>
-          </p:txBody>
-        </p:sp>
-      </p:grpSp>
-      <p:grpSp>
-        <p:nvGrpSpPr>
-          <p:cNvPr id="48" name="Group 47"/>
-          <p:cNvGrpSpPr/>
-          <p:nvPr/>
-        </p:nvGrpSpPr>
-        <p:grpSpPr>
-          <a:xfrm>
-            <a:off x="1279526" y="5274582"/>
-            <a:ext cx="6419849" cy="542925"/>
-            <a:chOff x="1352551" y="3432175"/>
-            <a:chExt cx="6419849" cy="542925"/>
-          </a:xfrm>
-        </p:grpSpPr>
-        <p:sp>
-          <p:nvSpPr>
-            <p:cNvPr id="49" name="Rectangle 48"/>
-            <p:cNvSpPr/>
-            <p:nvPr/>
-          </p:nvSpPr>
-          <p:spPr>
-            <a:xfrm>
-              <a:off x="2219325" y="3432175"/>
-              <a:ext cx="5553075" cy="542925"/>
-            </a:xfrm>
-            <a:prstGeom prst="rect">
-              <a:avLst/>
-            </a:prstGeom>
-            <a:solidFill>
-              <a:schemeClr val="accent2"/>
-            </a:solidFill>
-            <a:ln>
-              <a:noFill/>
-            </a:ln>
-          </p:spPr>
-          <p:style>
-            <a:lnRef idx="2">
-              <a:schemeClr val="accent1">
-                <a:shade val="50000"/>
-              </a:schemeClr>
-            </a:lnRef>
-            <a:fillRef idx="1">
-              <a:schemeClr val="accent1"/>
-            </a:fillRef>
-            <a:effectRef idx="0">
-              <a:schemeClr val="accent1"/>
-            </a:effectRef>
-            <a:fontRef idx="minor">
-              <a:schemeClr val="lt1"/>
-            </a:fontRef>
-          </p:style>
-          <p:txBody>
-            <a:bodyPr anchor="ctr"/>
-            <a:lstStyle/>
-            <a:p>
-              <a:pPr algn="ctr">
-                <a:defRPr/>
-              </a:pPr>
-              <a:endParaRPr lang="ru-RU" dirty="0"/>
-            </a:p>
-          </p:txBody>
-        </p:sp>
-        <p:sp>
-          <p:nvSpPr>
-            <p:cNvPr id="50" name="Rectangle 49"/>
-            <p:cNvSpPr/>
-            <p:nvPr/>
-          </p:nvSpPr>
-          <p:spPr>
-            <a:xfrm>
-              <a:off x="1352551" y="3432175"/>
-              <a:ext cx="476250" cy="542925"/>
-            </a:xfrm>
-            <a:prstGeom prst="rect">
-              <a:avLst/>
-            </a:prstGeom>
-            <a:solidFill>
-              <a:schemeClr val="accent3"/>
-            </a:solidFill>
-            <a:ln>
-              <a:noFill/>
-            </a:ln>
-          </p:spPr>
-          <p:style>
-            <a:lnRef idx="2">
-              <a:schemeClr val="accent1">
-                <a:shade val="50000"/>
-              </a:schemeClr>
-            </a:lnRef>
-            <a:fillRef idx="1">
-              <a:schemeClr val="accent1"/>
-            </a:fillRef>
-            <a:effectRef idx="0">
-              <a:schemeClr val="accent1"/>
-            </a:effectRef>
-            <a:fontRef idx="minor">
-              <a:schemeClr val="lt1"/>
-            </a:fontRef>
-          </p:style>
-          <p:txBody>
-            <a:bodyPr anchor="ctr"/>
-            <a:lstStyle/>
-            <a:p>
-              <a:pPr algn="ctr">
-                <a:defRPr/>
-              </a:pPr>
               <a:r>
-                <a:rPr lang="ru-RU" sz="3200" b="1" dirty="0" smtClean="0"/>
-                <a:t>7</a:t>
+                <a:rPr lang="en-US" dirty="0">
+                  <a:solidFill>
+                    <a:srgbClr val="004080"/>
+                  </a:solidFill>
+                </a:rPr>
+                <a:t>injection</a:t>
               </a:r>
-              <a:endParaRPr lang="ru-RU" sz="3200" b="1" dirty="0"/>
-            </a:p>
-          </p:txBody>
-        </p:sp>
-        <p:sp>
-          <p:nvSpPr>
-            <p:cNvPr id="51" name="TextBox 50"/>
-            <p:cNvSpPr txBox="1"/>
-            <p:nvPr/>
-          </p:nvSpPr>
-          <p:spPr>
-            <a:xfrm>
-              <a:off x="2286000" y="3438581"/>
-              <a:ext cx="5438775" cy="495108"/>
-            </a:xfrm>
-            <a:prstGeom prst="rect">
-              <a:avLst/>
-            </a:prstGeom>
-            <a:solidFill>
-              <a:schemeClr val="accent2"/>
-            </a:solidFill>
-          </p:spPr>
-          <p:txBody>
-            <a:bodyPr lIns="108000" tIns="108000" rIns="108000" bIns="108000">
-              <a:spAutoFit/>
-            </a:bodyPr>
-            <a:lstStyle>
-              <a:lvl1pPr eaLnBrk="0" hangingPunct="0">
-                <a:defRPr>
-                  <a:solidFill>
-                    <a:schemeClr val="tx1"/>
-                  </a:solidFill>
-                  <a:latin typeface="Arial" charset="0"/>
-                  <a:ea typeface="ＭＳ Ｐゴシック" charset="0"/>
-                  <a:cs typeface="Arial" charset="0"/>
-                </a:defRPr>
-              </a:lvl1pPr>
-              <a:lvl2pPr marL="742950" indent="-285750" eaLnBrk="0" hangingPunct="0">
-                <a:defRPr>
-                  <a:solidFill>
-                    <a:schemeClr val="tx1"/>
-                  </a:solidFill>
-                  <a:latin typeface="Arial" charset="0"/>
-                  <a:ea typeface="Arial" charset="0"/>
-                  <a:cs typeface="Arial" charset="0"/>
-                </a:defRPr>
-              </a:lvl2pPr>
-              <a:lvl3pPr marL="1143000" indent="-228600" eaLnBrk="0" hangingPunct="0">
-                <a:defRPr>
-                  <a:solidFill>
-                    <a:schemeClr val="tx1"/>
-                  </a:solidFill>
-                  <a:latin typeface="Arial" charset="0"/>
-                  <a:ea typeface="Arial" charset="0"/>
-                  <a:cs typeface="Arial" charset="0"/>
-                </a:defRPr>
-              </a:lvl3pPr>
-              <a:lvl4pPr marL="1600200" indent="-228600" eaLnBrk="0" hangingPunct="0">
-                <a:defRPr>
-                  <a:solidFill>
-                    <a:schemeClr val="tx1"/>
-                  </a:solidFill>
-                  <a:latin typeface="Arial" charset="0"/>
-                  <a:ea typeface="Arial" charset="0"/>
-                  <a:cs typeface="Arial" charset="0"/>
-                </a:defRPr>
-              </a:lvl4pPr>
-              <a:lvl5pPr marL="2057400" indent="-228600" eaLnBrk="0" hangingPunct="0">
-                <a:defRPr>
-                  <a:solidFill>
-                    <a:schemeClr val="tx1"/>
-                  </a:solidFill>
-                  <a:latin typeface="Arial" charset="0"/>
-                  <a:ea typeface="Arial" charset="0"/>
-                  <a:cs typeface="Arial" charset="0"/>
-                </a:defRPr>
-              </a:lvl5pPr>
-              <a:lvl6pPr marL="2514600" indent="-228600" eaLnBrk="0" fontAlgn="base" hangingPunct="0">
-                <a:spcBef>
-                  <a:spcPct val="0"/>
-                </a:spcBef>
-                <a:spcAft>
-                  <a:spcPct val="0"/>
-                </a:spcAft>
-                <a:defRPr>
-                  <a:solidFill>
-                    <a:schemeClr val="tx1"/>
-                  </a:solidFill>
-                  <a:latin typeface="Arial" charset="0"/>
-                  <a:ea typeface="Arial" charset="0"/>
-                  <a:cs typeface="Arial" charset="0"/>
-                </a:defRPr>
-              </a:lvl6pPr>
-              <a:lvl7pPr marL="2971800" indent="-228600" eaLnBrk="0" fontAlgn="base" hangingPunct="0">
-                <a:spcBef>
-                  <a:spcPct val="0"/>
-                </a:spcBef>
-                <a:spcAft>
-                  <a:spcPct val="0"/>
-                </a:spcAft>
-                <a:defRPr>
-                  <a:solidFill>
-                    <a:schemeClr val="tx1"/>
-                  </a:solidFill>
-                  <a:latin typeface="Arial" charset="0"/>
-                  <a:ea typeface="Arial" charset="0"/>
-                  <a:cs typeface="Arial" charset="0"/>
-                </a:defRPr>
-              </a:lvl7pPr>
-              <a:lvl8pPr marL="3429000" indent="-228600" eaLnBrk="0" fontAlgn="base" hangingPunct="0">
-                <a:spcBef>
-                  <a:spcPct val="0"/>
-                </a:spcBef>
-                <a:spcAft>
-                  <a:spcPct val="0"/>
-                </a:spcAft>
-                <a:defRPr>
-                  <a:solidFill>
-                    <a:schemeClr val="tx1"/>
-                  </a:solidFill>
-                  <a:latin typeface="Arial" charset="0"/>
-                  <a:ea typeface="Arial" charset="0"/>
-                  <a:cs typeface="Arial" charset="0"/>
-                </a:defRPr>
-              </a:lvl8pPr>
-              <a:lvl9pPr marL="3886200" indent="-228600" eaLnBrk="0" fontAlgn="base" hangingPunct="0">
-                <a:spcBef>
-                  <a:spcPct val="0"/>
-                </a:spcBef>
-                <a:spcAft>
-                  <a:spcPct val="0"/>
-                </a:spcAft>
-                <a:defRPr>
-                  <a:solidFill>
-                    <a:schemeClr val="tx1"/>
-                  </a:solidFill>
-                  <a:latin typeface="Arial" charset="0"/>
-                  <a:ea typeface="Arial" charset="0"/>
-                  <a:cs typeface="Arial" charset="0"/>
-                </a:defRPr>
-              </a:lvl9pPr>
-            </a:lstStyle>
-            <a:p>
-              <a:pPr eaLnBrk="1" hangingPunct="1">
-                <a:spcAft>
-                  <a:spcPts val="400"/>
-                </a:spcAft>
-                <a:buClr>
-                  <a:srgbClr val="FF6600"/>
-                </a:buClr>
-                <a:buSzPct val="125000"/>
-              </a:pPr>
-              <a:endParaRPr lang="en-US" dirty="0">
+              <a:endParaRPr lang="en-US" dirty="0" smtClean="0">
                 <a:solidFill>
                   <a:srgbClr val="004080"/>
                 </a:solidFill>
@@ -22115,16 +23720,303 @@
   <p:clrMapOvr>
     <a:masterClrMapping/>
   </p:clrMapOvr>
-  <p:transition spd="slow">
+  <p:transition xmlns:p14="http://schemas.microsoft.com/office/powerpoint/2010/main" spd="slow">
     <p:fade/>
   </p:transition>
   <p:timing>
     <p:tnLst>
       <p:par>
-        <p:cTn id="1" dur="indefinite" restart="never" nodeType="tmRoot"/>
+        <p:cTn xmlns:p14="http://schemas.microsoft.com/office/powerpoint/2010/main" id="1" dur="indefinite" restart="never" nodeType="tmRoot"/>
       </p:par>
     </p:tnLst>
   </p:timing>
+</p:sld>
+</file>
+
+<file path=ppt/slides/slide20.xml><?xml version="1.0" encoding="utf-8"?>
+<p:sld xmlns:a="http://schemas.openxmlformats.org/drawingml/2006/main" xmlns:r="http://schemas.openxmlformats.org/officeDocument/2006/relationships" xmlns:p="http://schemas.openxmlformats.org/presentationml/2006/main">
+  <p:cSld>
+    <p:spTree>
+      <p:nvGrpSpPr>
+        <p:cNvPr id="1" name=""/>
+        <p:cNvGrpSpPr/>
+        <p:nvPr/>
+      </p:nvGrpSpPr>
+      <p:grpSpPr>
+        <a:xfrm>
+          <a:off x="0" y="0"/>
+          <a:ext cx="0" cy="0"/>
+          <a:chOff x="0" y="0"/>
+          <a:chExt cx="0" cy="0"/>
+        </a:xfrm>
+      </p:grpSpPr>
+      <p:sp>
+        <p:nvSpPr>
+          <p:cNvPr id="7" name="Text Placeholder 6"/>
+          <p:cNvSpPr>
+            <a:spLocks noGrp="1"/>
+          </p:cNvSpPr>
+          <p:nvPr>
+            <p:ph type="body" sz="quarter" idx="20"/>
+          </p:nvPr>
+        </p:nvSpPr>
+        <p:spPr>
+          <a:xfrm>
+            <a:off x="2127250" y="2432649"/>
+            <a:ext cx="6467476" cy="576293"/>
+          </a:xfrm>
+        </p:spPr>
+        <p:txBody>
+          <a:bodyPr/>
+          <a:lstStyle/>
+          <a:p>
+            <a:r>
+              <a:rPr lang="ru-RU" dirty="0" smtClean="0"/>
+              <a:t>Вопросы ?</a:t>
+            </a:r>
+            <a:endParaRPr lang="en-US" dirty="0"/>
+          </a:p>
+        </p:txBody>
+      </p:sp>
+    </p:spTree>
+    <p:extLst>
+      <p:ext uri="{BB962C8B-B14F-4D97-AF65-F5344CB8AC3E}">
+        <p14:creationId xmlns:p14="http://schemas.microsoft.com/office/powerpoint/2010/main" val="2964007123"/>
+      </p:ext>
+    </p:extLst>
+  </p:cSld>
+  <p:clrMapOvr>
+    <a:masterClrMapping/>
+  </p:clrMapOvr>
+  <p:transition xmlns:p14="http://schemas.microsoft.com/office/powerpoint/2010/main">
+    <p:zoom/>
+  </p:transition>
+  <p:timing>
+    <p:tnLst>
+      <p:par>
+        <p:cTn xmlns:p14="http://schemas.microsoft.com/office/powerpoint/2010/main" id="1" dur="indefinite" restart="never" nodeType="tmRoot"/>
+      </p:par>
+    </p:tnLst>
+  </p:timing>
+</p:sld>
+</file>
+
+<file path=ppt/slides/slide21.xml><?xml version="1.0" encoding="utf-8"?>
+<p:sld xmlns:a="http://schemas.openxmlformats.org/drawingml/2006/main" xmlns:r="http://schemas.openxmlformats.org/officeDocument/2006/relationships" xmlns:p="http://schemas.openxmlformats.org/presentationml/2006/main">
+  <p:cSld>
+    <p:spTree>
+      <p:nvGrpSpPr>
+        <p:cNvPr id="1" name=""/>
+        <p:cNvGrpSpPr/>
+        <p:nvPr/>
+      </p:nvGrpSpPr>
+      <p:grpSpPr>
+        <a:xfrm>
+          <a:off x="0" y="0"/>
+          <a:ext cx="0" cy="0"/>
+          <a:chOff x="0" y="0"/>
+          <a:chExt cx="0" cy="0"/>
+        </a:xfrm>
+      </p:grpSpPr>
+      <p:sp>
+        <p:nvSpPr>
+          <p:cNvPr id="7" name="Subtitle 6"/>
+          <p:cNvSpPr>
+            <a:spLocks noGrp="1"/>
+          </p:cNvSpPr>
+          <p:nvPr>
+            <p:ph type="subTitle" idx="1"/>
+          </p:nvPr>
+        </p:nvSpPr>
+        <p:spPr/>
+        <p:txBody>
+          <a:bodyPr/>
+          <a:lstStyle/>
+          <a:p>
+            <a:r>
+              <a:rPr lang="en-US" dirty="0">
+                <a:latin typeface="Arial" charset="0"/>
+              </a:rPr>
+              <a:t>Разработка через </a:t>
+            </a:r>
+            <a:r>
+              <a:rPr lang="en-US" dirty="0" smtClean="0">
+                <a:latin typeface="Arial" charset="0"/>
+              </a:rPr>
+              <a:t>тестирование</a:t>
+            </a:r>
+            <a:r>
+              <a:rPr lang="en-US" dirty="0">
+                <a:latin typeface="Arial" charset="0"/>
+              </a:rPr>
+              <a:t/>
+            </a:r>
+            <a:br>
+              <a:rPr lang="en-US" dirty="0">
+                <a:latin typeface="Arial" charset="0"/>
+              </a:rPr>
+            </a:br>
+            <a:endParaRPr lang="en-US" dirty="0"/>
+          </a:p>
+        </p:txBody>
+      </p:sp>
+      <p:sp>
+        <p:nvSpPr>
+          <p:cNvPr id="8" name="Text Placeholder 7"/>
+          <p:cNvSpPr>
+            <a:spLocks noGrp="1"/>
+          </p:cNvSpPr>
+          <p:nvPr>
+            <p:ph type="body" sz="quarter" idx="11"/>
+          </p:nvPr>
+        </p:nvSpPr>
+        <p:spPr/>
+        <p:txBody>
+          <a:bodyPr>
+            <a:normAutofit/>
+          </a:bodyPr>
+          <a:lstStyle/>
+          <a:p>
+            <a:r>
+              <a:rPr lang="en-US" dirty="0" err="1"/>
+              <a:t>git</a:t>
+            </a:r>
+            <a:r>
+              <a:rPr lang="en-US" dirty="0"/>
+              <a:t> clone </a:t>
+            </a:r>
+            <a:r>
+              <a:rPr lang="en-US" dirty="0" err="1"/>
+              <a:t>git</a:t>
+            </a:r>
+            <a:r>
+              <a:rPr lang="en-US" dirty="0"/>
+              <a:t>://</a:t>
+            </a:r>
+            <a:r>
+              <a:rPr lang="en-US" dirty="0" err="1"/>
+              <a:t>github.com</a:t>
+            </a:r>
+            <a:r>
+              <a:rPr lang="en-US" dirty="0"/>
+              <a:t>/</a:t>
+            </a:r>
+            <a:r>
+              <a:rPr lang="en-US" dirty="0" err="1"/>
+              <a:t>ivan-dyachenko</a:t>
+            </a:r>
+            <a:r>
+              <a:rPr lang="en-US" dirty="0"/>
+              <a:t>/</a:t>
+            </a:r>
+            <a:r>
+              <a:rPr lang="en-US" dirty="0" err="1"/>
+              <a:t>Trainings.git</a:t>
+            </a:r>
+            <a:endParaRPr lang="en-US" dirty="0"/>
+          </a:p>
+        </p:txBody>
+      </p:sp>
+      <p:sp>
+        <p:nvSpPr>
+          <p:cNvPr id="9" name="Text Placeholder 8"/>
+          <p:cNvSpPr>
+            <a:spLocks noGrp="1"/>
+          </p:cNvSpPr>
+          <p:nvPr>
+            <p:ph type="body" sz="quarter" idx="12"/>
+          </p:nvPr>
+        </p:nvSpPr>
+        <p:spPr/>
+        <p:txBody>
+          <a:bodyPr/>
+          <a:lstStyle/>
+          <a:p>
+            <a:r>
+              <a:rPr lang="en-US" dirty="0" err="1" smtClean="0"/>
+              <a:t>IDyachenko@luxoft.com</a:t>
+            </a:r>
+            <a:endParaRPr lang="en-US" dirty="0"/>
+          </a:p>
+        </p:txBody>
+      </p:sp>
+      <p:sp>
+        <p:nvSpPr>
+          <p:cNvPr id="10" name="Text Placeholder 9"/>
+          <p:cNvSpPr>
+            <a:spLocks noGrp="1"/>
+          </p:cNvSpPr>
+          <p:nvPr>
+            <p:ph type="body" sz="quarter" idx="13"/>
+          </p:nvPr>
+        </p:nvSpPr>
+        <p:spPr/>
+        <p:txBody>
+          <a:bodyPr>
+            <a:normAutofit/>
+          </a:bodyPr>
+          <a:lstStyle/>
+          <a:p>
+            <a:r>
+              <a:rPr lang="en-US" dirty="0"/>
+              <a:t>https://</a:t>
+            </a:r>
+            <a:r>
+              <a:rPr lang="en-US" dirty="0" err="1"/>
+              <a:t>github.com</a:t>
+            </a:r>
+            <a:r>
+              <a:rPr lang="en-US" dirty="0"/>
+              <a:t>/</a:t>
+            </a:r>
+            <a:r>
+              <a:rPr lang="en-US" dirty="0" err="1"/>
+              <a:t>ivan-dyachenko</a:t>
+            </a:r>
+            <a:r>
+              <a:rPr lang="en-US" dirty="0"/>
+              <a:t>/</a:t>
+            </a:r>
+            <a:r>
+              <a:rPr lang="en-US" dirty="0" smtClean="0"/>
+              <a:t>Trainings</a:t>
+            </a:r>
+            <a:endParaRPr lang="en-US" dirty="0"/>
+          </a:p>
+        </p:txBody>
+      </p:sp>
+      <p:sp>
+        <p:nvSpPr>
+          <p:cNvPr id="11" name="Text Placeholder 10"/>
+          <p:cNvSpPr>
+            <a:spLocks noGrp="1"/>
+          </p:cNvSpPr>
+          <p:nvPr>
+            <p:ph type="body" sz="quarter" idx="14"/>
+          </p:nvPr>
+        </p:nvSpPr>
+        <p:spPr/>
+        <p:txBody>
+          <a:bodyPr/>
+          <a:lstStyle/>
+          <a:p>
+            <a:endParaRPr lang="en-US"/>
+          </a:p>
+        </p:txBody>
+      </p:sp>
+    </p:spTree>
+    <p:extLst>
+      <p:ext uri="{BB962C8B-B14F-4D97-AF65-F5344CB8AC3E}">
+        <p14:creationId xmlns:p14="http://schemas.microsoft.com/office/powerpoint/2010/main" val="1157964761"/>
+      </p:ext>
+    </p:extLst>
+  </p:cSld>
+  <p:clrMapOvr>
+    <a:masterClrMapping/>
+  </p:clrMapOvr>
+  <p:transition xmlns:p14="http://schemas.microsoft.com/office/powerpoint/2010/main">
+    <p:zoom/>
+  </p:transition>
 </p:sld>
 </file>
 
@@ -22217,6 +24109,8 @@
                 <a:solidFill>
                   <a:schemeClr val="accent4"/>
                 </a:solidFill>
+                <a:latin typeface="Arial"/>
+                <a:cs typeface="Arial"/>
               </a:rPr>
               <a:t>Причины появления </a:t>
             </a:r>
@@ -22225,6 +24119,8 @@
                 <a:solidFill>
                   <a:schemeClr val="accent4"/>
                 </a:solidFill>
+                <a:latin typeface="Arial"/>
+                <a:cs typeface="Arial"/>
               </a:rPr>
               <a:t>legacy-</a:t>
             </a:r>
@@ -22233,6 +24129,8 @@
                 <a:solidFill>
                   <a:schemeClr val="accent4"/>
                 </a:solidFill>
+                <a:latin typeface="Arial"/>
+                <a:cs typeface="Arial"/>
               </a:rPr>
               <a:t>код</a:t>
             </a:r>
@@ -22241,6 +24139,8 @@
                 <a:solidFill>
                   <a:schemeClr val="accent4"/>
                 </a:solidFill>
+                <a:latin typeface="Arial"/>
+                <a:cs typeface="Arial"/>
               </a:rPr>
               <a:t>(</a:t>
             </a:r>
@@ -22249,6 +24149,8 @@
                 <a:solidFill>
                   <a:schemeClr val="accent4"/>
                 </a:solidFill>
+                <a:latin typeface="Arial"/>
+                <a:cs typeface="Arial"/>
               </a:rPr>
               <a:t>а)</a:t>
             </a:r>
@@ -22257,6 +24159,8 @@
                 <a:solidFill>
                   <a:schemeClr val="accent4"/>
                 </a:solidFill>
+                <a:latin typeface="Arial"/>
+                <a:cs typeface="Arial"/>
               </a:rPr>
               <a:t>:</a:t>
             </a:r>
@@ -22274,6 +24178,8 @@
               <a:solidFill>
                 <a:schemeClr val="accent4"/>
               </a:solidFill>
+              <a:latin typeface="Arial"/>
+              <a:cs typeface="Arial"/>
             </a:endParaRPr>
           </a:p>
           <a:p>
@@ -22290,6 +24196,8 @@
                 <a:solidFill>
                   <a:schemeClr val="accent4"/>
                 </a:solidFill>
+                <a:latin typeface="Arial"/>
+                <a:cs typeface="Arial"/>
               </a:rPr>
               <a:t>Появление новых технологий</a:t>
             </a:r>
@@ -22297,6 +24205,8 @@
               <a:solidFill>
                 <a:schemeClr val="accent4"/>
               </a:solidFill>
+              <a:latin typeface="Arial"/>
+              <a:cs typeface="Arial"/>
             </a:endParaRPr>
           </a:p>
           <a:p>
@@ -22312,6 +24222,8 @@
               <a:solidFill>
                 <a:schemeClr val="accent4"/>
               </a:solidFill>
+              <a:latin typeface="Arial"/>
+              <a:cs typeface="Arial"/>
             </a:endParaRPr>
           </a:p>
           <a:p>
@@ -22328,6 +24240,8 @@
                 <a:solidFill>
                   <a:schemeClr val="accent4"/>
                 </a:solidFill>
+                <a:latin typeface="Arial"/>
+                <a:cs typeface="Arial"/>
               </a:rPr>
               <a:t>Развитие существующих технологий</a:t>
             </a:r>
@@ -22335,6 +24249,8 @@
               <a:solidFill>
                 <a:schemeClr val="accent4"/>
               </a:solidFill>
+              <a:latin typeface="Arial"/>
+              <a:cs typeface="Arial"/>
             </a:endParaRPr>
           </a:p>
           <a:p>
@@ -22350,6 +24266,8 @@
               <a:solidFill>
                 <a:schemeClr val="accent4"/>
               </a:solidFill>
+              <a:latin typeface="Arial"/>
+              <a:cs typeface="Arial"/>
             </a:endParaRPr>
           </a:p>
           <a:p>
@@ -22366,6 +24284,8 @@
                 <a:solidFill>
                   <a:schemeClr val="accent4"/>
                 </a:solidFill>
+                <a:latin typeface="Arial"/>
+                <a:cs typeface="Arial"/>
               </a:rPr>
               <a:t>Бурное развитие системы</a:t>
             </a:r>
@@ -22373,6 +24293,8 @@
               <a:solidFill>
                 <a:schemeClr val="accent4"/>
               </a:solidFill>
+              <a:latin typeface="Arial"/>
+              <a:cs typeface="Arial"/>
             </a:endParaRPr>
           </a:p>
         </p:txBody>
@@ -22390,7 +24312,7 @@
   <p:timing>
     <p:tnLst>
       <p:par>
-        <p:cTn id="1" dur="indefinite" restart="never" nodeType="tmRoot"/>
+        <p:cTn xmlns:p14="http://schemas.microsoft.com/office/powerpoint/2010/main" id="1" dur="indefinite" restart="never" nodeType="tmRoot"/>
       </p:par>
     </p:tnLst>
   </p:timing>
@@ -22451,8 +24373,8 @@
         </p:nvSpPr>
         <p:spPr bwMode="auto">
           <a:xfrm>
-            <a:off x="2000878" y="2667000"/>
-            <a:ext cx="5023841" cy="1070610"/>
+            <a:off x="1838639" y="2893695"/>
+            <a:ext cx="5466722" cy="1070610"/>
           </a:xfrm>
           <a:prstGeom prst="rect">
             <a:avLst/>
@@ -22471,7 +24393,7 @@
           </a:bodyPr>
           <a:lstStyle/>
           <a:p>
-            <a:pPr defTabSz="803275">
+            <a:pPr algn="ctr" defTabSz="803275">
               <a:buClr>
                 <a:srgbClr val="FF6600"/>
               </a:buClr>
@@ -22490,8 +24412,36 @@
                 <a:solidFill>
                   <a:schemeClr val="accent4"/>
                 </a:solidFill>
+                <a:latin typeface="Arial"/>
+                <a:cs typeface="Arial"/>
               </a:rPr>
-              <a:t>огромные программные комплексы, написанные на языке C++, который считался передовым всего десять лет назад</a:t>
+              <a:t>огромные</a:t>
+            </a:r>
+            <a:r>
+              <a:rPr lang="ru-RU" dirty="0">
+                <a:solidFill>
+                  <a:schemeClr val="accent4"/>
+                </a:solidFill>
+              </a:rPr>
+              <a:t> программные комплексы, </a:t>
+            </a:r>
+            <a:r>
+              <a:rPr lang="ru-RU" dirty="0">
+                <a:solidFill>
+                  <a:schemeClr val="accent4"/>
+                </a:solidFill>
+                <a:latin typeface="Arial"/>
+                <a:cs typeface="Arial"/>
+              </a:rPr>
+              <a:t>написанные</a:t>
+            </a:r>
+            <a:r>
+              <a:rPr lang="ru-RU" dirty="0">
+                <a:solidFill>
+                  <a:schemeClr val="accent4"/>
+                </a:solidFill>
+              </a:rPr>
+              <a:t> на языке C++, который считался передовым всего десять лет назад</a:t>
             </a:r>
           </a:p>
         </p:txBody>
@@ -22509,7 +24459,7 @@
   <p:timing>
     <p:tnLst>
       <p:par>
-        <p:cTn id="1" dur="indefinite" restart="never" nodeType="tmRoot"/>
+        <p:cTn xmlns:p14="http://schemas.microsoft.com/office/powerpoint/2010/main" id="1" dur="indefinite" restart="never" nodeType="tmRoot"/>
       </p:par>
     </p:tnLst>
   </p:timing>
@@ -22570,8 +24520,8 @@
         </p:nvSpPr>
         <p:spPr bwMode="auto">
           <a:xfrm>
-            <a:off x="2000878" y="2667000"/>
-            <a:ext cx="5023841" cy="1624608"/>
+            <a:off x="1028700" y="2755196"/>
+            <a:ext cx="7086600" cy="1347609"/>
           </a:xfrm>
           <a:prstGeom prst="rect">
             <a:avLst/>
@@ -22590,7 +24540,7 @@
           </a:bodyPr>
           <a:lstStyle/>
           <a:p>
-            <a:pPr defTabSz="803275">
+            <a:pPr algn="ctr" defTabSz="803275">
               <a:buClr>
                 <a:srgbClr val="FF6600"/>
               </a:buClr>
@@ -22601,6 +24551,8 @@
                 <a:solidFill>
                   <a:schemeClr val="accent4"/>
                 </a:solidFill>
+                <a:latin typeface="Arial"/>
+                <a:cs typeface="Arial"/>
               </a:rPr>
               <a:t>Частые </a:t>
             </a:r>
@@ -22609,6 +24561,8 @@
                 <a:solidFill>
                   <a:schemeClr val="accent4"/>
                 </a:solidFill>
+                <a:latin typeface="Arial"/>
+                <a:cs typeface="Arial"/>
               </a:rPr>
               <a:t>изменения в языках и платформах Java/C# очень быстро приводят к появлению унаследованных решений, поскольку то, что когда-то считалось новаторским, превращается в неподдерживаемый, устаревший код</a:t>
             </a:r>
@@ -22628,7 +24582,7 @@
   <p:timing>
     <p:tnLst>
       <p:par>
-        <p:cTn id="1" dur="indefinite" restart="never" nodeType="tmRoot"/>
+        <p:cTn xmlns:p14="http://schemas.microsoft.com/office/powerpoint/2010/main" id="1" dur="indefinite" restart="never" nodeType="tmRoot"/>
       </p:par>
     </p:tnLst>
   </p:timing>
@@ -22689,8 +24643,8 @@
         </p:nvSpPr>
         <p:spPr bwMode="auto">
           <a:xfrm>
-            <a:off x="2000878" y="2667000"/>
-            <a:ext cx="5023841" cy="1901607"/>
+            <a:off x="876300" y="2755196"/>
+            <a:ext cx="7391400" cy="1347609"/>
           </a:xfrm>
           <a:prstGeom prst="rect">
             <a:avLst/>
@@ -22709,7 +24663,7 @@
           </a:bodyPr>
           <a:lstStyle/>
           <a:p>
-            <a:pPr defTabSz="803275">
+            <a:pPr algn="ctr" defTabSz="803275">
               <a:buClr>
                 <a:srgbClr val="FF6600"/>
               </a:buClr>
@@ -22720,6 +24674,8 @@
                 <a:solidFill>
                   <a:schemeClr val="accent4"/>
                 </a:solidFill>
+                <a:latin typeface="Arial"/>
+                <a:cs typeface="Arial"/>
               </a:rPr>
               <a:t>Зачастую</a:t>
             </a:r>
@@ -22728,6 +24684,8 @@
                 <a:solidFill>
                   <a:schemeClr val="accent4"/>
                 </a:solidFill>
+                <a:latin typeface="Arial"/>
+                <a:cs typeface="Arial"/>
               </a:rPr>
               <a:t>, программисты сосредоточивают усилия именно на реализации новых возможностей программного обеспечения – применяются новые технологии, но существующий функционал при этом не совершенствуется</a:t>
             </a:r>
@@ -22747,7 +24705,7 @@
   <p:timing>
     <p:tnLst>
       <p:par>
-        <p:cTn id="1" dur="indefinite" restart="never" nodeType="tmRoot"/>
+        <p:cTn xmlns:p14="http://schemas.microsoft.com/office/powerpoint/2010/main" id="1" dur="indefinite" restart="never" nodeType="tmRoot"/>
       </p:par>
     </p:tnLst>
   </p:timing>
@@ -22812,8 +24770,8 @@
         </p:nvSpPr>
         <p:spPr bwMode="auto">
           <a:xfrm>
-            <a:off x="2000878" y="2667000"/>
-            <a:ext cx="5023841" cy="516612"/>
+            <a:off x="1648139" y="3170694"/>
+            <a:ext cx="5847722" cy="516612"/>
           </a:xfrm>
           <a:prstGeom prst="rect">
             <a:avLst/>
@@ -22843,6 +24801,8 @@
                 <a:solidFill>
                   <a:schemeClr val="accent4"/>
                 </a:solidFill>
+                <a:latin typeface="Arial"/>
+                <a:cs typeface="Arial"/>
               </a:rPr>
               <a:t>Итак, нужно ли писать тесты для legacy-кода?</a:t>
             </a:r>
@@ -22862,7 +24822,7 @@
   <p:timing>
     <p:tnLst>
       <p:par>
-        <p:cTn id="1" dur="indefinite" restart="never" nodeType="tmRoot"/>
+        <p:cTn xmlns:p14="http://schemas.microsoft.com/office/powerpoint/2010/main" id="1" dur="indefinite" restart="never" nodeType="tmRoot"/>
       </p:par>
     </p:tnLst>
   </p:timing>
@@ -22927,7 +24887,7 @@
         </p:nvSpPr>
         <p:spPr bwMode="auto">
           <a:xfrm>
-            <a:off x="2000878" y="2667000"/>
+            <a:off x="2060080" y="3170694"/>
             <a:ext cx="5023841" cy="516612"/>
           </a:xfrm>
           <a:prstGeom prst="rect">
@@ -22958,6 +24918,8 @@
                 <a:solidFill>
                   <a:schemeClr val="accent4"/>
                 </a:solidFill>
+                <a:latin typeface="Arial"/>
+                <a:cs typeface="Arial"/>
               </a:rPr>
               <a:t>Да, </a:t>
             </a:r>
@@ -22966,6 +24928,8 @@
                 <a:solidFill>
                   <a:schemeClr val="accent4"/>
                 </a:solidFill>
+                <a:latin typeface="Arial"/>
+                <a:cs typeface="Arial"/>
               </a:rPr>
               <a:t>нужно!</a:t>
             </a:r>
@@ -22973,6 +24937,8 @@
               <a:solidFill>
                 <a:schemeClr val="accent4"/>
               </a:solidFill>
+              <a:latin typeface="Arial"/>
+              <a:cs typeface="Arial"/>
             </a:endParaRPr>
           </a:p>
         </p:txBody>
@@ -22990,7 +24956,7 @@
   <p:timing>
     <p:tnLst>
       <p:par>
-        <p:cTn id="1" dur="indefinite" restart="never" nodeType="tmRoot"/>
+        <p:cTn xmlns:p14="http://schemas.microsoft.com/office/powerpoint/2010/main" id="1" dur="indefinite" restart="never" nodeType="tmRoot"/>
       </p:par>
     </p:tnLst>
   </p:timing>
@@ -23055,8 +25021,8 @@
         </p:nvSpPr>
         <p:spPr bwMode="auto">
           <a:xfrm>
-            <a:off x="2000878" y="2667000"/>
-            <a:ext cx="5023841" cy="1901607"/>
+            <a:off x="1639640" y="2667000"/>
+            <a:ext cx="5864720" cy="1347609"/>
           </a:xfrm>
           <a:prstGeom prst="rect">
             <a:avLst/>
@@ -23088,6 +25054,8 @@
                 <a:solidFill>
                   <a:schemeClr val="accent4"/>
                 </a:solidFill>
+                <a:latin typeface="Arial"/>
+                <a:cs typeface="Arial"/>
               </a:rPr>
               <a:t>Unit-тесты позволят вам понять, как работает </a:t>
             </a:r>
@@ -23096,6 +25064,8 @@
                 <a:solidFill>
                   <a:schemeClr val="accent4"/>
                 </a:solidFill>
+                <a:latin typeface="Arial"/>
+                <a:cs typeface="Arial"/>
               </a:rPr>
               <a:t>код</a:t>
             </a:r>
@@ -23113,6 +25083,8 @@
               <a:solidFill>
                 <a:schemeClr val="accent4"/>
               </a:solidFill>
+              <a:latin typeface="Arial"/>
+              <a:cs typeface="Arial"/>
             </a:endParaRPr>
           </a:p>
           <a:p>
@@ -23129,6 +25101,8 @@
                 <a:solidFill>
                   <a:schemeClr val="accent4"/>
                 </a:solidFill>
+                <a:latin typeface="Arial"/>
+                <a:cs typeface="Arial"/>
               </a:rPr>
               <a:t>Unit-тесты позволят вам убедиться, что ваши изменения не нарушили логику работы модуля</a:t>
             </a:r>
@@ -23148,7 +25122,7 @@
   <p:timing>
     <p:tnLst>
       <p:par>
-        <p:cTn id="1" dur="indefinite" restart="never" nodeType="tmRoot"/>
+        <p:cTn xmlns:p14="http://schemas.microsoft.com/office/powerpoint/2010/main" id="1" dur="indefinite" restart="never" nodeType="tmRoot"/>
       </p:par>
     </p:tnLst>
   </p:timing>
@@ -23184,13 +25158,6 @@
 </file>
 
 <file path=ppt/tags/tag13.xml><?xml version="1.0" encoding="utf-8"?>
-<p:tagLst xmlns:a="http://schemas.openxmlformats.org/drawingml/2006/main" xmlns:r="http://schemas.openxmlformats.org/officeDocument/2006/relationships" xmlns:p="http://schemas.openxmlformats.org/presentationml/2006/main">
-  <p:tag name="LTOP" val=" 238.25"/>
-  <p:tag name="LLEFT" val=" 144.125"/>
-</p:tagLst>
-</file>
-
-<file path=ppt/tags/tag14.xml><?xml version="1.0" encoding="utf-8"?>
 <p:tagLst xmlns:a="http://schemas.openxmlformats.org/drawingml/2006/main" xmlns:r="http://schemas.openxmlformats.org/officeDocument/2006/relationships" xmlns:p="http://schemas.openxmlformats.org/presentationml/2006/main">
   <p:tag name="LTOP" val=" 238.25"/>
   <p:tag name="LLEFT" val=" 144.125"/>
